--- a/Presentation.pptx
+++ b/Presentation.pptx
@@ -18,12 +18,17 @@
     <p:sldId id="317" r:id="rId11"/>
     <p:sldId id="316" r:id="rId12"/>
     <p:sldId id="318" r:id="rId13"/>
-    <p:sldId id="264" r:id="rId14"/>
+    <p:sldId id="319" r:id="rId14"/>
+    <p:sldId id="321" r:id="rId15"/>
+    <p:sldId id="322" r:id="rId16"/>
+    <p:sldId id="323" r:id="rId17"/>
+    <p:sldId id="320" r:id="rId18"/>
+    <p:sldId id="264" r:id="rId19"/>
   </p:sldIdLst>
   <p:sldSz cx="12192000" cy="6858000"/>
   <p:notesSz cx="6858000" cy="9144000"/>
   <p:custDataLst>
-    <p:tags r:id="rId18"/>
+    <p:tags r:id="rId23"/>
   </p:custDataLst>
   <p:defaultTextStyle>
     <a:defPPr>
@@ -5061,6 +5066,838 @@
       </p:grpSpPr>
       <p:sp>
         <p:nvSpPr>
+          <p:cNvPr id="2" name="内容占位符 1"/>
+          <p:cNvSpPr>
+            <a:spLocks noGrp="1"/>
+          </p:cNvSpPr>
+          <p:nvPr>
+            <p:ph idx="1"/>
+          </p:nvPr>
+        </p:nvSpPr>
+        <p:spPr/>
+        <p:txBody>
+          <a:bodyPr>
+            <a:normAutofit/>
+          </a:bodyPr>
+          <a:lstStyle/>
+          <a:p>
+            <a:pPr lvl="1"/>
+            <a:r>
+              <a:rPr kumimoji="1" lang="en-US" altLang="zh-CN" sz="1800" dirty="0">
+                <a:sym typeface="+mn-ea"/>
+              </a:rPr>
+              <a:t>Which Data Should We Select as Features ?</a:t>
+            </a:r>
+            <a:endParaRPr kumimoji="1" lang="en-US" altLang="zh-CN" sz="1800" dirty="0">
+              <a:sym typeface="+mn-ea"/>
+            </a:endParaRPr>
+          </a:p>
+          <a:p>
+            <a:pPr lvl="2"/>
+            <a:r>
+              <a:rPr kumimoji="1" lang="en-US" altLang="zh-CN" sz="1600" dirty="0">
+                <a:sym typeface="+mn-ea"/>
+              </a:rPr>
+              <a:t>For RNN  we organize the data into a time series matrix while retaining the original features</a:t>
+            </a:r>
+            <a:endParaRPr kumimoji="1" lang="en-US" altLang="zh-CN" sz="1600" dirty="0">
+              <a:sym typeface="+mn-ea"/>
+            </a:endParaRPr>
+          </a:p>
+          <a:p>
+            <a:pPr lvl="2"/>
+            <a:r>
+              <a:rPr kumimoji="1" lang="en-US" altLang="zh-CN" sz="1600" dirty="0">
+                <a:sym typeface="+mn-ea"/>
+              </a:rPr>
+              <a:t>For traditional machine learning methods, we remove the time column, flatten the data, and use the entire dataset as features</a:t>
+            </a:r>
+            <a:endParaRPr kumimoji="1" lang="en-US" altLang="zh-CN" sz="1600" dirty="0">
+              <a:sym typeface="+mn-ea"/>
+            </a:endParaRPr>
+          </a:p>
+          <a:p>
+            <a:pPr lvl="1"/>
+            <a:r>
+              <a:rPr kumimoji="1" lang="en-US" altLang="zh-CN" sz="1800" dirty="0">
+                <a:sym typeface="+mn-ea"/>
+              </a:rPr>
+              <a:t>What are the drawbacks of these practices ?</a:t>
+            </a:r>
+            <a:endParaRPr kumimoji="1" lang="en-US" altLang="zh-CN" sz="1800" dirty="0">
+              <a:sym typeface="+mn-ea"/>
+            </a:endParaRPr>
+          </a:p>
+          <a:p>
+            <a:pPr lvl="1"/>
+            <a:r>
+              <a:rPr kumimoji="1" lang="en-US" altLang="zh-CN" sz="1800" dirty="0">
+                <a:sym typeface="+mn-ea"/>
+              </a:rPr>
+              <a:t>What about PCA ?</a:t>
+            </a:r>
+            <a:endParaRPr kumimoji="1" lang="en-US" altLang="zh-CN" sz="1800" dirty="0">
+              <a:sym typeface="+mn-ea"/>
+            </a:endParaRPr>
+          </a:p>
+          <a:p>
+            <a:pPr lvl="1"/>
+            <a:r>
+              <a:rPr kumimoji="1" lang="en-US" altLang="zh-CN" sz="1800" dirty="0">
+                <a:sym typeface="+mn-ea"/>
+              </a:rPr>
+              <a:t>How can we visualize the importance of each feature ?</a:t>
+            </a:r>
+            <a:endParaRPr kumimoji="1" lang="en-US" altLang="zh-CN" sz="1800" dirty="0">
+              <a:sym typeface="+mn-ea"/>
+            </a:endParaRPr>
+          </a:p>
+          <a:p>
+            <a:pPr lvl="1"/>
+            <a:r>
+              <a:rPr kumimoji="1" lang="en-US" altLang="zh-CN" sz="1800" dirty="0">
+                <a:sym typeface="+mn-ea"/>
+              </a:rPr>
+              <a:t>How </a:t>
+            </a:r>
+            <a:r>
+              <a:rPr kumimoji="1" lang="en-US" altLang="zh-CN" sz="1800" dirty="0">
+                <a:sym typeface="+mn-ea"/>
+              </a:rPr>
+              <a:t>can we visualize the impact of each feature on the decision ?</a:t>
+            </a:r>
+            <a:endParaRPr kumimoji="1" lang="en-US" altLang="zh-CN" sz="1800" dirty="0">
+              <a:sym typeface="+mn-ea"/>
+            </a:endParaRPr>
+          </a:p>
+          <a:p>
+            <a:pPr lvl="1"/>
+            <a:endParaRPr kumimoji="1" lang="en-US" altLang="zh-CN" sz="1800" dirty="0">
+              <a:sym typeface="+mn-ea"/>
+            </a:endParaRPr>
+          </a:p>
+          <a:p>
+            <a:pPr lvl="1"/>
+            <a:endParaRPr kumimoji="1" lang="en-US" altLang="zh-CN" dirty="0">
+              <a:sym typeface="+mn-ea"/>
+            </a:endParaRPr>
+          </a:p>
+          <a:p>
+            <a:pPr marL="629920" lvl="2" indent="0">
+              <a:buNone/>
+            </a:pPr>
+            <a:endParaRPr kumimoji="1" lang="en-US" altLang="zh-CN" dirty="0">
+              <a:sym typeface="+mn-ea"/>
+            </a:endParaRPr>
+          </a:p>
+          <a:p>
+            <a:endParaRPr kumimoji="1" lang="en-US" altLang="zh-CN" dirty="0"/>
+          </a:p>
+        </p:txBody>
+      </p:sp>
+      <p:sp>
+        <p:nvSpPr>
+          <p:cNvPr id="3" name="标题 2"/>
+          <p:cNvSpPr>
+            <a:spLocks noGrp="1"/>
+          </p:cNvSpPr>
+          <p:nvPr>
+            <p:ph type="title"/>
+          </p:nvPr>
+        </p:nvSpPr>
+        <p:spPr/>
+        <p:txBody>
+          <a:bodyPr/>
+          <a:lstStyle/>
+          <a:p>
+            <a:r>
+              <a:rPr kumimoji="1" lang="en-US" altLang="zh-CN" dirty="0">
+                <a:sym typeface="+mn-ea"/>
+              </a:rPr>
+              <a:t>What We Found in Feature Engineering</a:t>
+            </a:r>
+            <a:endParaRPr lang="en-US" dirty="0"/>
+          </a:p>
+        </p:txBody>
+      </p:sp>
+    </p:spTree>
+  </p:cSld>
+  <p:clrMapOvr>
+    <a:masterClrMapping/>
+  </p:clrMapOvr>
+</p:sld>
+</file>
+
+<file path=ppt/slides/slide12.xml><?xml version="1.0" encoding="utf-8"?>
+<p:sld xmlns:a="http://schemas.openxmlformats.org/drawingml/2006/main" xmlns:r="http://schemas.openxmlformats.org/officeDocument/2006/relationships" xmlns:p="http://schemas.openxmlformats.org/presentationml/2006/main">
+  <p:cSld>
+    <p:spTree>
+      <p:nvGrpSpPr>
+        <p:cNvPr id="1" name=""/>
+        <p:cNvGrpSpPr/>
+        <p:nvPr/>
+      </p:nvGrpSpPr>
+      <p:grpSpPr>
+        <a:xfrm>
+          <a:off x="0" y="0"/>
+          <a:ext cx="0" cy="0"/>
+          <a:chOff x="0" y="0"/>
+          <a:chExt cx="0" cy="0"/>
+        </a:xfrm>
+      </p:grpSpPr>
+      <p:sp>
+        <p:nvSpPr>
+          <p:cNvPr id="2" name="内容占位符 1"/>
+          <p:cNvSpPr>
+            <a:spLocks noGrp="1"/>
+          </p:cNvSpPr>
+          <p:nvPr>
+            <p:ph idx="1"/>
+          </p:nvPr>
+        </p:nvSpPr>
+        <p:spPr/>
+        <p:txBody>
+          <a:bodyPr>
+            <a:normAutofit/>
+          </a:bodyPr>
+          <a:lstStyle/>
+          <a:p>
+            <a:pPr lvl="1"/>
+            <a:r>
+              <a:rPr kumimoji="1" lang="en-US" altLang="zh-CN" sz="1800" dirty="0">
+                <a:sym typeface="+mn-ea"/>
+              </a:rPr>
+              <a:t>How can we visualize the importance of each feature ?</a:t>
+            </a:r>
+            <a:endParaRPr kumimoji="1" lang="en-US" altLang="zh-CN" sz="1800" dirty="0">
+              <a:sym typeface="+mn-ea"/>
+            </a:endParaRPr>
+          </a:p>
+          <a:p>
+            <a:pPr lvl="1"/>
+            <a:endParaRPr kumimoji="1" lang="en-US" altLang="zh-CN" sz="1800" dirty="0">
+              <a:sym typeface="+mn-ea"/>
+            </a:endParaRPr>
+          </a:p>
+          <a:p>
+            <a:pPr lvl="1"/>
+            <a:endParaRPr kumimoji="1" lang="en-US" altLang="zh-CN" dirty="0">
+              <a:sym typeface="+mn-ea"/>
+            </a:endParaRPr>
+          </a:p>
+          <a:p>
+            <a:pPr marL="629920" lvl="2" indent="0">
+              <a:buNone/>
+            </a:pPr>
+            <a:endParaRPr kumimoji="1" lang="en-US" altLang="zh-CN" dirty="0">
+              <a:sym typeface="+mn-ea"/>
+            </a:endParaRPr>
+          </a:p>
+          <a:p>
+            <a:endParaRPr kumimoji="1" lang="en-US" altLang="zh-CN" dirty="0"/>
+          </a:p>
+        </p:txBody>
+      </p:sp>
+      <p:sp>
+        <p:nvSpPr>
+          <p:cNvPr id="3" name="标题 2"/>
+          <p:cNvSpPr>
+            <a:spLocks noGrp="1"/>
+          </p:cNvSpPr>
+          <p:nvPr>
+            <p:ph type="title"/>
+          </p:nvPr>
+        </p:nvSpPr>
+        <p:spPr/>
+        <p:txBody>
+          <a:bodyPr/>
+          <a:lstStyle/>
+          <a:p>
+            <a:r>
+              <a:rPr kumimoji="1" lang="en-US" altLang="zh-CN" dirty="0">
+                <a:sym typeface="+mn-ea"/>
+              </a:rPr>
+              <a:t>What We Found in Feature Engineering</a:t>
+            </a:r>
+            <a:endParaRPr lang="en-US" dirty="0"/>
+          </a:p>
+        </p:txBody>
+      </p:sp>
+      <p:pic>
+        <p:nvPicPr>
+          <p:cNvPr id="6" name="图片 5"/>
+          <p:cNvPicPr>
+            <a:picLocks noChangeAspect="1"/>
+          </p:cNvPicPr>
+          <p:nvPr>
+            <p:custDataLst>
+              <p:tags r:id="rId1"/>
+            </p:custDataLst>
+          </p:nvPr>
+        </p:nvPicPr>
+        <p:blipFill>
+          <a:blip r:embed="rId2"/>
+          <a:stretch>
+            <a:fillRect/>
+          </a:stretch>
+        </p:blipFill>
+        <p:spPr>
+          <a:xfrm>
+            <a:off x="775970" y="2688590"/>
+            <a:ext cx="4637405" cy="3169920"/>
+          </a:xfrm>
+          <a:prstGeom prst="rect">
+            <a:avLst/>
+          </a:prstGeom>
+        </p:spPr>
+      </p:pic>
+      <p:pic>
+        <p:nvPicPr>
+          <p:cNvPr id="8" name="图片 7"/>
+          <p:cNvPicPr>
+            <a:picLocks noChangeAspect="1"/>
+          </p:cNvPicPr>
+          <p:nvPr>
+            <p:custDataLst>
+              <p:tags r:id="rId3"/>
+            </p:custDataLst>
+          </p:nvPr>
+        </p:nvPicPr>
+        <p:blipFill>
+          <a:blip r:embed="rId4"/>
+          <a:stretch>
+            <a:fillRect/>
+          </a:stretch>
+        </p:blipFill>
+        <p:spPr>
+          <a:xfrm>
+            <a:off x="5719445" y="2688590"/>
+            <a:ext cx="3051810" cy="1468120"/>
+          </a:xfrm>
+          <a:prstGeom prst="rect">
+            <a:avLst/>
+          </a:prstGeom>
+        </p:spPr>
+      </p:pic>
+      <p:pic>
+        <p:nvPicPr>
+          <p:cNvPr id="9" name="图片 8"/>
+          <p:cNvPicPr>
+            <a:picLocks noChangeAspect="1"/>
+          </p:cNvPicPr>
+          <p:nvPr>
+            <p:custDataLst>
+              <p:tags r:id="rId5"/>
+            </p:custDataLst>
+          </p:nvPr>
+        </p:nvPicPr>
+        <p:blipFill>
+          <a:blip r:embed="rId6"/>
+          <a:stretch>
+            <a:fillRect/>
+          </a:stretch>
+        </p:blipFill>
+        <p:spPr>
+          <a:xfrm>
+            <a:off x="8909050" y="2696845"/>
+            <a:ext cx="3034030" cy="1459865"/>
+          </a:xfrm>
+          <a:prstGeom prst="rect">
+            <a:avLst/>
+          </a:prstGeom>
+        </p:spPr>
+      </p:pic>
+      <p:pic>
+        <p:nvPicPr>
+          <p:cNvPr id="10" name="图片 9"/>
+          <p:cNvPicPr>
+            <a:picLocks noChangeAspect="1"/>
+          </p:cNvPicPr>
+          <p:nvPr>
+            <p:custDataLst>
+              <p:tags r:id="rId7"/>
+            </p:custDataLst>
+          </p:nvPr>
+        </p:nvPicPr>
+        <p:blipFill>
+          <a:blip r:embed="rId8"/>
+          <a:stretch>
+            <a:fillRect/>
+          </a:stretch>
+        </p:blipFill>
+        <p:spPr>
+          <a:xfrm>
+            <a:off x="5719445" y="4389755"/>
+            <a:ext cx="3051810" cy="1468755"/>
+          </a:xfrm>
+          <a:prstGeom prst="rect">
+            <a:avLst/>
+          </a:prstGeom>
+        </p:spPr>
+      </p:pic>
+      <p:pic>
+        <p:nvPicPr>
+          <p:cNvPr id="11" name="图片 10"/>
+          <p:cNvPicPr>
+            <a:picLocks noChangeAspect="1"/>
+          </p:cNvPicPr>
+          <p:nvPr>
+            <p:custDataLst>
+              <p:tags r:id="rId9"/>
+            </p:custDataLst>
+          </p:nvPr>
+        </p:nvPicPr>
+        <p:blipFill>
+          <a:blip r:embed="rId10"/>
+          <a:stretch>
+            <a:fillRect/>
+          </a:stretch>
+        </p:blipFill>
+        <p:spPr>
+          <a:xfrm>
+            <a:off x="8909050" y="4389755"/>
+            <a:ext cx="3034665" cy="1461135"/>
+          </a:xfrm>
+          <a:prstGeom prst="rect">
+            <a:avLst/>
+          </a:prstGeom>
+        </p:spPr>
+      </p:pic>
+    </p:spTree>
+  </p:cSld>
+  <p:clrMapOvr>
+    <a:masterClrMapping/>
+  </p:clrMapOvr>
+</p:sld>
+</file>
+
+<file path=ppt/slides/slide13.xml><?xml version="1.0" encoding="utf-8"?>
+<p:sld xmlns:a="http://schemas.openxmlformats.org/drawingml/2006/main" xmlns:r="http://schemas.openxmlformats.org/officeDocument/2006/relationships" xmlns:p="http://schemas.openxmlformats.org/presentationml/2006/main">
+  <p:cSld>
+    <p:spTree>
+      <p:nvGrpSpPr>
+        <p:cNvPr id="1" name=""/>
+        <p:cNvGrpSpPr/>
+        <p:nvPr/>
+      </p:nvGrpSpPr>
+      <p:grpSpPr>
+        <a:xfrm>
+          <a:off x="0" y="0"/>
+          <a:ext cx="0" cy="0"/>
+          <a:chOff x="0" y="0"/>
+          <a:chExt cx="0" cy="0"/>
+        </a:xfrm>
+      </p:grpSpPr>
+      <p:sp>
+        <p:nvSpPr>
+          <p:cNvPr id="2" name="内容占位符 1"/>
+          <p:cNvSpPr>
+            <a:spLocks noGrp="1"/>
+          </p:cNvSpPr>
+          <p:nvPr>
+            <p:ph idx="1"/>
+          </p:nvPr>
+        </p:nvSpPr>
+        <p:spPr/>
+        <p:txBody>
+          <a:bodyPr>
+            <a:normAutofit/>
+          </a:bodyPr>
+          <a:lstStyle/>
+          <a:p>
+            <a:pPr lvl="1"/>
+            <a:r>
+              <a:rPr kumimoji="1" lang="en-US" altLang="zh-CN" sz="1800" dirty="0">
+                <a:sym typeface="+mn-ea"/>
+              </a:rPr>
+              <a:t>How can we visualize the importance of each feature ?</a:t>
+            </a:r>
+            <a:endParaRPr kumimoji="1" lang="en-US" altLang="zh-CN" sz="1800" dirty="0">
+              <a:sym typeface="+mn-ea"/>
+            </a:endParaRPr>
+          </a:p>
+          <a:p>
+            <a:pPr lvl="1"/>
+            <a:endParaRPr kumimoji="1" lang="en-US" altLang="zh-CN" sz="1800" dirty="0">
+              <a:sym typeface="+mn-ea"/>
+            </a:endParaRPr>
+          </a:p>
+          <a:p>
+            <a:pPr lvl="1"/>
+            <a:endParaRPr kumimoji="1" lang="en-US" altLang="zh-CN" dirty="0">
+              <a:sym typeface="+mn-ea"/>
+            </a:endParaRPr>
+          </a:p>
+          <a:p>
+            <a:pPr marL="629920" lvl="2" indent="0">
+              <a:buNone/>
+            </a:pPr>
+            <a:endParaRPr kumimoji="1" lang="en-US" altLang="zh-CN" dirty="0">
+              <a:sym typeface="+mn-ea"/>
+            </a:endParaRPr>
+          </a:p>
+          <a:p>
+            <a:endParaRPr kumimoji="1" lang="en-US" altLang="zh-CN" dirty="0"/>
+          </a:p>
+        </p:txBody>
+      </p:sp>
+      <p:sp>
+        <p:nvSpPr>
+          <p:cNvPr id="3" name="标题 2"/>
+          <p:cNvSpPr>
+            <a:spLocks noGrp="1"/>
+          </p:cNvSpPr>
+          <p:nvPr>
+            <p:ph type="title"/>
+          </p:nvPr>
+        </p:nvSpPr>
+        <p:spPr/>
+        <p:txBody>
+          <a:bodyPr/>
+          <a:lstStyle/>
+          <a:p>
+            <a:r>
+              <a:rPr kumimoji="1" lang="en-US" altLang="zh-CN" dirty="0">
+                <a:sym typeface="+mn-ea"/>
+              </a:rPr>
+              <a:t>What We Found in Feature Engineering</a:t>
+            </a:r>
+            <a:endParaRPr lang="en-US" dirty="0"/>
+          </a:p>
+        </p:txBody>
+      </p:sp>
+      <p:pic>
+        <p:nvPicPr>
+          <p:cNvPr id="4" name="图片 3"/>
+          <p:cNvPicPr>
+            <a:picLocks noChangeAspect="1"/>
+          </p:cNvPicPr>
+          <p:nvPr>
+            <p:custDataLst>
+              <p:tags r:id="rId1"/>
+            </p:custDataLst>
+          </p:nvPr>
+        </p:nvPicPr>
+        <p:blipFill>
+          <a:blip r:embed="rId2"/>
+          <a:stretch>
+            <a:fillRect/>
+          </a:stretch>
+        </p:blipFill>
+        <p:spPr>
+          <a:xfrm>
+            <a:off x="6359525" y="2706370"/>
+            <a:ext cx="5039360" cy="3453130"/>
+          </a:xfrm>
+          <a:prstGeom prst="rect">
+            <a:avLst/>
+          </a:prstGeom>
+        </p:spPr>
+      </p:pic>
+      <p:pic>
+        <p:nvPicPr>
+          <p:cNvPr id="5" name="图片 4"/>
+          <p:cNvPicPr>
+            <a:picLocks noChangeAspect="1"/>
+          </p:cNvPicPr>
+          <p:nvPr>
+            <p:custDataLst>
+              <p:tags r:id="rId3"/>
+            </p:custDataLst>
+          </p:nvPr>
+        </p:nvPicPr>
+        <p:blipFill>
+          <a:blip r:embed="rId4"/>
+          <a:stretch>
+            <a:fillRect/>
+          </a:stretch>
+        </p:blipFill>
+        <p:spPr>
+          <a:xfrm>
+            <a:off x="917575" y="2706370"/>
+            <a:ext cx="5067300" cy="3468370"/>
+          </a:xfrm>
+          <a:prstGeom prst="rect">
+            <a:avLst/>
+          </a:prstGeom>
+        </p:spPr>
+      </p:pic>
+      <p:sp>
+        <p:nvSpPr>
+          <p:cNvPr id="7" name="文本框 6"/>
+          <p:cNvSpPr txBox="1"/>
+          <p:nvPr/>
+        </p:nvSpPr>
+        <p:spPr>
+          <a:xfrm>
+            <a:off x="2599055" y="6297930"/>
+            <a:ext cx="1704340" cy="368300"/>
+          </a:xfrm>
+          <a:prstGeom prst="rect">
+            <a:avLst/>
+          </a:prstGeom>
+          <a:noFill/>
+        </p:spPr>
+        <p:txBody>
+          <a:bodyPr wrap="square" rtlCol="0">
+            <a:spAutoFit/>
+          </a:bodyPr>
+          <a:p>
+            <a:r>
+              <a:rPr lang="en-US" altLang="zh-CN"/>
+              <a:t>Damege Bad</a:t>
+            </a:r>
+            <a:endParaRPr lang="en-US" altLang="zh-CN"/>
+          </a:p>
+        </p:txBody>
+      </p:sp>
+      <p:sp>
+        <p:nvSpPr>
+          <p:cNvPr id="12" name="文本框 11"/>
+          <p:cNvSpPr txBox="1"/>
+          <p:nvPr>
+            <p:custDataLst>
+              <p:tags r:id="rId5"/>
+            </p:custDataLst>
+          </p:nvPr>
+        </p:nvSpPr>
+        <p:spPr>
+          <a:xfrm>
+            <a:off x="8027035" y="6297930"/>
+            <a:ext cx="1704340" cy="368300"/>
+          </a:xfrm>
+          <a:prstGeom prst="rect">
+            <a:avLst/>
+          </a:prstGeom>
+          <a:noFill/>
+        </p:spPr>
+        <p:txBody>
+          <a:bodyPr wrap="square" rtlCol="0">
+            <a:spAutoFit/>
+          </a:bodyPr>
+          <a:p>
+            <a:r>
+              <a:rPr lang="en-US" altLang="zh-CN"/>
+              <a:t>Damege Silght</a:t>
+            </a:r>
+            <a:endParaRPr lang="en-US" altLang="zh-CN"/>
+          </a:p>
+        </p:txBody>
+      </p:sp>
+    </p:spTree>
+  </p:cSld>
+  <p:clrMapOvr>
+    <a:masterClrMapping/>
+  </p:clrMapOvr>
+</p:sld>
+</file>
+
+<file path=ppt/slides/slide14.xml><?xml version="1.0" encoding="utf-8"?>
+<p:sld xmlns:a="http://schemas.openxmlformats.org/drawingml/2006/main" xmlns:r="http://schemas.openxmlformats.org/officeDocument/2006/relationships" xmlns:p="http://schemas.openxmlformats.org/presentationml/2006/main">
+  <p:cSld>
+    <p:spTree>
+      <p:nvGrpSpPr>
+        <p:cNvPr id="1" name=""/>
+        <p:cNvGrpSpPr/>
+        <p:nvPr/>
+      </p:nvGrpSpPr>
+      <p:grpSpPr>
+        <a:xfrm>
+          <a:off x="0" y="0"/>
+          <a:ext cx="0" cy="0"/>
+          <a:chOff x="0" y="0"/>
+          <a:chExt cx="0" cy="0"/>
+        </a:xfrm>
+      </p:grpSpPr>
+      <p:sp>
+        <p:nvSpPr>
+          <p:cNvPr id="2" name="内容占位符 1"/>
+          <p:cNvSpPr>
+            <a:spLocks noGrp="1"/>
+          </p:cNvSpPr>
+          <p:nvPr>
+            <p:ph idx="1"/>
+          </p:nvPr>
+        </p:nvSpPr>
+        <p:spPr/>
+        <p:txBody>
+          <a:bodyPr>
+            <a:normAutofit/>
+          </a:bodyPr>
+          <a:lstStyle/>
+          <a:p>
+            <a:pPr lvl="1"/>
+            <a:r>
+              <a:rPr kumimoji="1" lang="en-US" altLang="zh-CN" sz="1800" dirty="0">
+                <a:sym typeface="+mn-ea"/>
+              </a:rPr>
+              <a:t>How can we visualize the</a:t>
+            </a:r>
+            <a:r>
+              <a:rPr kumimoji="1" lang="en-US" altLang="zh-CN" sz="1800" dirty="0">
+                <a:sym typeface="+mn-ea"/>
+              </a:rPr>
+              <a:t> impact of each feature on the decision</a:t>
+            </a:r>
+            <a:endParaRPr kumimoji="1" lang="en-US" altLang="zh-CN" sz="1800" dirty="0">
+              <a:sym typeface="+mn-ea"/>
+            </a:endParaRPr>
+          </a:p>
+          <a:p>
+            <a:pPr lvl="1"/>
+            <a:endParaRPr kumimoji="1" lang="en-US" altLang="zh-CN" dirty="0">
+              <a:sym typeface="+mn-ea"/>
+            </a:endParaRPr>
+          </a:p>
+          <a:p>
+            <a:pPr marL="629920" lvl="2" indent="0">
+              <a:buNone/>
+            </a:pPr>
+            <a:endParaRPr kumimoji="1" lang="en-US" altLang="zh-CN" dirty="0">
+              <a:sym typeface="+mn-ea"/>
+            </a:endParaRPr>
+          </a:p>
+          <a:p>
+            <a:endParaRPr kumimoji="1" lang="en-US" altLang="zh-CN" dirty="0"/>
+          </a:p>
+        </p:txBody>
+      </p:sp>
+      <p:sp>
+        <p:nvSpPr>
+          <p:cNvPr id="3" name="标题 2"/>
+          <p:cNvSpPr>
+            <a:spLocks noGrp="1"/>
+          </p:cNvSpPr>
+          <p:nvPr>
+            <p:ph type="title"/>
+          </p:nvPr>
+        </p:nvSpPr>
+        <p:spPr/>
+        <p:txBody>
+          <a:bodyPr/>
+          <a:lstStyle/>
+          <a:p>
+            <a:r>
+              <a:rPr kumimoji="1" lang="en-US" altLang="zh-CN" dirty="0">
+                <a:sym typeface="+mn-ea"/>
+              </a:rPr>
+              <a:t>What We Found in Feature Engineering</a:t>
+            </a:r>
+            <a:endParaRPr lang="en-US" dirty="0"/>
+          </a:p>
+        </p:txBody>
+      </p:sp>
+    </p:spTree>
+  </p:cSld>
+  <p:clrMapOvr>
+    <a:masterClrMapping/>
+  </p:clrMapOvr>
+</p:sld>
+</file>
+
+<file path=ppt/slides/slide15.xml><?xml version="1.0" encoding="utf-8"?>
+<p:sld xmlns:a="http://schemas.openxmlformats.org/drawingml/2006/main" xmlns:r="http://schemas.openxmlformats.org/officeDocument/2006/relationships" xmlns:p="http://schemas.openxmlformats.org/presentationml/2006/main">
+  <p:cSld>
+    <p:spTree>
+      <p:nvGrpSpPr>
+        <p:cNvPr id="1" name=""/>
+        <p:cNvGrpSpPr/>
+        <p:nvPr/>
+      </p:nvGrpSpPr>
+      <p:grpSpPr>
+        <a:xfrm>
+          <a:off x="0" y="0"/>
+          <a:ext cx="0" cy="0"/>
+          <a:chOff x="0" y="0"/>
+          <a:chExt cx="0" cy="0"/>
+        </a:xfrm>
+      </p:grpSpPr>
+      <p:sp>
+        <p:nvSpPr>
+          <p:cNvPr id="2" name="内容占位符 1"/>
+          <p:cNvSpPr>
+            <a:spLocks noGrp="1"/>
+          </p:cNvSpPr>
+          <p:nvPr>
+            <p:ph idx="1"/>
+          </p:nvPr>
+        </p:nvSpPr>
+        <p:spPr/>
+        <p:txBody>
+          <a:bodyPr>
+            <a:normAutofit/>
+          </a:bodyPr>
+          <a:lstStyle/>
+          <a:p>
+            <a:r>
+              <a:rPr kumimoji="1" lang="en-US" altLang="zh-CN" dirty="0">
+                <a:sym typeface="Wingdings" panose="05000000000000000000" pitchFamily="2" charset="2"/>
+              </a:rPr>
+              <a:t>How to Improve the Results ?</a:t>
+            </a:r>
+            <a:endParaRPr kumimoji="1" lang="en-US" altLang="zh-CN" dirty="0">
+              <a:sym typeface="Wingdings" panose="05000000000000000000" pitchFamily="2" charset="2"/>
+            </a:endParaRPr>
+          </a:p>
+          <a:p>
+            <a:pPr lvl="1"/>
+            <a:endParaRPr kumimoji="1" lang="en-US" altLang="zh-CN" dirty="0"/>
+          </a:p>
+          <a:p>
+            <a:endParaRPr kumimoji="1" lang="en-US" altLang="zh-CN" dirty="0"/>
+          </a:p>
+        </p:txBody>
+      </p:sp>
+      <p:sp>
+        <p:nvSpPr>
+          <p:cNvPr id="3" name="标题 2"/>
+          <p:cNvSpPr>
+            <a:spLocks noGrp="1"/>
+          </p:cNvSpPr>
+          <p:nvPr>
+            <p:ph type="title"/>
+          </p:nvPr>
+        </p:nvSpPr>
+        <p:spPr/>
+        <p:txBody>
+          <a:bodyPr/>
+          <a:lstStyle/>
+          <a:p>
+            <a:r>
+              <a:rPr lang="en-US" dirty="0"/>
+              <a:t>conclusion and discussion</a:t>
+            </a:r>
+            <a:endParaRPr lang="en-US" dirty="0"/>
+          </a:p>
+        </p:txBody>
+      </p:sp>
+    </p:spTree>
+  </p:cSld>
+  <p:clrMapOvr>
+    <a:masterClrMapping/>
+  </p:clrMapOvr>
+</p:sld>
+</file>
+
+<file path=ppt/slides/slide16.xml><?xml version="1.0" encoding="utf-8"?>
+<p:sld xmlns:a="http://schemas.openxmlformats.org/drawingml/2006/main" xmlns:r="http://schemas.openxmlformats.org/officeDocument/2006/relationships" xmlns:p="http://schemas.openxmlformats.org/presentationml/2006/main">
+  <p:cSld>
+    <p:spTree>
+      <p:nvGrpSpPr>
+        <p:cNvPr id="1" name=""/>
+        <p:cNvGrpSpPr/>
+        <p:nvPr/>
+      </p:nvGrpSpPr>
+      <p:grpSpPr>
+        <a:xfrm>
+          <a:off x="0" y="0"/>
+          <a:ext cx="0" cy="0"/>
+          <a:chOff x="0" y="0"/>
+          <a:chExt cx="0" cy="0"/>
+        </a:xfrm>
+      </p:grpSpPr>
+      <p:sp>
+        <p:nvSpPr>
           <p:cNvPr id="2" name="标题 1"/>
           <p:cNvSpPr>
             <a:spLocks noGrp="1"/>
@@ -5705,7 +6542,7 @@
                     <a:p>
                       <a:r>
                         <a:rPr lang="en-US" b="1" dirty="0"/>
-                        <a:t>96.7%</a:t>
+                        <a:t>97.1%</a:t>
                       </a:r>
                       <a:endParaRPr lang="en-US" b="1" dirty="0"/>
                     </a:p>
@@ -6023,6 +6860,24 @@
           </a:p>
           <a:p>
             <a:pPr lvl="1"/>
+            <a:r>
+              <a:rPr lang="en-US" dirty="0">
+                <a:sym typeface="+mn-ea"/>
+              </a:rPr>
+              <a:t>Using Optuna to Find a Set of Parameters Which Maximizes the </a:t>
+            </a:r>
+            <a:r>
+              <a:rPr lang="en-US" dirty="0">
+                <a:sym typeface="+mn-ea"/>
+              </a:rPr>
+              <a:t>Accuracy</a:t>
+            </a:r>
+            <a:endParaRPr lang="en-US" dirty="0">
+              <a:sym typeface="+mn-ea"/>
+            </a:endParaRPr>
+          </a:p>
+          <a:p>
+            <a:pPr lvl="1"/>
             <a:endParaRPr kumimoji="1" lang="en-US" altLang="zh-CN" dirty="0"/>
           </a:p>
         </p:txBody>
@@ -6352,6 +7207,54 @@
 </file>
 
 <file path=ppt/tags/tag1.xml><?xml version="1.0" encoding="utf-8"?>
+<p:tagLst xmlns:p="http://schemas.openxmlformats.org/presentationml/2006/main">
+  <p:tag name="KSO_WM_BEAUTIFY_FLAG" val=""/>
+</p:tagLst>
+</file>
+
+<file path=ppt/tags/tag2.xml><?xml version="1.0" encoding="utf-8"?>
+<p:tagLst xmlns:p="http://schemas.openxmlformats.org/presentationml/2006/main">
+  <p:tag name="KSO_WM_BEAUTIFY_FLAG" val=""/>
+</p:tagLst>
+</file>
+
+<file path=ppt/tags/tag3.xml><?xml version="1.0" encoding="utf-8"?>
+<p:tagLst xmlns:p="http://schemas.openxmlformats.org/presentationml/2006/main">
+  <p:tag name="KSO_WM_BEAUTIFY_FLAG" val=""/>
+</p:tagLst>
+</file>
+
+<file path=ppt/tags/tag4.xml><?xml version="1.0" encoding="utf-8"?>
+<p:tagLst xmlns:p="http://schemas.openxmlformats.org/presentationml/2006/main">
+  <p:tag name="KSO_WM_BEAUTIFY_FLAG" val=""/>
+</p:tagLst>
+</file>
+
+<file path=ppt/tags/tag5.xml><?xml version="1.0" encoding="utf-8"?>
+<p:tagLst xmlns:p="http://schemas.openxmlformats.org/presentationml/2006/main">
+  <p:tag name="KSO_WM_BEAUTIFY_FLAG" val=""/>
+</p:tagLst>
+</file>
+
+<file path=ppt/tags/tag6.xml><?xml version="1.0" encoding="utf-8"?>
+<p:tagLst xmlns:p="http://schemas.openxmlformats.org/presentationml/2006/main">
+  <p:tag name="KSO_WM_BEAUTIFY_FLAG" val=""/>
+</p:tagLst>
+</file>
+
+<file path=ppt/tags/tag7.xml><?xml version="1.0" encoding="utf-8"?>
+<p:tagLst xmlns:p="http://schemas.openxmlformats.org/presentationml/2006/main">
+  <p:tag name="KSO_WM_BEAUTIFY_FLAG" val=""/>
+</p:tagLst>
+</file>
+
+<file path=ppt/tags/tag8.xml><?xml version="1.0" encoding="utf-8"?>
+<p:tagLst xmlns:p="http://schemas.openxmlformats.org/presentationml/2006/main">
+  <p:tag name="KSO_WM_BEAUTIFY_FLAG" val=""/>
+</p:tagLst>
+</file>
+
+<file path=ppt/tags/tag9.xml><?xml version="1.0" encoding="utf-8"?>
 <p:tagLst xmlns:p="http://schemas.openxmlformats.org/presentationml/2006/main">
   <p:tag name="commondata" val="eyJoZGlkIjoiZGEyNjRiOGVjNGQ4OGM0YzEzYzQ1MWZkNTM4MWNiNmEifQ=="/>
 </p:tagLst>

--- a/Presentation.pptx
+++ b/Presentation.pptx
@@ -5,30 +5,24 @@
     <p:sldMasterId id="2147483648" r:id="rId1"/>
   </p:sldMasterIdLst>
   <p:notesMasterIdLst>
-    <p:notesMasterId r:id="rId7"/>
+    <p:notesMasterId r:id="rId12"/>
   </p:notesMasterIdLst>
   <p:sldIdLst>
-    <p:sldId id="256" r:id="rId3"/>
-    <p:sldId id="258" r:id="rId4"/>
-    <p:sldId id="260" r:id="rId5"/>
-    <p:sldId id="313" r:id="rId6"/>
-    <p:sldId id="311" r:id="rId8"/>
+    <p:sldId id="256" r:id="rId2"/>
+    <p:sldId id="258" r:id="rId3"/>
+    <p:sldId id="260" r:id="rId4"/>
+    <p:sldId id="313" r:id="rId5"/>
+    <p:sldId id="311" r:id="rId6"/>
+    <p:sldId id="319" r:id="rId7"/>
+    <p:sldId id="320" r:id="rId8"/>
     <p:sldId id="315" r:id="rId9"/>
-    <p:sldId id="314" r:id="rId10"/>
-    <p:sldId id="317" r:id="rId11"/>
-    <p:sldId id="316" r:id="rId12"/>
-    <p:sldId id="318" r:id="rId13"/>
-    <p:sldId id="319" r:id="rId14"/>
-    <p:sldId id="321" r:id="rId15"/>
-    <p:sldId id="322" r:id="rId16"/>
-    <p:sldId id="323" r:id="rId17"/>
-    <p:sldId id="320" r:id="rId18"/>
-    <p:sldId id="264" r:id="rId19"/>
+    <p:sldId id="318" r:id="rId10"/>
+    <p:sldId id="264" r:id="rId11"/>
   </p:sldIdLst>
   <p:sldSz cx="12192000" cy="6858000"/>
   <p:notesSz cx="6858000" cy="9144000"/>
   <p:custDataLst>
-    <p:tags r:id="rId23"/>
+    <p:tags r:id="rId13"/>
   </p:custDataLst>
   <p:defaultTextStyle>
     <a:defPPr>
@@ -125,6 +119,11 @@
       </a:defRPr>
     </a:lvl9pPr>
   </p:defaultTextStyle>
+  <p:extLst>
+    <p:ext uri="{EFAFB233-063F-42B5-8137-9DF3F51BA10A}">
+      <p15:sldGuideLst xmlns:p15="http://schemas.microsoft.com/office/powerpoint/2012/main"/>
+    </p:ext>
+  </p:extLst>
 </p:presentation>
 </file>
 
@@ -210,6 +209,7 @@
           <a:p>
             <a:fld id="{BDA51940-DB52-3B48-AABB-9C7938529E4E}" type="datetimeFigureOut">
               <a:rPr kumimoji="1" lang="zh-CN" altLang="en-US" smtClean="0"/>
+              <a:t>2023/12/31</a:t>
             </a:fld>
             <a:endParaRPr kumimoji="1" lang="zh-CN" altLang="en-US"/>
           </a:p>
@@ -276,7 +276,6 @@
               <a:rPr kumimoji="1" lang="zh-CN" altLang="en-US"/>
               <a:t>单击此处编辑母版文本样式</a:t>
             </a:r>
-            <a:endParaRPr kumimoji="1" lang="zh-CN" altLang="en-US"/>
           </a:p>
           <a:p>
             <a:pPr lvl="1"/>
@@ -284,7 +283,6 @@
               <a:rPr kumimoji="1" lang="zh-CN" altLang="en-US"/>
               <a:t>二级</a:t>
             </a:r>
-            <a:endParaRPr kumimoji="1" lang="zh-CN" altLang="en-US"/>
           </a:p>
           <a:p>
             <a:pPr lvl="2"/>
@@ -292,7 +290,6 @@
               <a:rPr kumimoji="1" lang="zh-CN" altLang="en-US"/>
               <a:t>三级</a:t>
             </a:r>
-            <a:endParaRPr kumimoji="1" lang="zh-CN" altLang="en-US"/>
           </a:p>
           <a:p>
             <a:pPr lvl="3"/>
@@ -300,7 +297,6 @@
               <a:rPr kumimoji="1" lang="zh-CN" altLang="en-US"/>
               <a:t>四级</a:t>
             </a:r>
-            <a:endParaRPr kumimoji="1" lang="zh-CN" altLang="en-US"/>
           </a:p>
           <a:p>
             <a:pPr lvl="4"/>
@@ -308,7 +304,6 @@
               <a:rPr kumimoji="1" lang="zh-CN" altLang="en-US"/>
               <a:t>五级</a:t>
             </a:r>
-            <a:endParaRPr kumimoji="1" lang="zh-CN" altLang="en-US"/>
           </a:p>
         </p:txBody>
       </p:sp>
@@ -372,6 +367,7 @@
           <a:p>
             <a:fld id="{6D18717E-F74C-4246-A795-6577BEDC8382}" type="slidenum">
               <a:rPr kumimoji="1" lang="zh-CN" altLang="en-US" smtClean="0"/>
+              <a:t>‹Nr.›</a:t>
             </a:fld>
             <a:endParaRPr kumimoji="1" lang="zh-CN" altLang="en-US"/>
           </a:p>
@@ -484,12 +480,19 @@
         <p:cNvGrpSpPr/>
         <p:nvPr/>
       </p:nvGrpSpPr>
-      <p:grpSpPr/>
+      <p:grpSpPr>
+        <a:xfrm>
+          <a:off x="0" y="0"/>
+          <a:ext cx="0" cy="0"/>
+          <a:chOff x="0" y="0"/>
+          <a:chExt cx="0" cy="0"/>
+        </a:xfrm>
+      </p:grpSpPr>
       <p:sp>
         <p:nvSpPr>
           <p:cNvPr id="2" name="幻灯片图像占位符 1"/>
           <p:cNvSpPr>
-            <a:spLocks noGrp="1"/>
+            <a:spLocks noGrp="1" noRot="1" noChangeAspect="1"/>
           </p:cNvSpPr>
           <p:nvPr>
             <p:ph type="sldImg" idx="2"/>
@@ -510,6 +513,7 @@
         <p:spPr/>
         <p:txBody>
           <a:bodyPr/>
+          <a:lstStyle/>
           <a:p>
             <a:endParaRPr lang="zh-CN" altLang="en-US"/>
           </a:p>
@@ -524,7 +528,7 @@
 </file>
 
 <file path=ppt/slideLayouts/slideLayout1.xml><?xml version="1.0" encoding="utf-8"?>
-<p:sldLayout xmlns:a="http://schemas.openxmlformats.org/drawingml/2006/main" xmlns:r="http://schemas.openxmlformats.org/officeDocument/2006/relationships" xmlns:p="http://schemas.openxmlformats.org/presentationml/2006/main" preserve="1" showMasterSp="0" userDrawn="1">
+<p:sldLayout xmlns:a="http://schemas.openxmlformats.org/drawingml/2006/main" xmlns:r="http://schemas.openxmlformats.org/officeDocument/2006/relationships" xmlns:p="http://schemas.openxmlformats.org/presentationml/2006/main" showMasterSp="0" preserve="1" userDrawn="1">
   <p:cSld name="标题幻灯片">
     <p:spTree>
       <p:nvGrpSpPr>
@@ -684,6 +688,7 @@
           <a:p>
             <a:fld id="{E4551058-E5DB-324A-A8E9-6D3BEF243C3B}" type="datetimeFigureOut">
               <a:rPr kumimoji="1" lang="zh-CN" altLang="en-US" smtClean="0"/>
+              <a:t>2023/12/31</a:t>
             </a:fld>
             <a:endParaRPr kumimoji="1" lang="zh-CN" altLang="en-US"/>
           </a:p>
@@ -757,6 +762,7 @@
           <a:p>
             <a:fld id="{977BA8E6-E826-B147-AA17-E3D76A29629C}" type="slidenum">
               <a:rPr kumimoji="1" lang="zh-CN" altLang="en-US" smtClean="0"/>
+              <a:t>‹Nr.›</a:t>
             </a:fld>
             <a:endParaRPr kumimoji="1" lang="zh-CN" altLang="en-US"/>
           </a:p>
@@ -975,7 +981,7 @@
 </file>
 
 <file path=ppt/slideLayouts/slideLayout10.xml><?xml version="1.0" encoding="utf-8"?>
-<p:sldLayout xmlns:a="http://schemas.openxmlformats.org/drawingml/2006/main" xmlns:r="http://schemas.openxmlformats.org/officeDocument/2006/relationships" xmlns:p="http://schemas.openxmlformats.org/presentationml/2006/main" type="picTx" preserve="1" showMasterSp="0">
+<p:sldLayout xmlns:a="http://schemas.openxmlformats.org/drawingml/2006/main" xmlns:r="http://schemas.openxmlformats.org/officeDocument/2006/relationships" xmlns:p="http://schemas.openxmlformats.org/presentationml/2006/main" showMasterSp="0" type="picTx" preserve="1">
   <p:cSld name="图片与标题">
     <p:spTree>
       <p:nvGrpSpPr>
@@ -1163,7 +1169,6 @@
               <a:rPr lang="zh-CN" altLang="en-US"/>
               <a:t>单击此处编辑母版文本样式</a:t>
             </a:r>
-            <a:endParaRPr lang="zh-CN" altLang="en-US"/>
           </a:p>
         </p:txBody>
       </p:sp>
@@ -1184,6 +1189,7 @@
           <a:p>
             <a:fld id="{E4551058-E5DB-324A-A8E9-6D3BEF243C3B}" type="datetimeFigureOut">
               <a:rPr kumimoji="1" lang="zh-CN" altLang="en-US" smtClean="0"/>
+              <a:t>2023/12/31</a:t>
             </a:fld>
             <a:endParaRPr kumimoji="1" lang="zh-CN" altLang="en-US"/>
           </a:p>
@@ -1225,6 +1231,7 @@
           <a:p>
             <a:fld id="{977BA8E6-E826-B147-AA17-E3D76A29629C}" type="slidenum">
               <a:rPr kumimoji="1" lang="zh-CN" altLang="en-US" smtClean="0"/>
+              <a:t>‹Nr.›</a:t>
             </a:fld>
             <a:endParaRPr kumimoji="1" lang="zh-CN" altLang="en-US"/>
           </a:p>
@@ -1365,7 +1372,6 @@
               <a:rPr lang="zh-CN" altLang="en-US"/>
               <a:t>单击此处编辑母版文本样式</a:t>
             </a:r>
-            <a:endParaRPr lang="zh-CN" altLang="en-US"/>
           </a:p>
           <a:p>
             <a:pPr lvl="1"/>
@@ -1373,7 +1379,6 @@
               <a:rPr lang="zh-CN" altLang="en-US"/>
               <a:t>二级</a:t>
             </a:r>
-            <a:endParaRPr lang="zh-CN" altLang="en-US"/>
           </a:p>
           <a:p>
             <a:pPr lvl="2"/>
@@ -1381,7 +1386,6 @@
               <a:rPr lang="zh-CN" altLang="en-US"/>
               <a:t>三级</a:t>
             </a:r>
-            <a:endParaRPr lang="zh-CN" altLang="en-US"/>
           </a:p>
           <a:p>
             <a:pPr lvl="3"/>
@@ -1389,7 +1393,6 @@
               <a:rPr lang="zh-CN" altLang="en-US"/>
               <a:t>四级</a:t>
             </a:r>
-            <a:endParaRPr lang="zh-CN" altLang="en-US"/>
           </a:p>
           <a:p>
             <a:pPr lvl="4"/>
@@ -1418,6 +1421,7 @@
           <a:p>
             <a:fld id="{E4551058-E5DB-324A-A8E9-6D3BEF243C3B}" type="datetimeFigureOut">
               <a:rPr kumimoji="1" lang="zh-CN" altLang="en-US" smtClean="0"/>
+              <a:t>2023/12/31</a:t>
             </a:fld>
             <a:endParaRPr kumimoji="1" lang="zh-CN" altLang="en-US"/>
           </a:p>
@@ -1459,6 +1463,7 @@
           <a:p>
             <a:fld id="{977BA8E6-E826-B147-AA17-E3D76A29629C}" type="slidenum">
               <a:rPr kumimoji="1" lang="zh-CN" altLang="en-US" smtClean="0"/>
+              <a:t>‹Nr.›</a:t>
             </a:fld>
             <a:endParaRPr kumimoji="1" lang="zh-CN" altLang="en-US"/>
           </a:p>
@@ -1483,7 +1488,6 @@
               <a:rPr kumimoji="1" lang="zh-CN" altLang="en-US"/>
               <a:t>单击此处编辑母版标题样式</a:t>
             </a:r>
-            <a:endParaRPr kumimoji="1" lang="zh-CN" altLang="en-US"/>
           </a:p>
         </p:txBody>
       </p:sp>
@@ -1496,7 +1500,7 @@
 </file>
 
 <file path=ppt/slideLayouts/slideLayout12.xml><?xml version="1.0" encoding="utf-8"?>
-<p:sldLayout xmlns:a="http://schemas.openxmlformats.org/drawingml/2006/main" xmlns:r="http://schemas.openxmlformats.org/officeDocument/2006/relationships" xmlns:p="http://schemas.openxmlformats.org/presentationml/2006/main" preserve="1" showMasterSp="0" userDrawn="1">
+<p:sldLayout xmlns:a="http://schemas.openxmlformats.org/drawingml/2006/main" xmlns:r="http://schemas.openxmlformats.org/officeDocument/2006/relationships" xmlns:p="http://schemas.openxmlformats.org/presentationml/2006/main" showMasterSp="0" preserve="1" userDrawn="1">
   <p:cSld name="竖排标题与文本">
     <p:spTree>
       <p:nvGrpSpPr>
@@ -1607,7 +1611,6 @@
               <a:rPr lang="zh-CN" altLang="en-US"/>
               <a:t>单击此处编辑母版文本样式</a:t>
             </a:r>
-            <a:endParaRPr lang="zh-CN" altLang="en-US"/>
           </a:p>
           <a:p>
             <a:pPr lvl="1"/>
@@ -1615,7 +1618,6 @@
               <a:rPr lang="zh-CN" altLang="en-US"/>
               <a:t>二级</a:t>
             </a:r>
-            <a:endParaRPr lang="zh-CN" altLang="en-US"/>
           </a:p>
           <a:p>
             <a:pPr lvl="2"/>
@@ -1623,7 +1625,6 @@
               <a:rPr lang="zh-CN" altLang="en-US"/>
               <a:t>三级</a:t>
             </a:r>
-            <a:endParaRPr lang="zh-CN" altLang="en-US"/>
           </a:p>
           <a:p>
             <a:pPr lvl="3"/>
@@ -1631,7 +1632,6 @@
               <a:rPr lang="zh-CN" altLang="en-US"/>
               <a:t>四级</a:t>
             </a:r>
-            <a:endParaRPr lang="zh-CN" altLang="en-US"/>
           </a:p>
           <a:p>
             <a:pPr lvl="4"/>
@@ -1676,6 +1676,7 @@
           <a:p>
             <a:fld id="{E4551058-E5DB-324A-A8E9-6D3BEF243C3B}" type="datetimeFigureOut">
               <a:rPr kumimoji="1" lang="zh-CN" altLang="en-US" smtClean="0"/>
+              <a:t>2023/12/31</a:t>
             </a:fld>
             <a:endParaRPr kumimoji="1" lang="zh-CN" altLang="en-US"/>
           </a:p>
@@ -1738,6 +1739,7 @@
           <a:p>
             <a:fld id="{977BA8E6-E826-B147-AA17-E3D76A29629C}" type="slidenum">
               <a:rPr kumimoji="1" lang="zh-CN" altLang="en-US" smtClean="0"/>
+              <a:t>‹Nr.›</a:t>
             </a:fld>
             <a:endParaRPr kumimoji="1" lang="zh-CN" altLang="en-US"/>
           </a:p>
@@ -1826,7 +1828,6 @@
               <a:rPr lang="zh-CN" altLang="en-US"/>
               <a:t>单击此处编辑母版文本样式</a:t>
             </a:r>
-            <a:endParaRPr lang="zh-CN" altLang="en-US"/>
           </a:p>
           <a:p>
             <a:pPr lvl="1"/>
@@ -1834,7 +1835,6 @@
               <a:rPr lang="zh-CN" altLang="en-US"/>
               <a:t>二级</a:t>
             </a:r>
-            <a:endParaRPr lang="zh-CN" altLang="en-US"/>
           </a:p>
           <a:p>
             <a:pPr lvl="2"/>
@@ -1842,7 +1842,6 @@
               <a:rPr lang="zh-CN" altLang="en-US"/>
               <a:t>三级</a:t>
             </a:r>
-            <a:endParaRPr lang="zh-CN" altLang="en-US"/>
           </a:p>
           <a:p>
             <a:pPr lvl="3"/>
@@ -1850,7 +1849,6 @@
               <a:rPr lang="zh-CN" altLang="en-US"/>
               <a:t>四级</a:t>
             </a:r>
-            <a:endParaRPr lang="zh-CN" altLang="en-US"/>
           </a:p>
           <a:p>
             <a:pPr lvl="4"/>
@@ -1879,6 +1877,7 @@
           <a:p>
             <a:fld id="{E4551058-E5DB-324A-A8E9-6D3BEF243C3B}" type="datetimeFigureOut">
               <a:rPr kumimoji="1" lang="zh-CN" altLang="en-US" smtClean="0"/>
+              <a:t>2023/12/31</a:t>
             </a:fld>
             <a:endParaRPr kumimoji="1" lang="zh-CN" altLang="en-US"/>
           </a:p>
@@ -1925,6 +1924,7 @@
           <a:p>
             <a:fld id="{977BA8E6-E826-B147-AA17-E3D76A29629C}" type="slidenum">
               <a:rPr kumimoji="1" lang="zh-CN" altLang="en-US" smtClean="0"/>
+              <a:t>‹Nr.›</a:t>
             </a:fld>
             <a:endParaRPr kumimoji="1" lang="zh-CN" altLang="en-US"/>
           </a:p>
@@ -1949,7 +1949,6 @@
               <a:rPr kumimoji="1" lang="zh-CN" altLang="en-US"/>
               <a:t>单击此处编辑母版标题样式</a:t>
             </a:r>
-            <a:endParaRPr kumimoji="1" lang="zh-CN" altLang="en-US"/>
           </a:p>
         </p:txBody>
       </p:sp>
@@ -1962,7 +1961,7 @@
 </file>
 
 <file path=ppt/slideLayouts/slideLayout3.xml><?xml version="1.0" encoding="utf-8"?>
-<p:sldLayout xmlns:a="http://schemas.openxmlformats.org/drawingml/2006/main" xmlns:r="http://schemas.openxmlformats.org/officeDocument/2006/relationships" xmlns:p="http://schemas.openxmlformats.org/presentationml/2006/main" preserve="1" showMasterSp="0" userDrawn="1">
+<p:sldLayout xmlns:a="http://schemas.openxmlformats.org/drawingml/2006/main" xmlns:r="http://schemas.openxmlformats.org/officeDocument/2006/relationships" xmlns:p="http://schemas.openxmlformats.org/presentationml/2006/main" showMasterSp="0" preserve="1" userDrawn="1">
   <p:cSld name="目录">
     <p:spTree>
       <p:nvGrpSpPr>
@@ -2093,7 +2092,6 @@
               <a:rPr lang="zh-CN" altLang="en-US" dirty="0"/>
               <a:t>单击此处编辑母版文本样式</a:t>
             </a:r>
-            <a:endParaRPr lang="zh-CN" altLang="en-US" dirty="0"/>
           </a:p>
           <a:p>
             <a:pPr lvl="1"/>
@@ -2101,7 +2099,6 @@
               <a:rPr lang="zh-CN" altLang="en-US" dirty="0"/>
               <a:t>二级</a:t>
             </a:r>
-            <a:endParaRPr lang="zh-CN" altLang="en-US" dirty="0"/>
           </a:p>
           <a:p>
             <a:pPr lvl="2"/>
@@ -2109,7 +2106,6 @@
               <a:rPr lang="zh-CN" altLang="en-US" dirty="0"/>
               <a:t>三级</a:t>
             </a:r>
-            <a:endParaRPr lang="zh-CN" altLang="en-US" dirty="0"/>
           </a:p>
           <a:p>
             <a:pPr lvl="3"/>
@@ -2117,7 +2113,6 @@
               <a:rPr lang="zh-CN" altLang="en-US" dirty="0"/>
               <a:t>四级</a:t>
             </a:r>
-            <a:endParaRPr lang="zh-CN" altLang="en-US" dirty="0"/>
           </a:p>
           <a:p>
             <a:pPr lvl="4"/>
@@ -2151,6 +2146,7 @@
           <a:p>
             <a:fld id="{E4551058-E5DB-324A-A8E9-6D3BEF243C3B}" type="datetimeFigureOut">
               <a:rPr kumimoji="1" lang="zh-CN" altLang="en-US" smtClean="0"/>
+              <a:t>2023/12/31</a:t>
             </a:fld>
             <a:endParaRPr kumimoji="1" lang="zh-CN" altLang="en-US"/>
           </a:p>
@@ -2202,6 +2198,7 @@
           <a:p>
             <a:fld id="{977BA8E6-E826-B147-AA17-E3D76A29629C}" type="slidenum">
               <a:rPr kumimoji="1" lang="zh-CN" altLang="en-US" smtClean="0"/>
+              <a:t>‹Nr.›</a:t>
             </a:fld>
             <a:endParaRPr kumimoji="1" lang="zh-CN" altLang="en-US"/>
           </a:p>
@@ -2327,7 +2324,7 @@
 </file>
 
 <file path=ppt/slideLayouts/slideLayout4.xml><?xml version="1.0" encoding="utf-8"?>
-<p:sldLayout xmlns:a="http://schemas.openxmlformats.org/drawingml/2006/main" xmlns:r="http://schemas.openxmlformats.org/officeDocument/2006/relationships" xmlns:p="http://schemas.openxmlformats.org/presentationml/2006/main" preserve="1" showMasterSp="0" userDrawn="1">
+<p:sldLayout xmlns:a="http://schemas.openxmlformats.org/drawingml/2006/main" xmlns:r="http://schemas.openxmlformats.org/officeDocument/2006/relationships" xmlns:p="http://schemas.openxmlformats.org/presentationml/2006/main" showMasterSp="0" preserve="1" userDrawn="1">
   <p:cSld name="节标题">
     <p:spTree>
       <p:nvGrpSpPr>
@@ -2539,7 +2536,6 @@
               <a:rPr lang="zh-CN" altLang="en-US"/>
               <a:t>单击此处编辑母版文本样式</a:t>
             </a:r>
-            <a:endParaRPr lang="zh-CN" altLang="en-US"/>
           </a:p>
         </p:txBody>
       </p:sp>
@@ -2576,6 +2572,7 @@
           <a:p>
             <a:fld id="{E4551058-E5DB-324A-A8E9-6D3BEF243C3B}" type="datetimeFigureOut">
               <a:rPr kumimoji="1" lang="zh-CN" altLang="en-US" smtClean="0"/>
+              <a:t>2023/12/31</a:t>
             </a:fld>
             <a:endParaRPr kumimoji="1" lang="zh-CN" altLang="en-US"/>
           </a:p>
@@ -2649,6 +2646,7 @@
           <a:p>
             <a:fld id="{977BA8E6-E826-B147-AA17-E3D76A29629C}" type="slidenum">
               <a:rPr kumimoji="1" lang="zh-CN" altLang="en-US" smtClean="0"/>
+              <a:t>‹Nr.›</a:t>
             </a:fld>
             <a:endParaRPr kumimoji="1" lang="zh-CN" altLang="en-US"/>
           </a:p>
@@ -2739,7 +2737,6 @@
               <a:rPr lang="zh-CN" altLang="en-US"/>
               <a:t>单击此处编辑母版文本样式</a:t>
             </a:r>
-            <a:endParaRPr lang="zh-CN" altLang="en-US"/>
           </a:p>
           <a:p>
             <a:pPr lvl="1"/>
@@ -2747,7 +2744,6 @@
               <a:rPr lang="zh-CN" altLang="en-US"/>
               <a:t>二级</a:t>
             </a:r>
-            <a:endParaRPr lang="zh-CN" altLang="en-US"/>
           </a:p>
           <a:p>
             <a:pPr lvl="2"/>
@@ -2755,7 +2751,6 @@
               <a:rPr lang="zh-CN" altLang="en-US"/>
               <a:t>三级</a:t>
             </a:r>
-            <a:endParaRPr lang="zh-CN" altLang="en-US"/>
           </a:p>
           <a:p>
             <a:pPr lvl="3"/>
@@ -2763,7 +2758,6 @@
               <a:rPr lang="zh-CN" altLang="en-US"/>
               <a:t>四级</a:t>
             </a:r>
-            <a:endParaRPr lang="zh-CN" altLang="en-US"/>
           </a:p>
           <a:p>
             <a:pPr lvl="4"/>
@@ -2802,7 +2796,6 @@
               <a:rPr lang="zh-CN" altLang="en-US"/>
               <a:t>单击此处编辑母版文本样式</a:t>
             </a:r>
-            <a:endParaRPr lang="zh-CN" altLang="en-US"/>
           </a:p>
           <a:p>
             <a:pPr lvl="1"/>
@@ -2810,7 +2803,6 @@
               <a:rPr lang="zh-CN" altLang="en-US"/>
               <a:t>二级</a:t>
             </a:r>
-            <a:endParaRPr lang="zh-CN" altLang="en-US"/>
           </a:p>
           <a:p>
             <a:pPr lvl="2"/>
@@ -2818,7 +2810,6 @@
               <a:rPr lang="zh-CN" altLang="en-US"/>
               <a:t>三级</a:t>
             </a:r>
-            <a:endParaRPr lang="zh-CN" altLang="en-US"/>
           </a:p>
           <a:p>
             <a:pPr lvl="3"/>
@@ -2826,7 +2817,6 @@
               <a:rPr lang="zh-CN" altLang="en-US"/>
               <a:t>四级</a:t>
             </a:r>
-            <a:endParaRPr lang="zh-CN" altLang="en-US"/>
           </a:p>
           <a:p>
             <a:pPr lvl="4"/>
@@ -2855,6 +2845,7 @@
           <a:p>
             <a:fld id="{E4551058-E5DB-324A-A8E9-6D3BEF243C3B}" type="datetimeFigureOut">
               <a:rPr kumimoji="1" lang="zh-CN" altLang="en-US" smtClean="0"/>
+              <a:t>2023/12/31</a:t>
             </a:fld>
             <a:endParaRPr kumimoji="1" lang="zh-CN" altLang="en-US"/>
           </a:p>
@@ -2896,6 +2887,7 @@
           <a:p>
             <a:fld id="{977BA8E6-E826-B147-AA17-E3D76A29629C}" type="slidenum">
               <a:rPr kumimoji="1" lang="zh-CN" altLang="en-US" smtClean="0"/>
+              <a:t>‹Nr.›</a:t>
             </a:fld>
             <a:endParaRPr kumimoji="1" lang="zh-CN" altLang="en-US"/>
           </a:p>
@@ -2920,7 +2912,6 @@
               <a:rPr kumimoji="1" lang="zh-CN" altLang="en-US"/>
               <a:t>单击此处编辑母版标题样式</a:t>
             </a:r>
-            <a:endParaRPr kumimoji="1" lang="zh-CN" altLang="en-US"/>
           </a:p>
         </p:txBody>
       </p:sp>
@@ -3017,7 +3008,6 @@
               <a:rPr lang="zh-CN" altLang="en-US"/>
               <a:t>单击此处编辑母版文本样式</a:t>
             </a:r>
-            <a:endParaRPr lang="zh-CN" altLang="en-US"/>
           </a:p>
         </p:txBody>
       </p:sp>
@@ -3048,7 +3038,6 @@
               <a:rPr lang="zh-CN" altLang="en-US"/>
               <a:t>单击此处编辑母版文本样式</a:t>
             </a:r>
-            <a:endParaRPr lang="zh-CN" altLang="en-US"/>
           </a:p>
           <a:p>
             <a:pPr lvl="1"/>
@@ -3056,7 +3045,6 @@
               <a:rPr lang="zh-CN" altLang="en-US"/>
               <a:t>二级</a:t>
             </a:r>
-            <a:endParaRPr lang="zh-CN" altLang="en-US"/>
           </a:p>
           <a:p>
             <a:pPr lvl="2"/>
@@ -3064,7 +3052,6 @@
               <a:rPr lang="zh-CN" altLang="en-US"/>
               <a:t>三级</a:t>
             </a:r>
-            <a:endParaRPr lang="zh-CN" altLang="en-US"/>
           </a:p>
           <a:p>
             <a:pPr lvl="3"/>
@@ -3072,7 +3059,6 @@
               <a:rPr lang="zh-CN" altLang="en-US"/>
               <a:t>四级</a:t>
             </a:r>
-            <a:endParaRPr lang="zh-CN" altLang="en-US"/>
           </a:p>
           <a:p>
             <a:pPr lvl="4"/>
@@ -3152,7 +3138,6 @@
               <a:rPr lang="zh-CN" altLang="en-US"/>
               <a:t>单击此处编辑母版文本样式</a:t>
             </a:r>
-            <a:endParaRPr lang="zh-CN" altLang="en-US"/>
           </a:p>
         </p:txBody>
       </p:sp>
@@ -3183,7 +3168,6 @@
               <a:rPr lang="zh-CN" altLang="en-US"/>
               <a:t>单击此处编辑母版文本样式</a:t>
             </a:r>
-            <a:endParaRPr lang="zh-CN" altLang="en-US"/>
           </a:p>
           <a:p>
             <a:pPr lvl="1"/>
@@ -3191,7 +3175,6 @@
               <a:rPr lang="zh-CN" altLang="en-US"/>
               <a:t>二级</a:t>
             </a:r>
-            <a:endParaRPr lang="zh-CN" altLang="en-US"/>
           </a:p>
           <a:p>
             <a:pPr lvl="2"/>
@@ -3199,7 +3182,6 @@
               <a:rPr lang="zh-CN" altLang="en-US"/>
               <a:t>三级</a:t>
             </a:r>
-            <a:endParaRPr lang="zh-CN" altLang="en-US"/>
           </a:p>
           <a:p>
             <a:pPr lvl="3"/>
@@ -3207,7 +3189,6 @@
               <a:rPr lang="zh-CN" altLang="en-US"/>
               <a:t>四级</a:t>
             </a:r>
-            <a:endParaRPr lang="zh-CN" altLang="en-US"/>
           </a:p>
           <a:p>
             <a:pPr lvl="4"/>
@@ -3236,6 +3217,7 @@
           <a:p>
             <a:fld id="{E4551058-E5DB-324A-A8E9-6D3BEF243C3B}" type="datetimeFigureOut">
               <a:rPr kumimoji="1" lang="zh-CN" altLang="en-US" smtClean="0"/>
+              <a:t>2023/12/31</a:t>
             </a:fld>
             <a:endParaRPr kumimoji="1" lang="zh-CN" altLang="en-US"/>
           </a:p>
@@ -3277,6 +3259,7 @@
           <a:p>
             <a:fld id="{977BA8E6-E826-B147-AA17-E3D76A29629C}" type="slidenum">
               <a:rPr kumimoji="1" lang="zh-CN" altLang="en-US" smtClean="0"/>
+              <a:t>‹Nr.›</a:t>
             </a:fld>
             <a:endParaRPr kumimoji="1" lang="zh-CN" altLang="en-US"/>
           </a:p>
@@ -3301,7 +3284,6 @@
               <a:rPr kumimoji="1" lang="zh-CN" altLang="en-US"/>
               <a:t>单击此处编辑母版标题样式</a:t>
             </a:r>
-            <a:endParaRPr kumimoji="1" lang="zh-CN" altLang="en-US"/>
           </a:p>
         </p:txBody>
       </p:sp>
@@ -3347,6 +3329,7 @@
           <a:p>
             <a:fld id="{E4551058-E5DB-324A-A8E9-6D3BEF243C3B}" type="datetimeFigureOut">
               <a:rPr kumimoji="1" lang="zh-CN" altLang="en-US" smtClean="0"/>
+              <a:t>2023/12/31</a:t>
             </a:fld>
             <a:endParaRPr kumimoji="1" lang="zh-CN" altLang="en-US"/>
           </a:p>
@@ -3388,6 +3371,7 @@
           <a:p>
             <a:fld id="{977BA8E6-E826-B147-AA17-E3D76A29629C}" type="slidenum">
               <a:rPr kumimoji="1" lang="zh-CN" altLang="en-US" smtClean="0"/>
+              <a:t>‹Nr.›</a:t>
             </a:fld>
             <a:endParaRPr kumimoji="1" lang="zh-CN" altLang="en-US"/>
           </a:p>
@@ -3412,7 +3396,6 @@
               <a:rPr kumimoji="1" lang="zh-CN" altLang="en-US"/>
               <a:t>单击此处编辑母版标题样式</a:t>
             </a:r>
-            <a:endParaRPr kumimoji="1" lang="zh-CN" altLang="en-US"/>
           </a:p>
         </p:txBody>
       </p:sp>
@@ -3425,7 +3408,7 @@
 </file>
 
 <file path=ppt/slideLayouts/slideLayout8.xml><?xml version="1.0" encoding="utf-8"?>
-<p:sldLayout xmlns:a="http://schemas.openxmlformats.org/drawingml/2006/main" xmlns:r="http://schemas.openxmlformats.org/officeDocument/2006/relationships" xmlns:p="http://schemas.openxmlformats.org/presentationml/2006/main" type="blank" preserve="1" showMasterSp="0">
+<p:sldLayout xmlns:a="http://schemas.openxmlformats.org/drawingml/2006/main" xmlns:r="http://schemas.openxmlformats.org/officeDocument/2006/relationships" xmlns:p="http://schemas.openxmlformats.org/presentationml/2006/main" showMasterSp="0" type="blank" preserve="1">
   <p:cSld name="空白">
     <p:spTree>
       <p:nvGrpSpPr>
@@ -3458,6 +3441,7 @@
           <a:p>
             <a:fld id="{E4551058-E5DB-324A-A8E9-6D3BEF243C3B}" type="datetimeFigureOut">
               <a:rPr kumimoji="1" lang="zh-CN" altLang="en-US" smtClean="0"/>
+              <a:t>2023/12/31</a:t>
             </a:fld>
             <a:endParaRPr kumimoji="1" lang="zh-CN" altLang="en-US"/>
           </a:p>
@@ -3499,6 +3483,7 @@
           <a:p>
             <a:fld id="{977BA8E6-E826-B147-AA17-E3D76A29629C}" type="slidenum">
               <a:rPr kumimoji="1" lang="zh-CN" altLang="en-US" smtClean="0"/>
+              <a:t>‹Nr.›</a:t>
             </a:fld>
             <a:endParaRPr kumimoji="1" lang="zh-CN" altLang="en-US"/>
           </a:p>
@@ -3587,7 +3572,7 @@
 </file>
 
 <file path=ppt/slideLayouts/slideLayout9.xml><?xml version="1.0" encoding="utf-8"?>
-<p:sldLayout xmlns:a="http://schemas.openxmlformats.org/drawingml/2006/main" xmlns:r="http://schemas.openxmlformats.org/officeDocument/2006/relationships" xmlns:p="http://schemas.openxmlformats.org/presentationml/2006/main" type="objTx" preserve="1" showMasterSp="0">
+<p:sldLayout xmlns:a="http://schemas.openxmlformats.org/drawingml/2006/main" xmlns:r="http://schemas.openxmlformats.org/officeDocument/2006/relationships" xmlns:p="http://schemas.openxmlformats.org/presentationml/2006/main" showMasterSp="0" type="objTx" preserve="1">
   <p:cSld name="内容与标题">
     <p:spTree>
       <p:nvGrpSpPr>
@@ -3807,7 +3792,6 @@
               <a:rPr lang="zh-CN" altLang="en-US"/>
               <a:t>单击此处编辑母版文本样式</a:t>
             </a:r>
-            <a:endParaRPr lang="zh-CN" altLang="en-US"/>
           </a:p>
           <a:p>
             <a:pPr lvl="1"/>
@@ -3815,7 +3799,6 @@
               <a:rPr lang="zh-CN" altLang="en-US"/>
               <a:t>二级</a:t>
             </a:r>
-            <a:endParaRPr lang="zh-CN" altLang="en-US"/>
           </a:p>
           <a:p>
             <a:pPr lvl="2"/>
@@ -3823,7 +3806,6 @@
               <a:rPr lang="zh-CN" altLang="en-US"/>
               <a:t>三级</a:t>
             </a:r>
-            <a:endParaRPr lang="zh-CN" altLang="en-US"/>
           </a:p>
           <a:p>
             <a:pPr lvl="3"/>
@@ -3831,7 +3813,6 @@
               <a:rPr lang="zh-CN" altLang="en-US"/>
               <a:t>四级</a:t>
             </a:r>
-            <a:endParaRPr lang="zh-CN" altLang="en-US"/>
           </a:p>
           <a:p>
             <a:pPr lvl="4"/>
@@ -3911,7 +3892,6 @@
               <a:rPr lang="zh-CN" altLang="en-US" dirty="0"/>
               <a:t>单击此处编辑母版文本样式</a:t>
             </a:r>
-            <a:endParaRPr lang="zh-CN" altLang="en-US" dirty="0"/>
           </a:p>
         </p:txBody>
       </p:sp>
@@ -3943,6 +3923,7 @@
           <a:p>
             <a:fld id="{E4551058-E5DB-324A-A8E9-6D3BEF243C3B}" type="datetimeFigureOut">
               <a:rPr kumimoji="1" lang="zh-CN" altLang="en-US" smtClean="0"/>
+              <a:t>2023/12/31</a:t>
             </a:fld>
             <a:endParaRPr kumimoji="1" lang="zh-CN" altLang="en-US"/>
           </a:p>
@@ -4006,6 +3987,7 @@
           <a:p>
             <a:fld id="{977BA8E6-E826-B147-AA17-E3D76A29629C}" type="slidenum">
               <a:rPr kumimoji="1" lang="zh-CN" altLang="en-US" smtClean="0"/>
+              <a:t>‹Nr.›</a:t>
             </a:fld>
             <a:endParaRPr kumimoji="1" lang="zh-CN" altLang="en-US"/>
           </a:p>
@@ -4126,7 +4108,6 @@
               <a:rPr kumimoji="1" lang="zh-CN" altLang="en-US" dirty="0"/>
               <a:t>单击此处编辑母版标题样式</a:t>
             </a:r>
-            <a:endParaRPr kumimoji="1" lang="zh-CN" altLang="en-US" dirty="0"/>
           </a:p>
         </p:txBody>
       </p:sp>
@@ -4234,7 +4215,6 @@
               <a:rPr lang="zh-CN" altLang="en-US" dirty="0"/>
               <a:t>单击此处编辑母版文本样式</a:t>
             </a:r>
-            <a:endParaRPr lang="zh-CN" altLang="en-US" dirty="0"/>
           </a:p>
           <a:p>
             <a:pPr lvl="1"/>
@@ -4242,7 +4222,6 @@
               <a:rPr lang="zh-CN" altLang="en-US" dirty="0"/>
               <a:t>二级</a:t>
             </a:r>
-            <a:endParaRPr lang="zh-CN" altLang="en-US" dirty="0"/>
           </a:p>
           <a:p>
             <a:pPr lvl="2"/>
@@ -4250,7 +4229,6 @@
               <a:rPr lang="zh-CN" altLang="en-US" dirty="0"/>
               <a:t>三级</a:t>
             </a:r>
-            <a:endParaRPr lang="zh-CN" altLang="en-US" dirty="0"/>
           </a:p>
           <a:p>
             <a:pPr lvl="3"/>
@@ -4258,7 +4236,6 @@
               <a:rPr lang="zh-CN" altLang="en-US" dirty="0"/>
               <a:t>四级</a:t>
             </a:r>
-            <a:endParaRPr lang="zh-CN" altLang="en-US" dirty="0"/>
           </a:p>
           <a:p>
             <a:pPr lvl="4"/>
@@ -4303,6 +4280,7 @@
           <a:p>
             <a:fld id="{E4551058-E5DB-324A-A8E9-6D3BEF243C3B}" type="datetimeFigureOut">
               <a:rPr kumimoji="1" lang="zh-CN" altLang="en-US" smtClean="0"/>
+              <a:t>2023/12/31</a:t>
             </a:fld>
             <a:endParaRPr kumimoji="1" lang="zh-CN" altLang="en-US"/>
           </a:p>
@@ -4376,6 +4354,7 @@
           <a:p>
             <a:fld id="{977BA8E6-E826-B147-AA17-E3D76A29629C}" type="slidenum">
               <a:rPr kumimoji="1" lang="zh-CN" altLang="en-US" smtClean="0"/>
+              <a:t>‹Nr.›</a:t>
             </a:fld>
             <a:endParaRPr kumimoji="1" lang="zh-CN" altLang="en-US"/>
           </a:p>
@@ -4390,7 +4369,7 @@
           <p:nvPr userDrawn="1"/>
         </p:nvPicPr>
         <p:blipFill>
-          <a:blip r:embed="rId13">
+          <a:blip r:embed="rId14">
             <a:duotone>
               <a:schemeClr val="bg2">
                 <a:shade val="45000"/>
@@ -4923,981 +4902,6 @@
       </p:grpSpPr>
       <p:sp>
         <p:nvSpPr>
-          <p:cNvPr id="2" name="内容占位符 1"/>
-          <p:cNvSpPr>
-            <a:spLocks noGrp="1"/>
-          </p:cNvSpPr>
-          <p:nvPr>
-            <p:ph idx="1"/>
-          </p:nvPr>
-        </p:nvSpPr>
-        <p:spPr/>
-        <p:txBody>
-          <a:bodyPr>
-            <a:normAutofit/>
-          </a:bodyPr>
-          <a:lstStyle/>
-          <a:p>
-            <a:endParaRPr kumimoji="1" lang="en-US" altLang="zh-CN" b="1" dirty="0">
-              <a:sym typeface="Wingdings" panose="05000000000000000000" pitchFamily="2" charset="2"/>
-            </a:endParaRPr>
-          </a:p>
-          <a:p>
-            <a:r>
-              <a:rPr kumimoji="1" lang="en-US" altLang="zh-CN" dirty="0"/>
-              <a:t>Why Do Traditional Machine Learning Methods Outperform Neural Networks ?</a:t>
-            </a:r>
-            <a:endParaRPr kumimoji="1" lang="en-US" altLang="zh-CN" dirty="0"/>
-          </a:p>
-          <a:p>
-            <a:r>
-              <a:rPr kumimoji="1" lang="en-US" altLang="zh-CN" dirty="0"/>
-              <a:t>Why Do These Data Processing Methods Lead to a Decrease in Model Performance ?</a:t>
-            </a:r>
-            <a:endParaRPr kumimoji="1" lang="en-US" altLang="zh-CN" dirty="0"/>
-          </a:p>
-          <a:p>
-            <a:pPr lvl="1"/>
-            <a:r>
-              <a:rPr kumimoji="1" lang="zh-CN" altLang="en-US" sz="1600" dirty="0">
-                <a:sym typeface="+mn-ea"/>
-              </a:rPr>
-              <a:t>Data Augmentation</a:t>
-            </a:r>
-            <a:endParaRPr kumimoji="1" lang="zh-CN" altLang="en-US" sz="1600" dirty="0"/>
-          </a:p>
-          <a:p>
-            <a:pPr lvl="1" algn="l"/>
-            <a:r>
-              <a:rPr kumimoji="1" lang="zh-CN" altLang="en-US" sz="1600" dirty="0">
-                <a:sym typeface="+mn-ea"/>
-              </a:rPr>
-              <a:t>Anomaly Detection</a:t>
-            </a:r>
-            <a:endParaRPr kumimoji="1" lang="zh-CN" altLang="en-US" sz="1600" dirty="0"/>
-          </a:p>
-          <a:p>
-            <a:pPr lvl="1" algn="l"/>
-            <a:r>
-              <a:rPr kumimoji="1" lang="zh-CN" altLang="en-US" sz="1600" dirty="0">
-                <a:sym typeface="+mn-ea"/>
-              </a:rPr>
-              <a:t>Shuffle Data</a:t>
-            </a:r>
-            <a:endParaRPr kumimoji="1" lang="zh-CN" altLang="en-US" sz="1600" dirty="0"/>
-          </a:p>
-          <a:p>
-            <a:pPr lvl="1" algn="l"/>
-            <a:r>
-              <a:rPr kumimoji="1" lang="zh-CN" altLang="en-US" sz="1600" dirty="0">
-                <a:sym typeface="+mn-ea"/>
-              </a:rPr>
-              <a:t>One-Hot Encoding</a:t>
-            </a:r>
-            <a:endParaRPr kumimoji="1" lang="zh-CN" altLang="en-US" dirty="0"/>
-          </a:p>
-          <a:p>
-            <a:r>
-              <a:rPr kumimoji="1" lang="en-US" altLang="zh-CN" dirty="0"/>
-              <a:t>What We Found </a:t>
-            </a:r>
-            <a:r>
-              <a:rPr kumimoji="1" lang="en-US" altLang="zh-CN" dirty="0"/>
-              <a:t>in Feature Engineering ?</a:t>
-            </a:r>
-            <a:endParaRPr kumimoji="1" lang="en-US" altLang="zh-CN" dirty="0"/>
-          </a:p>
-          <a:p>
-            <a:pPr lvl="1"/>
-            <a:endParaRPr kumimoji="1" lang="en-US" altLang="zh-CN" dirty="0"/>
-          </a:p>
-          <a:p>
-            <a:endParaRPr kumimoji="1" lang="en-US" altLang="zh-CN" dirty="0"/>
-          </a:p>
-        </p:txBody>
-      </p:sp>
-      <p:sp>
-        <p:nvSpPr>
-          <p:cNvPr id="3" name="标题 2"/>
-          <p:cNvSpPr>
-            <a:spLocks noGrp="1"/>
-          </p:cNvSpPr>
-          <p:nvPr>
-            <p:ph type="title"/>
-          </p:nvPr>
-        </p:nvSpPr>
-        <p:spPr/>
-        <p:txBody>
-          <a:bodyPr/>
-          <a:lstStyle/>
-          <a:p>
-            <a:r>
-              <a:rPr lang="en-US" dirty="0"/>
-              <a:t>conclusion and discussion</a:t>
-            </a:r>
-            <a:endParaRPr lang="en-US" dirty="0"/>
-          </a:p>
-        </p:txBody>
-      </p:sp>
-    </p:spTree>
-  </p:cSld>
-  <p:clrMapOvr>
-    <a:masterClrMapping/>
-  </p:clrMapOvr>
-</p:sld>
-</file>
-
-<file path=ppt/slides/slide11.xml><?xml version="1.0" encoding="utf-8"?>
-<p:sld xmlns:a="http://schemas.openxmlformats.org/drawingml/2006/main" xmlns:r="http://schemas.openxmlformats.org/officeDocument/2006/relationships" xmlns:p="http://schemas.openxmlformats.org/presentationml/2006/main">
-  <p:cSld>
-    <p:spTree>
-      <p:nvGrpSpPr>
-        <p:cNvPr id="1" name=""/>
-        <p:cNvGrpSpPr/>
-        <p:nvPr/>
-      </p:nvGrpSpPr>
-      <p:grpSpPr>
-        <a:xfrm>
-          <a:off x="0" y="0"/>
-          <a:ext cx="0" cy="0"/>
-          <a:chOff x="0" y="0"/>
-          <a:chExt cx="0" cy="0"/>
-        </a:xfrm>
-      </p:grpSpPr>
-      <p:sp>
-        <p:nvSpPr>
-          <p:cNvPr id="2" name="内容占位符 1"/>
-          <p:cNvSpPr>
-            <a:spLocks noGrp="1"/>
-          </p:cNvSpPr>
-          <p:nvPr>
-            <p:ph idx="1"/>
-          </p:nvPr>
-        </p:nvSpPr>
-        <p:spPr/>
-        <p:txBody>
-          <a:bodyPr>
-            <a:normAutofit/>
-          </a:bodyPr>
-          <a:lstStyle/>
-          <a:p>
-            <a:pPr lvl="1"/>
-            <a:r>
-              <a:rPr kumimoji="1" lang="en-US" altLang="zh-CN" sz="1800" dirty="0">
-                <a:sym typeface="+mn-ea"/>
-              </a:rPr>
-              <a:t>Which Data Should We Select as Features ?</a:t>
-            </a:r>
-            <a:endParaRPr kumimoji="1" lang="en-US" altLang="zh-CN" sz="1800" dirty="0">
-              <a:sym typeface="+mn-ea"/>
-            </a:endParaRPr>
-          </a:p>
-          <a:p>
-            <a:pPr lvl="2"/>
-            <a:r>
-              <a:rPr kumimoji="1" lang="en-US" altLang="zh-CN" sz="1600" dirty="0">
-                <a:sym typeface="+mn-ea"/>
-              </a:rPr>
-              <a:t>For RNN  we organize the data into a time series matrix while retaining the original features</a:t>
-            </a:r>
-            <a:endParaRPr kumimoji="1" lang="en-US" altLang="zh-CN" sz="1600" dirty="0">
-              <a:sym typeface="+mn-ea"/>
-            </a:endParaRPr>
-          </a:p>
-          <a:p>
-            <a:pPr lvl="2"/>
-            <a:r>
-              <a:rPr kumimoji="1" lang="en-US" altLang="zh-CN" sz="1600" dirty="0">
-                <a:sym typeface="+mn-ea"/>
-              </a:rPr>
-              <a:t>For traditional machine learning methods, we remove the time column, flatten the data, and use the entire dataset as features</a:t>
-            </a:r>
-            <a:endParaRPr kumimoji="1" lang="en-US" altLang="zh-CN" sz="1600" dirty="0">
-              <a:sym typeface="+mn-ea"/>
-            </a:endParaRPr>
-          </a:p>
-          <a:p>
-            <a:pPr lvl="1"/>
-            <a:r>
-              <a:rPr kumimoji="1" lang="en-US" altLang="zh-CN" sz="1800" dirty="0">
-                <a:sym typeface="+mn-ea"/>
-              </a:rPr>
-              <a:t>What are the drawbacks of these practices ?</a:t>
-            </a:r>
-            <a:endParaRPr kumimoji="1" lang="en-US" altLang="zh-CN" sz="1800" dirty="0">
-              <a:sym typeface="+mn-ea"/>
-            </a:endParaRPr>
-          </a:p>
-          <a:p>
-            <a:pPr lvl="1"/>
-            <a:r>
-              <a:rPr kumimoji="1" lang="en-US" altLang="zh-CN" sz="1800" dirty="0">
-                <a:sym typeface="+mn-ea"/>
-              </a:rPr>
-              <a:t>What about PCA ?</a:t>
-            </a:r>
-            <a:endParaRPr kumimoji="1" lang="en-US" altLang="zh-CN" sz="1800" dirty="0">
-              <a:sym typeface="+mn-ea"/>
-            </a:endParaRPr>
-          </a:p>
-          <a:p>
-            <a:pPr lvl="1"/>
-            <a:r>
-              <a:rPr kumimoji="1" lang="en-US" altLang="zh-CN" sz="1800" dirty="0">
-                <a:sym typeface="+mn-ea"/>
-              </a:rPr>
-              <a:t>How can we visualize the importance of each feature ?</a:t>
-            </a:r>
-            <a:endParaRPr kumimoji="1" lang="en-US" altLang="zh-CN" sz="1800" dirty="0">
-              <a:sym typeface="+mn-ea"/>
-            </a:endParaRPr>
-          </a:p>
-          <a:p>
-            <a:pPr lvl="1"/>
-            <a:r>
-              <a:rPr kumimoji="1" lang="en-US" altLang="zh-CN" sz="1800" dirty="0">
-                <a:sym typeface="+mn-ea"/>
-              </a:rPr>
-              <a:t>How </a:t>
-            </a:r>
-            <a:r>
-              <a:rPr kumimoji="1" lang="en-US" altLang="zh-CN" sz="1800" dirty="0">
-                <a:sym typeface="+mn-ea"/>
-              </a:rPr>
-              <a:t>can we visualize the impact of each feature on the decision ?</a:t>
-            </a:r>
-            <a:endParaRPr kumimoji="1" lang="en-US" altLang="zh-CN" sz="1800" dirty="0">
-              <a:sym typeface="+mn-ea"/>
-            </a:endParaRPr>
-          </a:p>
-          <a:p>
-            <a:pPr lvl="1"/>
-            <a:endParaRPr kumimoji="1" lang="en-US" altLang="zh-CN" sz="1800" dirty="0">
-              <a:sym typeface="+mn-ea"/>
-            </a:endParaRPr>
-          </a:p>
-          <a:p>
-            <a:pPr lvl="1"/>
-            <a:endParaRPr kumimoji="1" lang="en-US" altLang="zh-CN" dirty="0">
-              <a:sym typeface="+mn-ea"/>
-            </a:endParaRPr>
-          </a:p>
-          <a:p>
-            <a:pPr marL="629920" lvl="2" indent="0">
-              <a:buNone/>
-            </a:pPr>
-            <a:endParaRPr kumimoji="1" lang="en-US" altLang="zh-CN" dirty="0">
-              <a:sym typeface="+mn-ea"/>
-            </a:endParaRPr>
-          </a:p>
-          <a:p>
-            <a:endParaRPr kumimoji="1" lang="en-US" altLang="zh-CN" dirty="0"/>
-          </a:p>
-        </p:txBody>
-      </p:sp>
-      <p:sp>
-        <p:nvSpPr>
-          <p:cNvPr id="3" name="标题 2"/>
-          <p:cNvSpPr>
-            <a:spLocks noGrp="1"/>
-          </p:cNvSpPr>
-          <p:nvPr>
-            <p:ph type="title"/>
-          </p:nvPr>
-        </p:nvSpPr>
-        <p:spPr/>
-        <p:txBody>
-          <a:bodyPr/>
-          <a:lstStyle/>
-          <a:p>
-            <a:r>
-              <a:rPr kumimoji="1" lang="en-US" altLang="zh-CN" dirty="0">
-                <a:sym typeface="+mn-ea"/>
-              </a:rPr>
-              <a:t>What We Found in Feature Engineering</a:t>
-            </a:r>
-            <a:endParaRPr lang="en-US" dirty="0"/>
-          </a:p>
-        </p:txBody>
-      </p:sp>
-    </p:spTree>
-  </p:cSld>
-  <p:clrMapOvr>
-    <a:masterClrMapping/>
-  </p:clrMapOvr>
-</p:sld>
-</file>
-
-<file path=ppt/slides/slide12.xml><?xml version="1.0" encoding="utf-8"?>
-<p:sld xmlns:a="http://schemas.openxmlformats.org/drawingml/2006/main" xmlns:r="http://schemas.openxmlformats.org/officeDocument/2006/relationships" xmlns:p="http://schemas.openxmlformats.org/presentationml/2006/main">
-  <p:cSld>
-    <p:spTree>
-      <p:nvGrpSpPr>
-        <p:cNvPr id="1" name=""/>
-        <p:cNvGrpSpPr/>
-        <p:nvPr/>
-      </p:nvGrpSpPr>
-      <p:grpSpPr>
-        <a:xfrm>
-          <a:off x="0" y="0"/>
-          <a:ext cx="0" cy="0"/>
-          <a:chOff x="0" y="0"/>
-          <a:chExt cx="0" cy="0"/>
-        </a:xfrm>
-      </p:grpSpPr>
-      <p:sp>
-        <p:nvSpPr>
-          <p:cNvPr id="2" name="内容占位符 1"/>
-          <p:cNvSpPr>
-            <a:spLocks noGrp="1"/>
-          </p:cNvSpPr>
-          <p:nvPr>
-            <p:ph idx="1"/>
-          </p:nvPr>
-        </p:nvSpPr>
-        <p:spPr/>
-        <p:txBody>
-          <a:bodyPr>
-            <a:normAutofit/>
-          </a:bodyPr>
-          <a:lstStyle/>
-          <a:p>
-            <a:pPr lvl="1"/>
-            <a:r>
-              <a:rPr kumimoji="1" lang="en-US" altLang="zh-CN" sz="1800" dirty="0">
-                <a:sym typeface="+mn-ea"/>
-              </a:rPr>
-              <a:t>How can we visualize the importance of each feature ?</a:t>
-            </a:r>
-            <a:endParaRPr kumimoji="1" lang="en-US" altLang="zh-CN" sz="1800" dirty="0">
-              <a:sym typeface="+mn-ea"/>
-            </a:endParaRPr>
-          </a:p>
-          <a:p>
-            <a:pPr lvl="1"/>
-            <a:endParaRPr kumimoji="1" lang="en-US" altLang="zh-CN" sz="1800" dirty="0">
-              <a:sym typeface="+mn-ea"/>
-            </a:endParaRPr>
-          </a:p>
-          <a:p>
-            <a:pPr lvl="1"/>
-            <a:endParaRPr kumimoji="1" lang="en-US" altLang="zh-CN" dirty="0">
-              <a:sym typeface="+mn-ea"/>
-            </a:endParaRPr>
-          </a:p>
-          <a:p>
-            <a:pPr marL="629920" lvl="2" indent="0">
-              <a:buNone/>
-            </a:pPr>
-            <a:endParaRPr kumimoji="1" lang="en-US" altLang="zh-CN" dirty="0">
-              <a:sym typeface="+mn-ea"/>
-            </a:endParaRPr>
-          </a:p>
-          <a:p>
-            <a:endParaRPr kumimoji="1" lang="en-US" altLang="zh-CN" dirty="0"/>
-          </a:p>
-        </p:txBody>
-      </p:sp>
-      <p:sp>
-        <p:nvSpPr>
-          <p:cNvPr id="3" name="标题 2"/>
-          <p:cNvSpPr>
-            <a:spLocks noGrp="1"/>
-          </p:cNvSpPr>
-          <p:nvPr>
-            <p:ph type="title"/>
-          </p:nvPr>
-        </p:nvSpPr>
-        <p:spPr/>
-        <p:txBody>
-          <a:bodyPr/>
-          <a:lstStyle/>
-          <a:p>
-            <a:r>
-              <a:rPr kumimoji="1" lang="en-US" altLang="zh-CN" dirty="0">
-                <a:sym typeface="+mn-ea"/>
-              </a:rPr>
-              <a:t>What We Found in Feature Engineering</a:t>
-            </a:r>
-            <a:endParaRPr lang="en-US" dirty="0"/>
-          </a:p>
-        </p:txBody>
-      </p:sp>
-      <p:pic>
-        <p:nvPicPr>
-          <p:cNvPr id="6" name="图片 5"/>
-          <p:cNvPicPr>
-            <a:picLocks noChangeAspect="1"/>
-          </p:cNvPicPr>
-          <p:nvPr>
-            <p:custDataLst>
-              <p:tags r:id="rId1"/>
-            </p:custDataLst>
-          </p:nvPr>
-        </p:nvPicPr>
-        <p:blipFill>
-          <a:blip r:embed="rId2"/>
-          <a:stretch>
-            <a:fillRect/>
-          </a:stretch>
-        </p:blipFill>
-        <p:spPr>
-          <a:xfrm>
-            <a:off x="775970" y="2688590"/>
-            <a:ext cx="4637405" cy="3169920"/>
-          </a:xfrm>
-          <a:prstGeom prst="rect">
-            <a:avLst/>
-          </a:prstGeom>
-        </p:spPr>
-      </p:pic>
-      <p:pic>
-        <p:nvPicPr>
-          <p:cNvPr id="8" name="图片 7"/>
-          <p:cNvPicPr>
-            <a:picLocks noChangeAspect="1"/>
-          </p:cNvPicPr>
-          <p:nvPr>
-            <p:custDataLst>
-              <p:tags r:id="rId3"/>
-            </p:custDataLst>
-          </p:nvPr>
-        </p:nvPicPr>
-        <p:blipFill>
-          <a:blip r:embed="rId4"/>
-          <a:stretch>
-            <a:fillRect/>
-          </a:stretch>
-        </p:blipFill>
-        <p:spPr>
-          <a:xfrm>
-            <a:off x="5719445" y="2688590"/>
-            <a:ext cx="3051810" cy="1468120"/>
-          </a:xfrm>
-          <a:prstGeom prst="rect">
-            <a:avLst/>
-          </a:prstGeom>
-        </p:spPr>
-      </p:pic>
-      <p:pic>
-        <p:nvPicPr>
-          <p:cNvPr id="9" name="图片 8"/>
-          <p:cNvPicPr>
-            <a:picLocks noChangeAspect="1"/>
-          </p:cNvPicPr>
-          <p:nvPr>
-            <p:custDataLst>
-              <p:tags r:id="rId5"/>
-            </p:custDataLst>
-          </p:nvPr>
-        </p:nvPicPr>
-        <p:blipFill>
-          <a:blip r:embed="rId6"/>
-          <a:stretch>
-            <a:fillRect/>
-          </a:stretch>
-        </p:blipFill>
-        <p:spPr>
-          <a:xfrm>
-            <a:off x="8909050" y="2696845"/>
-            <a:ext cx="3034030" cy="1459865"/>
-          </a:xfrm>
-          <a:prstGeom prst="rect">
-            <a:avLst/>
-          </a:prstGeom>
-        </p:spPr>
-      </p:pic>
-      <p:pic>
-        <p:nvPicPr>
-          <p:cNvPr id="10" name="图片 9"/>
-          <p:cNvPicPr>
-            <a:picLocks noChangeAspect="1"/>
-          </p:cNvPicPr>
-          <p:nvPr>
-            <p:custDataLst>
-              <p:tags r:id="rId7"/>
-            </p:custDataLst>
-          </p:nvPr>
-        </p:nvPicPr>
-        <p:blipFill>
-          <a:blip r:embed="rId8"/>
-          <a:stretch>
-            <a:fillRect/>
-          </a:stretch>
-        </p:blipFill>
-        <p:spPr>
-          <a:xfrm>
-            <a:off x="5719445" y="4389755"/>
-            <a:ext cx="3051810" cy="1468755"/>
-          </a:xfrm>
-          <a:prstGeom prst="rect">
-            <a:avLst/>
-          </a:prstGeom>
-        </p:spPr>
-      </p:pic>
-      <p:pic>
-        <p:nvPicPr>
-          <p:cNvPr id="11" name="图片 10"/>
-          <p:cNvPicPr>
-            <a:picLocks noChangeAspect="1"/>
-          </p:cNvPicPr>
-          <p:nvPr>
-            <p:custDataLst>
-              <p:tags r:id="rId9"/>
-            </p:custDataLst>
-          </p:nvPr>
-        </p:nvPicPr>
-        <p:blipFill>
-          <a:blip r:embed="rId10"/>
-          <a:stretch>
-            <a:fillRect/>
-          </a:stretch>
-        </p:blipFill>
-        <p:spPr>
-          <a:xfrm>
-            <a:off x="8909050" y="4389755"/>
-            <a:ext cx="3034665" cy="1461135"/>
-          </a:xfrm>
-          <a:prstGeom prst="rect">
-            <a:avLst/>
-          </a:prstGeom>
-        </p:spPr>
-      </p:pic>
-    </p:spTree>
-  </p:cSld>
-  <p:clrMapOvr>
-    <a:masterClrMapping/>
-  </p:clrMapOvr>
-</p:sld>
-</file>
-
-<file path=ppt/slides/slide13.xml><?xml version="1.0" encoding="utf-8"?>
-<p:sld xmlns:a="http://schemas.openxmlformats.org/drawingml/2006/main" xmlns:r="http://schemas.openxmlformats.org/officeDocument/2006/relationships" xmlns:p="http://schemas.openxmlformats.org/presentationml/2006/main">
-  <p:cSld>
-    <p:spTree>
-      <p:nvGrpSpPr>
-        <p:cNvPr id="1" name=""/>
-        <p:cNvGrpSpPr/>
-        <p:nvPr/>
-      </p:nvGrpSpPr>
-      <p:grpSpPr>
-        <a:xfrm>
-          <a:off x="0" y="0"/>
-          <a:ext cx="0" cy="0"/>
-          <a:chOff x="0" y="0"/>
-          <a:chExt cx="0" cy="0"/>
-        </a:xfrm>
-      </p:grpSpPr>
-      <p:sp>
-        <p:nvSpPr>
-          <p:cNvPr id="2" name="内容占位符 1"/>
-          <p:cNvSpPr>
-            <a:spLocks noGrp="1"/>
-          </p:cNvSpPr>
-          <p:nvPr>
-            <p:ph idx="1"/>
-          </p:nvPr>
-        </p:nvSpPr>
-        <p:spPr/>
-        <p:txBody>
-          <a:bodyPr>
-            <a:normAutofit/>
-          </a:bodyPr>
-          <a:lstStyle/>
-          <a:p>
-            <a:pPr lvl="1"/>
-            <a:r>
-              <a:rPr kumimoji="1" lang="en-US" altLang="zh-CN" sz="1800" dirty="0">
-                <a:sym typeface="+mn-ea"/>
-              </a:rPr>
-              <a:t>How can we visualize the importance of each feature ?</a:t>
-            </a:r>
-            <a:endParaRPr kumimoji="1" lang="en-US" altLang="zh-CN" sz="1800" dirty="0">
-              <a:sym typeface="+mn-ea"/>
-            </a:endParaRPr>
-          </a:p>
-          <a:p>
-            <a:pPr lvl="1"/>
-            <a:endParaRPr kumimoji="1" lang="en-US" altLang="zh-CN" sz="1800" dirty="0">
-              <a:sym typeface="+mn-ea"/>
-            </a:endParaRPr>
-          </a:p>
-          <a:p>
-            <a:pPr lvl="1"/>
-            <a:endParaRPr kumimoji="1" lang="en-US" altLang="zh-CN" dirty="0">
-              <a:sym typeface="+mn-ea"/>
-            </a:endParaRPr>
-          </a:p>
-          <a:p>
-            <a:pPr marL="629920" lvl="2" indent="0">
-              <a:buNone/>
-            </a:pPr>
-            <a:endParaRPr kumimoji="1" lang="en-US" altLang="zh-CN" dirty="0">
-              <a:sym typeface="+mn-ea"/>
-            </a:endParaRPr>
-          </a:p>
-          <a:p>
-            <a:endParaRPr kumimoji="1" lang="en-US" altLang="zh-CN" dirty="0"/>
-          </a:p>
-        </p:txBody>
-      </p:sp>
-      <p:sp>
-        <p:nvSpPr>
-          <p:cNvPr id="3" name="标题 2"/>
-          <p:cNvSpPr>
-            <a:spLocks noGrp="1"/>
-          </p:cNvSpPr>
-          <p:nvPr>
-            <p:ph type="title"/>
-          </p:nvPr>
-        </p:nvSpPr>
-        <p:spPr/>
-        <p:txBody>
-          <a:bodyPr/>
-          <a:lstStyle/>
-          <a:p>
-            <a:r>
-              <a:rPr kumimoji="1" lang="en-US" altLang="zh-CN" dirty="0">
-                <a:sym typeface="+mn-ea"/>
-              </a:rPr>
-              <a:t>What We Found in Feature Engineering</a:t>
-            </a:r>
-            <a:endParaRPr lang="en-US" dirty="0"/>
-          </a:p>
-        </p:txBody>
-      </p:sp>
-      <p:pic>
-        <p:nvPicPr>
-          <p:cNvPr id="4" name="图片 3"/>
-          <p:cNvPicPr>
-            <a:picLocks noChangeAspect="1"/>
-          </p:cNvPicPr>
-          <p:nvPr>
-            <p:custDataLst>
-              <p:tags r:id="rId1"/>
-            </p:custDataLst>
-          </p:nvPr>
-        </p:nvPicPr>
-        <p:blipFill>
-          <a:blip r:embed="rId2"/>
-          <a:stretch>
-            <a:fillRect/>
-          </a:stretch>
-        </p:blipFill>
-        <p:spPr>
-          <a:xfrm>
-            <a:off x="6359525" y="2706370"/>
-            <a:ext cx="5039360" cy="3453130"/>
-          </a:xfrm>
-          <a:prstGeom prst="rect">
-            <a:avLst/>
-          </a:prstGeom>
-        </p:spPr>
-      </p:pic>
-      <p:pic>
-        <p:nvPicPr>
-          <p:cNvPr id="5" name="图片 4"/>
-          <p:cNvPicPr>
-            <a:picLocks noChangeAspect="1"/>
-          </p:cNvPicPr>
-          <p:nvPr>
-            <p:custDataLst>
-              <p:tags r:id="rId3"/>
-            </p:custDataLst>
-          </p:nvPr>
-        </p:nvPicPr>
-        <p:blipFill>
-          <a:blip r:embed="rId4"/>
-          <a:stretch>
-            <a:fillRect/>
-          </a:stretch>
-        </p:blipFill>
-        <p:spPr>
-          <a:xfrm>
-            <a:off x="917575" y="2706370"/>
-            <a:ext cx="5067300" cy="3468370"/>
-          </a:xfrm>
-          <a:prstGeom prst="rect">
-            <a:avLst/>
-          </a:prstGeom>
-        </p:spPr>
-      </p:pic>
-      <p:sp>
-        <p:nvSpPr>
-          <p:cNvPr id="7" name="文本框 6"/>
-          <p:cNvSpPr txBox="1"/>
-          <p:nvPr/>
-        </p:nvSpPr>
-        <p:spPr>
-          <a:xfrm>
-            <a:off x="2599055" y="6297930"/>
-            <a:ext cx="1704340" cy="368300"/>
-          </a:xfrm>
-          <a:prstGeom prst="rect">
-            <a:avLst/>
-          </a:prstGeom>
-          <a:noFill/>
-        </p:spPr>
-        <p:txBody>
-          <a:bodyPr wrap="square" rtlCol="0">
-            <a:spAutoFit/>
-          </a:bodyPr>
-          <a:p>
-            <a:r>
-              <a:rPr lang="en-US" altLang="zh-CN"/>
-              <a:t>Damege Bad</a:t>
-            </a:r>
-            <a:endParaRPr lang="en-US" altLang="zh-CN"/>
-          </a:p>
-        </p:txBody>
-      </p:sp>
-      <p:sp>
-        <p:nvSpPr>
-          <p:cNvPr id="12" name="文本框 11"/>
-          <p:cNvSpPr txBox="1"/>
-          <p:nvPr>
-            <p:custDataLst>
-              <p:tags r:id="rId5"/>
-            </p:custDataLst>
-          </p:nvPr>
-        </p:nvSpPr>
-        <p:spPr>
-          <a:xfrm>
-            <a:off x="8027035" y="6297930"/>
-            <a:ext cx="1704340" cy="368300"/>
-          </a:xfrm>
-          <a:prstGeom prst="rect">
-            <a:avLst/>
-          </a:prstGeom>
-          <a:noFill/>
-        </p:spPr>
-        <p:txBody>
-          <a:bodyPr wrap="square" rtlCol="0">
-            <a:spAutoFit/>
-          </a:bodyPr>
-          <a:p>
-            <a:r>
-              <a:rPr lang="en-US" altLang="zh-CN"/>
-              <a:t>Damege Silght</a:t>
-            </a:r>
-            <a:endParaRPr lang="en-US" altLang="zh-CN"/>
-          </a:p>
-        </p:txBody>
-      </p:sp>
-    </p:spTree>
-  </p:cSld>
-  <p:clrMapOvr>
-    <a:masterClrMapping/>
-  </p:clrMapOvr>
-</p:sld>
-</file>
-
-<file path=ppt/slides/slide14.xml><?xml version="1.0" encoding="utf-8"?>
-<p:sld xmlns:a="http://schemas.openxmlformats.org/drawingml/2006/main" xmlns:r="http://schemas.openxmlformats.org/officeDocument/2006/relationships" xmlns:p="http://schemas.openxmlformats.org/presentationml/2006/main">
-  <p:cSld>
-    <p:spTree>
-      <p:nvGrpSpPr>
-        <p:cNvPr id="1" name=""/>
-        <p:cNvGrpSpPr/>
-        <p:nvPr/>
-      </p:nvGrpSpPr>
-      <p:grpSpPr>
-        <a:xfrm>
-          <a:off x="0" y="0"/>
-          <a:ext cx="0" cy="0"/>
-          <a:chOff x="0" y="0"/>
-          <a:chExt cx="0" cy="0"/>
-        </a:xfrm>
-      </p:grpSpPr>
-      <p:sp>
-        <p:nvSpPr>
-          <p:cNvPr id="2" name="内容占位符 1"/>
-          <p:cNvSpPr>
-            <a:spLocks noGrp="1"/>
-          </p:cNvSpPr>
-          <p:nvPr>
-            <p:ph idx="1"/>
-          </p:nvPr>
-        </p:nvSpPr>
-        <p:spPr/>
-        <p:txBody>
-          <a:bodyPr>
-            <a:normAutofit/>
-          </a:bodyPr>
-          <a:lstStyle/>
-          <a:p>
-            <a:pPr lvl="1"/>
-            <a:r>
-              <a:rPr kumimoji="1" lang="en-US" altLang="zh-CN" sz="1800" dirty="0">
-                <a:sym typeface="+mn-ea"/>
-              </a:rPr>
-              <a:t>How can we visualize the</a:t>
-            </a:r>
-            <a:r>
-              <a:rPr kumimoji="1" lang="en-US" altLang="zh-CN" sz="1800" dirty="0">
-                <a:sym typeface="+mn-ea"/>
-              </a:rPr>
-              <a:t> impact of each feature on the decision</a:t>
-            </a:r>
-            <a:endParaRPr kumimoji="1" lang="en-US" altLang="zh-CN" sz="1800" dirty="0">
-              <a:sym typeface="+mn-ea"/>
-            </a:endParaRPr>
-          </a:p>
-          <a:p>
-            <a:pPr lvl="1"/>
-            <a:endParaRPr kumimoji="1" lang="en-US" altLang="zh-CN" dirty="0">
-              <a:sym typeface="+mn-ea"/>
-            </a:endParaRPr>
-          </a:p>
-          <a:p>
-            <a:pPr marL="629920" lvl="2" indent="0">
-              <a:buNone/>
-            </a:pPr>
-            <a:endParaRPr kumimoji="1" lang="en-US" altLang="zh-CN" dirty="0">
-              <a:sym typeface="+mn-ea"/>
-            </a:endParaRPr>
-          </a:p>
-          <a:p>
-            <a:endParaRPr kumimoji="1" lang="en-US" altLang="zh-CN" dirty="0"/>
-          </a:p>
-        </p:txBody>
-      </p:sp>
-      <p:sp>
-        <p:nvSpPr>
-          <p:cNvPr id="3" name="标题 2"/>
-          <p:cNvSpPr>
-            <a:spLocks noGrp="1"/>
-          </p:cNvSpPr>
-          <p:nvPr>
-            <p:ph type="title"/>
-          </p:nvPr>
-        </p:nvSpPr>
-        <p:spPr/>
-        <p:txBody>
-          <a:bodyPr/>
-          <a:lstStyle/>
-          <a:p>
-            <a:r>
-              <a:rPr kumimoji="1" lang="en-US" altLang="zh-CN" dirty="0">
-                <a:sym typeface="+mn-ea"/>
-              </a:rPr>
-              <a:t>What We Found in Feature Engineering</a:t>
-            </a:r>
-            <a:endParaRPr lang="en-US" dirty="0"/>
-          </a:p>
-        </p:txBody>
-      </p:sp>
-    </p:spTree>
-  </p:cSld>
-  <p:clrMapOvr>
-    <a:masterClrMapping/>
-  </p:clrMapOvr>
-</p:sld>
-</file>
-
-<file path=ppt/slides/slide15.xml><?xml version="1.0" encoding="utf-8"?>
-<p:sld xmlns:a="http://schemas.openxmlformats.org/drawingml/2006/main" xmlns:r="http://schemas.openxmlformats.org/officeDocument/2006/relationships" xmlns:p="http://schemas.openxmlformats.org/presentationml/2006/main">
-  <p:cSld>
-    <p:spTree>
-      <p:nvGrpSpPr>
-        <p:cNvPr id="1" name=""/>
-        <p:cNvGrpSpPr/>
-        <p:nvPr/>
-      </p:nvGrpSpPr>
-      <p:grpSpPr>
-        <a:xfrm>
-          <a:off x="0" y="0"/>
-          <a:ext cx="0" cy="0"/>
-          <a:chOff x="0" y="0"/>
-          <a:chExt cx="0" cy="0"/>
-        </a:xfrm>
-      </p:grpSpPr>
-      <p:sp>
-        <p:nvSpPr>
-          <p:cNvPr id="2" name="内容占位符 1"/>
-          <p:cNvSpPr>
-            <a:spLocks noGrp="1"/>
-          </p:cNvSpPr>
-          <p:nvPr>
-            <p:ph idx="1"/>
-          </p:nvPr>
-        </p:nvSpPr>
-        <p:spPr/>
-        <p:txBody>
-          <a:bodyPr>
-            <a:normAutofit/>
-          </a:bodyPr>
-          <a:lstStyle/>
-          <a:p>
-            <a:r>
-              <a:rPr kumimoji="1" lang="en-US" altLang="zh-CN" dirty="0">
-                <a:sym typeface="Wingdings" panose="05000000000000000000" pitchFamily="2" charset="2"/>
-              </a:rPr>
-              <a:t>How to Improve the Results ?</a:t>
-            </a:r>
-            <a:endParaRPr kumimoji="1" lang="en-US" altLang="zh-CN" dirty="0">
-              <a:sym typeface="Wingdings" panose="05000000000000000000" pitchFamily="2" charset="2"/>
-            </a:endParaRPr>
-          </a:p>
-          <a:p>
-            <a:pPr lvl="1"/>
-            <a:endParaRPr kumimoji="1" lang="en-US" altLang="zh-CN" dirty="0"/>
-          </a:p>
-          <a:p>
-            <a:endParaRPr kumimoji="1" lang="en-US" altLang="zh-CN" dirty="0"/>
-          </a:p>
-        </p:txBody>
-      </p:sp>
-      <p:sp>
-        <p:nvSpPr>
-          <p:cNvPr id="3" name="标题 2"/>
-          <p:cNvSpPr>
-            <a:spLocks noGrp="1"/>
-          </p:cNvSpPr>
-          <p:nvPr>
-            <p:ph type="title"/>
-          </p:nvPr>
-        </p:nvSpPr>
-        <p:spPr/>
-        <p:txBody>
-          <a:bodyPr/>
-          <a:lstStyle/>
-          <a:p>
-            <a:r>
-              <a:rPr lang="en-US" dirty="0"/>
-              <a:t>conclusion and discussion</a:t>
-            </a:r>
-            <a:endParaRPr lang="en-US" dirty="0"/>
-          </a:p>
-        </p:txBody>
-      </p:sp>
-    </p:spTree>
-  </p:cSld>
-  <p:clrMapOvr>
-    <a:masterClrMapping/>
-  </p:clrMapOvr>
-</p:sld>
-</file>
-
-<file path=ppt/slides/slide16.xml><?xml version="1.0" encoding="utf-8"?>
-<p:sld xmlns:a="http://schemas.openxmlformats.org/drawingml/2006/main" xmlns:r="http://schemas.openxmlformats.org/officeDocument/2006/relationships" xmlns:p="http://schemas.openxmlformats.org/presentationml/2006/main">
-  <p:cSld>
-    <p:spTree>
-      <p:nvGrpSpPr>
-        <p:cNvPr id="1" name=""/>
-        <p:cNvGrpSpPr/>
-        <p:nvPr/>
-      </p:nvGrpSpPr>
-      <p:grpSpPr>
-        <a:xfrm>
-          <a:off x="0" y="0"/>
-          <a:ext cx="0" cy="0"/>
-          <a:chOff x="0" y="0"/>
-          <a:chExt cx="0" cy="0"/>
-        </a:xfrm>
-      </p:grpSpPr>
-      <p:sp>
-        <p:nvSpPr>
           <p:cNvPr id="2" name="标题 1"/>
           <p:cNvSpPr>
             <a:spLocks noGrp="1"/>
@@ -6010,28 +5014,24 @@
               <a:rPr lang="en-US" dirty="0"/>
               <a:t>Background Introduction</a:t>
             </a:r>
-            <a:endParaRPr lang="en-US" dirty="0"/>
           </a:p>
           <a:p>
             <a:r>
               <a:rPr lang="en-US" dirty="0"/>
               <a:t>Data Pre-Processing</a:t>
             </a:r>
-            <a:endParaRPr lang="en-US" dirty="0"/>
           </a:p>
           <a:p>
             <a:r>
               <a:rPr lang="en-US" dirty="0"/>
               <a:t>Methods and Results </a:t>
             </a:r>
-            <a:endParaRPr lang="en-US" dirty="0"/>
           </a:p>
           <a:p>
             <a:r>
               <a:rPr lang="en-US" dirty="0"/>
               <a:t>Conclusion and Discussion</a:t>
             </a:r>
-            <a:endParaRPr lang="en-US" dirty="0"/>
           </a:p>
           <a:p>
             <a:endParaRPr lang="en-US" dirty="0"/>
@@ -6090,9 +5090,6 @@
               </a:rPr>
               <a:t> failures or anomalies can result in severe accidents  fault diagnosis capabilities essential for ensuring safety and reliability</a:t>
             </a:r>
-            <a:endParaRPr kumimoji="1" lang="en-US" altLang="zh-CN" dirty="0">
-              <a:sym typeface="Wingdings" panose="05000000000000000000" pitchFamily="2" charset="2"/>
-            </a:endParaRPr>
           </a:p>
           <a:p>
             <a:r>
@@ -6101,9 +5098,6 @@
               </a:rPr>
               <a:t>Small quadrotor autonomous underwater vehicle (AUV): </a:t>
             </a:r>
-            <a:endParaRPr kumimoji="1" lang="en-US" altLang="zh-CN" dirty="0">
-              <a:sym typeface="Wingdings" panose="05000000000000000000" pitchFamily="2" charset="2"/>
-            </a:endParaRPr>
           </a:p>
           <a:p>
             <a:pPr lvl="1"/>
@@ -6113,9 +5107,6 @@
               </a:rPr>
               <a:t>investigate and monitor the environment of inland waters (e.g., lakes, reservoirs) </a:t>
             </a:r>
-            <a:endParaRPr kumimoji="1" lang="en-US" altLang="zh-CN" dirty="0">
-              <a:sym typeface="Wingdings" panose="05000000000000000000" pitchFamily="2" charset="2"/>
-            </a:endParaRPr>
           </a:p>
           <a:p>
             <a:pPr lvl="1"/>
@@ -6131,9 +5122,6 @@
               </a:rPr>
               <a:t> normal state (F1), abnormal load (F2), depth sensor failure (F3), major propeller failure (F4), and minor propeller failure (F5). </a:t>
             </a:r>
-            <a:endParaRPr kumimoji="1" lang="en-US" altLang="zh-CN" dirty="0">
-              <a:sym typeface="Wingdings" panose="05000000000000000000" pitchFamily="2" charset="2"/>
-            </a:endParaRPr>
           </a:p>
           <a:p>
             <a:r>
@@ -6148,9 +5136,6 @@
               </a:rPr>
               <a:t>1220 data samples</a:t>
             </a:r>
-            <a:endParaRPr kumimoji="1" lang="en-US" altLang="zh-CN" b="1" dirty="0">
-              <a:sym typeface="Wingdings" panose="05000000000000000000" pitchFamily="2" charset="2"/>
-            </a:endParaRPr>
           </a:p>
           <a:p>
             <a:r>
@@ -6159,9 +5144,6 @@
               </a:rPr>
               <a:t>Goal:  A classification algorithm to identify AUV fault situations</a:t>
             </a:r>
-            <a:endParaRPr kumimoji="1" lang="en-US" altLang="zh-CN" b="1" dirty="0">
-              <a:sym typeface="Wingdings" panose="05000000000000000000" pitchFamily="2" charset="2"/>
-            </a:endParaRPr>
           </a:p>
           <a:p>
             <a:pPr marL="0" indent="0">
@@ -6195,7 +5177,6 @@
               <a:rPr lang="en-US" dirty="0"/>
               <a:t>Background Introduction</a:t>
             </a:r>
-            <a:endParaRPr lang="en-US" dirty="0"/>
           </a:p>
         </p:txBody>
       </p:sp>
@@ -6246,6 +5227,9 @@
           </a:bodyPr>
           <a:lstStyle/>
           <a:p>
+            <a:pPr marL="0" indent="0">
+              <a:buNone/>
+            </a:pPr>
             <a:endParaRPr kumimoji="1" lang="en-US" altLang="zh-CN" b="1" dirty="0">
               <a:sym typeface="Wingdings" panose="05000000000000000000" pitchFamily="2" charset="2"/>
             </a:endParaRPr>
@@ -6255,7 +5239,6 @@
               <a:rPr kumimoji="1" lang="zh-CN" altLang="en-US" dirty="0"/>
               <a:t>Normalization</a:t>
             </a:r>
-            <a:endParaRPr kumimoji="1" lang="zh-CN" altLang="en-US" dirty="0"/>
           </a:p>
           <a:p>
             <a:pPr lvl="1"/>
@@ -6263,7 +5246,6 @@
               <a:rPr kumimoji="1" lang="zh-CN" altLang="en-US" dirty="0"/>
               <a:t>Max Scaling</a:t>
             </a:r>
-            <a:endParaRPr kumimoji="1" lang="zh-CN" altLang="en-US" dirty="0"/>
           </a:p>
           <a:p>
             <a:pPr lvl="1"/>
@@ -6278,7 +5260,6 @@
               <a:rPr kumimoji="1" lang="zh-CN" altLang="en-US" dirty="0"/>
               <a:t>Data Augmentation</a:t>
             </a:r>
-            <a:endParaRPr kumimoji="1" lang="zh-CN" altLang="en-US" dirty="0"/>
           </a:p>
           <a:p>
             <a:pPr lvl="1"/>
@@ -6297,17 +5278,12 @@
               <a:rPr kumimoji="1" lang="zh-CN" altLang="en-US" dirty="0"/>
               <a:t>Anomaly Detection</a:t>
             </a:r>
-            <a:endParaRPr kumimoji="1" lang="zh-CN" altLang="en-US" dirty="0"/>
           </a:p>
           <a:p>
             <a:pPr lvl="1"/>
             <a:r>
               <a:rPr kumimoji="1" lang="en-US" altLang="zh-CN" sz="1600" dirty="0"/>
-              <a:t>Isolation Forest </a:t>
-            </a:r>
-            <a:r>
-              <a:rPr kumimoji="1" lang="en-US" altLang="zh-CN" sz="1600" dirty="0"/>
-              <a:t>Algorithm</a:t>
+              <a:t>Isolation Forest Algorithm</a:t>
             </a:r>
             <a:endParaRPr kumimoji="1" lang="zh-CN" altLang="en-US" dirty="0"/>
           </a:p>
@@ -6316,14 +5292,12 @@
               <a:rPr kumimoji="1" lang="zh-CN" altLang="en-US" dirty="0"/>
               <a:t>Shuffle Data</a:t>
             </a:r>
-            <a:endParaRPr kumimoji="1" lang="zh-CN" altLang="en-US" dirty="0"/>
           </a:p>
           <a:p>
             <a:r>
               <a:rPr kumimoji="1" lang="zh-CN" altLang="en-US" dirty="0"/>
               <a:t>One-Hot Encoding</a:t>
             </a:r>
-            <a:endParaRPr kumimoji="1" lang="zh-CN" altLang="en-US" dirty="0"/>
           </a:p>
           <a:p>
             <a:pPr lvl="1"/>
@@ -6350,7 +5324,6 @@
               <a:rPr lang="en-US" dirty="0"/>
               <a:t>Data pre-Processing</a:t>
             </a:r>
-            <a:endParaRPr lang="en-US" dirty="0"/>
           </a:p>
         </p:txBody>
       </p:sp>
@@ -6442,7 +5415,13 @@
           <p:cNvGraphicFramePr>
             <a:graphicFrameLocks noGrp="1"/>
           </p:cNvGraphicFramePr>
-          <p:nvPr/>
+          <p:nvPr>
+            <p:extLst>
+              <p:ext uri="{D42A27DB-BD31-4B8C-83A1-F6EECF244321}">
+                <p14:modId xmlns:p14="http://schemas.microsoft.com/office/powerpoint/2010/main" val="3608140644"/>
+              </p:ext>
+            </p:extLst>
+          </p:nvPr>
         </p:nvGraphicFramePr>
         <p:xfrm>
           <a:off x="686597" y="2724249"/>
@@ -6455,8 +5434,20 @@
                 <a:tableStyleId>{5C22544A-7EE6-4342-B048-85BDC9FD1C3A}</a:tableStyleId>
               </a:tblPr>
               <a:tblGrid>
-                <a:gridCol w="4064000"/>
-                <a:gridCol w="4064000"/>
+                <a:gridCol w="4064000">
+                  <a:extLst>
+                    <a:ext uri="{9D8B030D-6E8A-4147-A177-3AD203B41FA5}">
+                      <a16:colId xmlns:a16="http://schemas.microsoft.com/office/drawing/2014/main" val="20000"/>
+                    </a:ext>
+                  </a:extLst>
+                </a:gridCol>
+                <a:gridCol w="4064000">
+                  <a:extLst>
+                    <a:ext uri="{9D8B030D-6E8A-4147-A177-3AD203B41FA5}">
+                      <a16:colId xmlns:a16="http://schemas.microsoft.com/office/drawing/2014/main" val="20001"/>
+                    </a:ext>
+                  </a:extLst>
+                </a:gridCol>
               </a:tblGrid>
               <a:tr h="0">
                 <a:tc>
@@ -6468,7 +5459,6 @@
                         <a:rPr lang="en-US" dirty="0"/>
                         <a:t>Algorithm</a:t>
                       </a:r>
-                      <a:endParaRPr lang="en-US" dirty="0"/>
                     </a:p>
                   </a:txBody>
                   <a:tcPr/>
@@ -6482,11 +5472,15 @@
                         <a:rPr lang="en-US" dirty="0"/>
                         <a:t>Accuracy</a:t>
                       </a:r>
-                      <a:endParaRPr lang="en-US" dirty="0"/>
                     </a:p>
                   </a:txBody>
                   <a:tcPr/>
                 </a:tc>
+                <a:extLst>
+                  <a:ext uri="{0D108BD9-81ED-4DB2-BD59-A6C34878D82A}">
+                    <a16:rowId xmlns:a16="http://schemas.microsoft.com/office/drawing/2014/main" val="10000"/>
+                  </a:ext>
+                </a:extLst>
               </a:tr>
               <a:tr h="370840">
                 <a:tc>
@@ -6498,7 +5492,6 @@
                         <a:rPr lang="en-US" dirty="0"/>
                         <a:t>Decision Tree</a:t>
                       </a:r>
-                      <a:endParaRPr lang="en-US" dirty="0"/>
                     </a:p>
                   </a:txBody>
                   <a:tcPr/>
@@ -6512,11 +5505,15 @@
                         <a:rPr lang="en-US" dirty="0"/>
                         <a:t>87.8%</a:t>
                       </a:r>
-                      <a:endParaRPr lang="en-US" dirty="0"/>
                     </a:p>
                   </a:txBody>
                   <a:tcPr/>
                 </a:tc>
+                <a:extLst>
+                  <a:ext uri="{0D108BD9-81ED-4DB2-BD59-A6C34878D82A}">
+                    <a16:rowId xmlns:a16="http://schemas.microsoft.com/office/drawing/2014/main" val="10001"/>
+                  </a:ext>
+                </a:extLst>
               </a:tr>
               <a:tr h="370840">
                 <a:tc>
@@ -6542,13 +5539,17 @@
                     <a:p>
                       <a:r>
                         <a:rPr lang="en-US" b="1" dirty="0"/>
-                        <a:t>97.1%</a:t>
+                        <a:t>96.7%</a:t>
                       </a:r>
-                      <a:endParaRPr lang="en-US" b="1" dirty="0"/>
                     </a:p>
                   </a:txBody>
                   <a:tcPr/>
                 </a:tc>
+                <a:extLst>
+                  <a:ext uri="{0D108BD9-81ED-4DB2-BD59-A6C34878D82A}">
+                    <a16:rowId xmlns:a16="http://schemas.microsoft.com/office/drawing/2014/main" val="10002"/>
+                  </a:ext>
+                </a:extLst>
               </a:tr>
               <a:tr h="370840">
                 <a:tc>
@@ -6578,9 +5579,6 @@
                         </a:rPr>
                         <a:t>Support  Vector Machine:</a:t>
                       </a:r>
-                      <a:endParaRPr lang="en-US" dirty="0">
-                        <a:sym typeface="Wingdings" panose="05000000000000000000" pitchFamily="2" charset="2"/>
-                      </a:endParaRPr>
                     </a:p>
                   </a:txBody>
                   <a:tcPr/>
@@ -6594,11 +5592,15 @@
                         <a:rPr lang="en-US" dirty="0"/>
                         <a:t>88.6%</a:t>
                       </a:r>
-                      <a:endParaRPr lang="en-US" dirty="0"/>
                     </a:p>
                   </a:txBody>
                   <a:tcPr/>
                 </a:tc>
+                <a:extLst>
+                  <a:ext uri="{0D108BD9-81ED-4DB2-BD59-A6C34878D82A}">
+                    <a16:rowId xmlns:a16="http://schemas.microsoft.com/office/drawing/2014/main" val="10003"/>
+                  </a:ext>
+                </a:extLst>
               </a:tr>
               <a:tr h="370840">
                 <a:tc>
@@ -6624,13 +5626,17 @@
                     <a:p>
                       <a:r>
                         <a:rPr lang="en-US" dirty="0"/>
-                        <a:t>???????????</a:t>
+                        <a:t>93.9%</a:t>
                       </a:r>
-                      <a:endParaRPr lang="en-US" dirty="0"/>
                     </a:p>
                   </a:txBody>
                   <a:tcPr/>
                 </a:tc>
+                <a:extLst>
+                  <a:ext uri="{0D108BD9-81ED-4DB2-BD59-A6C34878D82A}">
+                    <a16:rowId xmlns:a16="http://schemas.microsoft.com/office/drawing/2014/main" val="10004"/>
+                  </a:ext>
+                </a:extLst>
               </a:tr>
               <a:tr h="370840">
                 <a:tc>
@@ -6642,7 +5648,6 @@
                         <a:rPr lang="en-US" dirty="0"/>
                         <a:t>CNN (1 Conv Layer)</a:t>
                       </a:r>
-                      <a:endParaRPr lang="en-US" dirty="0"/>
                     </a:p>
                   </a:txBody>
                   <a:tcPr/>
@@ -6656,11 +5661,15 @@
                         <a:rPr lang="en-US" dirty="0"/>
                         <a:t>72.2%</a:t>
                       </a:r>
-                      <a:endParaRPr lang="en-US" dirty="0"/>
                     </a:p>
                   </a:txBody>
                   <a:tcPr/>
                 </a:tc>
+                <a:extLst>
+                  <a:ext uri="{0D108BD9-81ED-4DB2-BD59-A6C34878D82A}">
+                    <a16:rowId xmlns:a16="http://schemas.microsoft.com/office/drawing/2014/main" val="10005"/>
+                  </a:ext>
+                </a:extLst>
               </a:tr>
               <a:tr h="370840">
                 <a:tc>
@@ -6672,7 +5681,6 @@
                         <a:rPr lang="en-US" dirty="0"/>
                         <a:t>CNN (2 Conv Layer)</a:t>
                       </a:r>
-                      <a:endParaRPr lang="en-US" dirty="0"/>
                     </a:p>
                   </a:txBody>
                   <a:tcPr/>
@@ -6686,11 +5694,15 @@
                         <a:rPr lang="en-US" dirty="0"/>
                         <a:t>80.8%</a:t>
                       </a:r>
-                      <a:endParaRPr lang="en-US" dirty="0"/>
                     </a:p>
                   </a:txBody>
                   <a:tcPr/>
                 </a:tc>
+                <a:extLst>
+                  <a:ext uri="{0D108BD9-81ED-4DB2-BD59-A6C34878D82A}">
+                    <a16:rowId xmlns:a16="http://schemas.microsoft.com/office/drawing/2014/main" val="10006"/>
+                  </a:ext>
+                </a:extLst>
               </a:tr>
               <a:tr h="370840">
                 <a:tc>
@@ -6702,7 +5714,6 @@
                         <a:rPr lang="en-US" dirty="0"/>
                         <a:t>RNN</a:t>
                       </a:r>
-                      <a:endParaRPr lang="en-US" dirty="0"/>
                     </a:p>
                   </a:txBody>
                   <a:tcPr/>
@@ -6732,11 +5743,15 @@
                         <a:rPr lang="en-US" dirty="0"/>
                         <a:t>80.0%</a:t>
                       </a:r>
-                      <a:endParaRPr lang="en-US" dirty="0"/>
                     </a:p>
                   </a:txBody>
                   <a:tcPr/>
                 </a:tc>
+                <a:extLst>
+                  <a:ext uri="{0D108BD9-81ED-4DB2-BD59-A6C34878D82A}">
+                    <a16:rowId xmlns:a16="http://schemas.microsoft.com/office/drawing/2014/main" val="10007"/>
+                  </a:ext>
+                </a:extLst>
               </a:tr>
             </a:tbl>
           </a:graphicData>
@@ -6769,7 +5784,13 @@
       </p:grpSpPr>
       <p:sp>
         <p:nvSpPr>
-          <p:cNvPr id="2" name="内容占位符 1"/>
+          <p:cNvPr id="2" name="Inhaltsplatzhalter 1">
+            <a:extLst>
+              <a:ext uri="{FF2B5EF4-FFF2-40B4-BE49-F238E27FC236}">
+                <a16:creationId xmlns:a16="http://schemas.microsoft.com/office/drawing/2014/main" id="{BACCDC83-76BE-4B81-3F5C-10CD0C1BDF43}"/>
+              </a:ext>
+            </a:extLst>
+          </p:cNvPr>
           <p:cNvSpPr>
             <a:spLocks noGrp="1"/>
           </p:cNvSpPr>
@@ -6777,139 +5798,186 @@
             <p:ph idx="1"/>
           </p:nvPr>
         </p:nvSpPr>
-        <p:spPr>
-          <a:xfrm>
-            <a:off x="581025" y="2090420"/>
-            <a:ext cx="11029315" cy="4341495"/>
-          </a:xfrm>
-        </p:spPr>
-        <p:txBody>
-          <a:bodyPr>
-            <a:normAutofit/>
+        <p:spPr/>
+        <p:txBody>
+          <a:bodyPr/>
+          <a:lstStyle/>
+          <a:p>
+            <a:r>
+              <a:rPr lang="en-US" dirty="0"/>
+              <a:t>Meta estimator that fits a number of decision tree classifiers on various sub-samples of the dataset and uses averaging to improve the predictive accuracy and control overfitting </a:t>
+            </a:r>
+            <a:r>
+              <a:rPr lang="en-US" dirty="0">
+                <a:sym typeface="Wingdings" pitchFamily="2" charset="2"/>
+              </a:rPr>
+              <a:t></a:t>
+            </a:r>
+            <a:r>
+              <a:rPr lang="en-US" dirty="0"/>
+              <a:t>reduction in variance</a:t>
+            </a:r>
+          </a:p>
+          <a:p>
+            <a:r>
+              <a:rPr lang="en-US" dirty="0"/>
+              <a:t>Small increase in bias and loss of interpretability for performance boost</a:t>
+            </a:r>
+          </a:p>
+          <a:p>
+            <a:r>
+              <a:rPr lang="en-US" dirty="0" err="1"/>
+              <a:t>sklearn.ensemble.RandomForestClassifier</a:t>
+            </a:r>
+            <a:r>
+              <a:rPr lang="en-US" dirty="0"/>
+              <a:t> Parameters: </a:t>
+            </a:r>
+          </a:p>
+          <a:p>
+            <a:pPr lvl="1"/>
+            <a:r>
+              <a:rPr lang="en-US" dirty="0" err="1"/>
+              <a:t>N_estimators</a:t>
+            </a:r>
+            <a:r>
+              <a:rPr lang="en-US" dirty="0"/>
+              <a:t>: number of trees in the forest</a:t>
+            </a:r>
+          </a:p>
+          <a:p>
+            <a:pPr lvl="1"/>
+            <a:r>
+              <a:rPr lang="en-US" dirty="0"/>
+              <a:t>Criterion: function to measure the quality of a split (Gini, Entropy or Log Loss)</a:t>
+            </a:r>
+          </a:p>
+          <a:p>
+            <a:pPr lvl="1"/>
+            <a:r>
+              <a:rPr lang="en-US" dirty="0" err="1"/>
+              <a:t>Max_depth</a:t>
+            </a:r>
+            <a:r>
+              <a:rPr lang="en-US" dirty="0"/>
+              <a:t>:  maximum depth of the tree</a:t>
+            </a:r>
+          </a:p>
+          <a:p>
+            <a:pPr lvl="1"/>
+            <a:r>
+              <a:rPr lang="en-US" dirty="0" err="1"/>
+              <a:t>Random_state</a:t>
+            </a:r>
+            <a:r>
+              <a:rPr lang="en-US" dirty="0"/>
+              <a:t>: controls randomness of the bootstrapping of the samples used when building tree and sampling of the features to consider when looking for the best split at each node </a:t>
+            </a:r>
+          </a:p>
+        </p:txBody>
+      </p:sp>
+      <p:sp>
+        <p:nvSpPr>
+          <p:cNvPr id="3" name="Titel 2">
+            <a:extLst>
+              <a:ext uri="{FF2B5EF4-FFF2-40B4-BE49-F238E27FC236}">
+                <a16:creationId xmlns:a16="http://schemas.microsoft.com/office/drawing/2014/main" id="{D880D1AF-4012-F027-B388-29462C69EC38}"/>
+              </a:ext>
+            </a:extLst>
+          </p:cNvPr>
+          <p:cNvSpPr>
+            <a:spLocks noGrp="1"/>
+          </p:cNvSpPr>
+          <p:nvPr>
+            <p:ph type="title"/>
+          </p:nvPr>
+        </p:nvSpPr>
+        <p:spPr/>
+        <p:txBody>
+          <a:bodyPr/>
+          <a:lstStyle/>
+          <a:p>
+            <a:r>
+              <a:rPr kumimoji="1" lang="en-US" altLang="zh-CN" dirty="0"/>
+              <a:t>Methods and results - </a:t>
+            </a:r>
+            <a:r>
+              <a:rPr lang="en-US" dirty="0"/>
+              <a:t>Random Forest</a:t>
+            </a:r>
+          </a:p>
+        </p:txBody>
+      </p:sp>
+      <p:sp>
+        <p:nvSpPr>
+          <p:cNvPr id="6" name="Textfeld 5">
+            <a:extLst>
+              <a:ext uri="{FF2B5EF4-FFF2-40B4-BE49-F238E27FC236}">
+                <a16:creationId xmlns:a16="http://schemas.microsoft.com/office/drawing/2014/main" id="{097ED10C-087C-0907-2C64-0C22A5493210}"/>
+              </a:ext>
+            </a:extLst>
+          </p:cNvPr>
+          <p:cNvSpPr txBox="1"/>
+          <p:nvPr/>
+        </p:nvSpPr>
+        <p:spPr>
+          <a:xfrm>
+            <a:off x="1897130" y="1997839"/>
+            <a:ext cx="184731" cy="369332"/>
+          </a:xfrm>
+          <a:prstGeom prst="rect">
+            <a:avLst/>
+          </a:prstGeom>
+          <a:noFill/>
+        </p:spPr>
+        <p:txBody>
+          <a:bodyPr wrap="none" rtlCol="0">
+            <a:spAutoFit/>
           </a:bodyPr>
           <a:lstStyle/>
           <a:p>
-            <a:r>
-              <a:rPr kumimoji="1" lang="en-US" altLang="zh-CN" dirty="0"/>
-              <a:t>Simple RNN</a:t>
-            </a:r>
-            <a:endParaRPr kumimoji="1" lang="en-US" altLang="zh-CN" dirty="0"/>
-          </a:p>
-          <a:p>
-            <a:pPr lvl="1"/>
-            <a:r>
-              <a:rPr kumimoji="1" lang="en-US" altLang="zh-CN" dirty="0"/>
-              <a:t>Layers, Learning </a:t>
-            </a:r>
-            <a:r>
-              <a:rPr kumimoji="1" lang="en-US" altLang="zh-CN" dirty="0"/>
-              <a:t>Rate, Batch Size, Optimizer……</a:t>
-            </a:r>
-            <a:endParaRPr kumimoji="1" lang="en-US" altLang="zh-CN" dirty="0"/>
-          </a:p>
-          <a:p>
-            <a:r>
-              <a:rPr kumimoji="1" lang="en-US" altLang="zh-CN" dirty="0"/>
-              <a:t>Add Ensemble </a:t>
-            </a:r>
-            <a:endParaRPr kumimoji="1" lang="en-US" altLang="zh-CN" dirty="0"/>
-          </a:p>
-          <a:p>
-            <a:pPr lvl="1"/>
-            <a:r>
-              <a:rPr kumimoji="1" lang="en-US" altLang="zh-CN" dirty="0"/>
-              <a:t>Models Vote to Get the Final Prediction</a:t>
-            </a:r>
-            <a:endParaRPr kumimoji="1" lang="en-US" altLang="zh-CN" dirty="0"/>
-          </a:p>
-          <a:p>
-            <a:pPr lvl="0"/>
-            <a:r>
-              <a:rPr kumimoji="1" lang="en-US" altLang="zh-CN" dirty="0"/>
-              <a:t>Use Meta </a:t>
-            </a:r>
-            <a:r>
-              <a:rPr kumimoji="1" lang="en-US" altLang="zh-CN" dirty="0"/>
-              <a:t>Model</a:t>
-            </a:r>
-            <a:endParaRPr kumimoji="1" lang="en-US" altLang="zh-CN" dirty="0"/>
-          </a:p>
-          <a:p>
-            <a:pPr lvl="1"/>
-            <a:r>
-              <a:rPr kumimoji="1" lang="en-US" altLang="zh-CN" dirty="0"/>
-              <a:t>Model Makes Final Prediction Based on the Base Models’ Prediction</a:t>
-            </a:r>
-            <a:endParaRPr kumimoji="1" lang="en-US" altLang="zh-CN" dirty="0"/>
-          </a:p>
-          <a:p>
-            <a:pPr lvl="0"/>
-            <a:r>
-              <a:rPr kumimoji="1" lang="en-US" altLang="zh-CN" dirty="0"/>
-              <a:t>Parameter </a:t>
-            </a:r>
-            <a:r>
-              <a:rPr lang="en-US" dirty="0">
-                <a:sym typeface="+mn-ea"/>
-              </a:rPr>
-              <a:t>Tuning</a:t>
-            </a:r>
-            <a:endParaRPr lang="en-US" dirty="0">
-              <a:sym typeface="+mn-ea"/>
-            </a:endParaRPr>
-          </a:p>
-          <a:p>
-            <a:pPr lvl="1"/>
-            <a:r>
-              <a:rPr lang="en-US" dirty="0">
-                <a:sym typeface="+mn-ea"/>
-              </a:rPr>
-              <a:t>Using Optuna to Find a Set of Parameters Which Maximizes the </a:t>
-            </a:r>
-            <a:r>
-              <a:rPr lang="en-US" dirty="0">
-                <a:sym typeface="+mn-ea"/>
-              </a:rPr>
-              <a:t>Accuracy</a:t>
-            </a:r>
-            <a:endParaRPr lang="en-US" dirty="0">
-              <a:sym typeface="+mn-ea"/>
-            </a:endParaRPr>
-          </a:p>
-          <a:p>
-            <a:pPr lvl="1"/>
-            <a:endParaRPr kumimoji="1" lang="en-US" altLang="zh-CN" dirty="0"/>
-          </a:p>
-        </p:txBody>
-      </p:sp>
-      <p:sp>
-        <p:nvSpPr>
-          <p:cNvPr id="3" name="标题 2"/>
-          <p:cNvSpPr>
-            <a:spLocks noGrp="1"/>
-          </p:cNvSpPr>
-          <p:nvPr>
-            <p:ph type="title"/>
-          </p:nvPr>
-        </p:nvSpPr>
-        <p:spPr/>
-        <p:txBody>
-          <a:bodyPr/>
+            <a:endParaRPr lang="en-US" dirty="0"/>
+          </a:p>
+        </p:txBody>
+      </p:sp>
+      <p:sp>
+        <p:nvSpPr>
+          <p:cNvPr id="8" name="Textfeld 7">
+            <a:extLst>
+              <a:ext uri="{FF2B5EF4-FFF2-40B4-BE49-F238E27FC236}">
+                <a16:creationId xmlns:a16="http://schemas.microsoft.com/office/drawing/2014/main" id="{74F58AFC-F2B1-D4AA-E053-6A0B21BA9E66}"/>
+              </a:ext>
+            </a:extLst>
+          </p:cNvPr>
+          <p:cNvSpPr txBox="1"/>
+          <p:nvPr/>
+        </p:nvSpPr>
+        <p:spPr>
+          <a:xfrm>
+            <a:off x="1000125" y="3743325"/>
+            <a:ext cx="184731" cy="369332"/>
+          </a:xfrm>
+          <a:prstGeom prst="rect">
+            <a:avLst/>
+          </a:prstGeom>
+          <a:noFill/>
+        </p:spPr>
+        <p:txBody>
+          <a:bodyPr wrap="square" rtlCol="0">
+            <a:spAutoFit/>
+          </a:bodyPr>
           <a:lstStyle/>
           <a:p>
-            <a:r>
-              <a:rPr lang="en-US" dirty="0"/>
-              <a:t>What </a:t>
-            </a:r>
-            <a:r>
-              <a:rPr lang="en-US" dirty="0"/>
-              <a:t>we do with rnn and what we get</a:t>
-            </a:r>
             <a:endParaRPr lang="en-US" dirty="0"/>
           </a:p>
         </p:txBody>
       </p:sp>
     </p:spTree>
+    <p:extLst>
+      <p:ext uri="{BB962C8B-B14F-4D97-AF65-F5344CB8AC3E}">
+        <p14:creationId xmlns:p14="http://schemas.microsoft.com/office/powerpoint/2010/main" val="1760736112"/>
+      </p:ext>
+    </p:extLst>
   </p:cSld>
   <p:clrMapOvr>
     <a:masterClrMapping/>
@@ -6936,33 +6004,13 @@
       </p:grpSpPr>
       <p:sp>
         <p:nvSpPr>
-          <p:cNvPr id="2" name="内容占位符 1"/>
-          <p:cNvSpPr>
-            <a:spLocks noGrp="1"/>
-          </p:cNvSpPr>
-          <p:nvPr>
-            <p:ph idx="1"/>
-          </p:nvPr>
-        </p:nvSpPr>
-        <p:spPr/>
-        <p:txBody>
-          <a:bodyPr>
-            <a:normAutofit/>
-          </a:bodyPr>
-          <a:lstStyle/>
-          <a:p>
-            <a:endParaRPr kumimoji="1" lang="en-US" altLang="zh-CN" b="1" dirty="0">
-              <a:sym typeface="Wingdings" panose="05000000000000000000" pitchFamily="2" charset="2"/>
-            </a:endParaRPr>
-          </a:p>
-          <a:p>
-            <a:endParaRPr kumimoji="1" lang="zh-CN" altLang="en-US" dirty="0"/>
-          </a:p>
-        </p:txBody>
-      </p:sp>
-      <p:sp>
-        <p:nvSpPr>
-          <p:cNvPr id="3" name="标题 2"/>
+          <p:cNvPr id="3" name="Titel 2">
+            <a:extLst>
+              <a:ext uri="{FF2B5EF4-FFF2-40B4-BE49-F238E27FC236}">
+                <a16:creationId xmlns:a16="http://schemas.microsoft.com/office/drawing/2014/main" id="{E3845131-59EA-938D-5B0D-EA77D4FB68F6}"/>
+              </a:ext>
+            </a:extLst>
+          </p:cNvPr>
           <p:cNvSpPr>
             <a:spLocks noGrp="1"/>
           </p:cNvSpPr>
@@ -6976,14 +6024,111 @@
           <a:lstStyle/>
           <a:p>
             <a:r>
+              <a:rPr kumimoji="1" lang="en-US" altLang="zh-CN" dirty="0"/>
+              <a:t>Methods and results - </a:t>
+            </a:r>
+            <a:r>
               <a:rPr lang="en-US" dirty="0"/>
-              <a:t>conclusion and discussion</a:t>
-            </a:r>
-            <a:endParaRPr lang="en-US" dirty="0"/>
-          </a:p>
-        </p:txBody>
-      </p:sp>
+              <a:t>Random Forest</a:t>
+            </a:r>
+          </a:p>
+        </p:txBody>
+      </p:sp>
+      <p:pic>
+        <p:nvPicPr>
+          <p:cNvPr id="4" name="Grafik 3">
+            <a:extLst>
+              <a:ext uri="{FF2B5EF4-FFF2-40B4-BE49-F238E27FC236}">
+                <a16:creationId xmlns:a16="http://schemas.microsoft.com/office/drawing/2014/main" id="{BB30F6C6-49F0-C3F6-8116-44DAC3F10579}"/>
+              </a:ext>
+            </a:extLst>
+          </p:cNvPr>
+          <p:cNvPicPr>
+            <a:picLocks noChangeAspect="1"/>
+          </p:cNvPicPr>
+          <p:nvPr/>
+        </p:nvPicPr>
+        <p:blipFill rotWithShape="1">
+          <a:blip r:embed="rId2"/>
+          <a:srcRect l="3709" r="13530"/>
+          <a:stretch/>
+        </p:blipFill>
+        <p:spPr>
+          <a:xfrm>
+            <a:off x="6883131" y="2043664"/>
+            <a:ext cx="4832619" cy="4379408"/>
+          </a:xfrm>
+          <a:prstGeom prst="rect">
+            <a:avLst/>
+          </a:prstGeom>
+        </p:spPr>
+      </p:pic>
+      <p:pic>
+        <p:nvPicPr>
+          <p:cNvPr id="5" name="Grafik 4">
+            <a:extLst>
+              <a:ext uri="{FF2B5EF4-FFF2-40B4-BE49-F238E27FC236}">
+                <a16:creationId xmlns:a16="http://schemas.microsoft.com/office/drawing/2014/main" id="{7C24F5BD-DF4D-3F6D-0A98-7EFE545ADC12}"/>
+              </a:ext>
+            </a:extLst>
+          </p:cNvPr>
+          <p:cNvPicPr>
+            <a:picLocks noChangeAspect="1"/>
+          </p:cNvPicPr>
+          <p:nvPr/>
+        </p:nvPicPr>
+        <p:blipFill>
+          <a:blip r:embed="rId3"/>
+          <a:stretch>
+            <a:fillRect/>
+          </a:stretch>
+        </p:blipFill>
+        <p:spPr>
+          <a:xfrm>
+            <a:off x="1209800" y="3668095"/>
+            <a:ext cx="4431082" cy="2747477"/>
+          </a:xfrm>
+          <a:prstGeom prst="rect">
+            <a:avLst/>
+          </a:prstGeom>
+        </p:spPr>
+      </p:pic>
+      <p:pic>
+        <p:nvPicPr>
+          <p:cNvPr id="6" name="Grafik 5">
+            <a:extLst>
+              <a:ext uri="{FF2B5EF4-FFF2-40B4-BE49-F238E27FC236}">
+                <a16:creationId xmlns:a16="http://schemas.microsoft.com/office/drawing/2014/main" id="{0115BBBD-A0B5-3E5B-79CB-D24489CC3E46}"/>
+              </a:ext>
+            </a:extLst>
+          </p:cNvPr>
+          <p:cNvPicPr>
+            <a:picLocks noChangeAspect="1"/>
+          </p:cNvPicPr>
+          <p:nvPr/>
+        </p:nvPicPr>
+        <p:blipFill>
+          <a:blip r:embed="rId4"/>
+          <a:stretch>
+            <a:fillRect/>
+          </a:stretch>
+        </p:blipFill>
+        <p:spPr>
+          <a:xfrm>
+            <a:off x="581191" y="1838211"/>
+            <a:ext cx="6033922" cy="1610339"/>
+          </a:xfrm>
+          <a:prstGeom prst="rect">
+            <a:avLst/>
+          </a:prstGeom>
+        </p:spPr>
+      </p:pic>
     </p:spTree>
+    <p:extLst>
+      <p:ext uri="{BB962C8B-B14F-4D97-AF65-F5344CB8AC3E}">
+        <p14:creationId xmlns:p14="http://schemas.microsoft.com/office/powerpoint/2010/main" val="1894336632"/>
+      </p:ext>
+    </p:extLst>
   </p:cSld>
   <p:clrMapOvr>
     <a:masterClrMapping/>
@@ -7018,27 +6163,72 @@
             <p:ph idx="1"/>
           </p:nvPr>
         </p:nvSpPr>
-        <p:spPr/>
+        <p:spPr>
+          <a:xfrm>
+            <a:off x="581025" y="2090420"/>
+            <a:ext cx="11029315" cy="4341495"/>
+          </a:xfrm>
+        </p:spPr>
         <p:txBody>
           <a:bodyPr>
             <a:normAutofit/>
           </a:bodyPr>
           <a:lstStyle/>
           <a:p>
-            <a:endParaRPr kumimoji="1" lang="en-US" altLang="zh-CN" b="1" dirty="0">
-              <a:sym typeface="Wingdings" panose="05000000000000000000" pitchFamily="2" charset="2"/>
-            </a:endParaRPr>
-          </a:p>
-          <a:p>
-            <a:r>
-              <a:rPr kumimoji="1" lang="en-US" altLang="zh-CN" dirty="0">
+            <a:r>
+              <a:rPr kumimoji="1" lang="en-US" altLang="zh-CN" dirty="0"/>
+              <a:t>Simple RNN</a:t>
+            </a:r>
+          </a:p>
+          <a:p>
+            <a:pPr lvl="1"/>
+            <a:r>
+              <a:rPr kumimoji="1" lang="en-US" altLang="zh-CN" dirty="0"/>
+              <a:t>Layers, Learning Rate, Batch Size, Optimizer……</a:t>
+            </a:r>
+          </a:p>
+          <a:p>
+            <a:r>
+              <a:rPr kumimoji="1" lang="en-US" altLang="zh-CN" dirty="0"/>
+              <a:t>Add Ensemble </a:t>
+            </a:r>
+          </a:p>
+          <a:p>
+            <a:pPr lvl="1"/>
+            <a:r>
+              <a:rPr kumimoji="1" lang="en-US" altLang="zh-CN" dirty="0"/>
+              <a:t>Models Vote to Get the Final Prediction</a:t>
+            </a:r>
+          </a:p>
+          <a:p>
+            <a:pPr lvl="0"/>
+            <a:r>
+              <a:rPr kumimoji="1" lang="en-US" altLang="zh-CN" dirty="0"/>
+              <a:t>Use Meta Model</a:t>
+            </a:r>
+          </a:p>
+          <a:p>
+            <a:pPr lvl="1"/>
+            <a:r>
+              <a:rPr kumimoji="1" lang="en-US" altLang="zh-CN" dirty="0"/>
+              <a:t>Model Makes Final Prediction Based on the Base Models’ Prediction</a:t>
+            </a:r>
+          </a:p>
+          <a:p>
+            <a:pPr lvl="0"/>
+            <a:r>
+              <a:rPr kumimoji="1" lang="en-US" altLang="zh-CN" dirty="0"/>
+              <a:t>Parameter </a:t>
+            </a:r>
+            <a:r>
+              <a:rPr lang="en-US" dirty="0">
                 <a:sym typeface="+mn-ea"/>
               </a:rPr>
-              <a:t>Why Do Traditional Machine Learning Methods Outperform Neural Networks ?</a:t>
-            </a:r>
-            <a:endParaRPr kumimoji="1" lang="en-US" altLang="zh-CN" dirty="0"/>
-          </a:p>
-          <a:p>
+              <a:t>Tuning</a:t>
+            </a:r>
+          </a:p>
+          <a:p>
+            <a:pPr lvl="1"/>
             <a:endParaRPr kumimoji="1" lang="en-US" altLang="zh-CN" dirty="0"/>
           </a:p>
         </p:txBody>
@@ -7060,9 +6250,8 @@
           <a:p>
             <a:r>
               <a:rPr lang="en-US" dirty="0"/>
-              <a:t>conclusion and discussion</a:t>
-            </a:r>
-            <a:endParaRPr lang="en-US" dirty="0"/>
+              <a:t>What we do with rnn and what we get</a:t>
+            </a:r>
           </a:p>
         </p:txBody>
       </p:sp>
@@ -7117,49 +6306,47 @@
               <a:rPr kumimoji="1" lang="en-US" altLang="zh-CN" dirty="0"/>
               <a:t>Why Do Traditional Machine Learning Methods Outperform Neural Networks ?</a:t>
             </a:r>
-            <a:endParaRPr kumimoji="1" lang="en-US" altLang="zh-CN" dirty="0"/>
           </a:p>
           <a:p>
             <a:r>
               <a:rPr kumimoji="1" lang="en-US" altLang="zh-CN" dirty="0"/>
               <a:t>Why Do These Data Processing Methods Lead to a Decrease in Model Performance ?</a:t>
             </a:r>
-            <a:endParaRPr kumimoji="1" lang="en-US" altLang="zh-CN" dirty="0"/>
           </a:p>
           <a:p>
             <a:pPr lvl="1"/>
             <a:r>
-              <a:rPr kumimoji="1" lang="zh-CN" altLang="en-US" dirty="0">
+              <a:rPr kumimoji="1" lang="zh-CN" altLang="en-US" sz="1600" dirty="0">
                 <a:sym typeface="+mn-ea"/>
               </a:rPr>
               <a:t>Data Augmentation</a:t>
             </a:r>
-            <a:endParaRPr kumimoji="1" lang="zh-CN" altLang="en-US" dirty="0"/>
-          </a:p>
-          <a:p>
-            <a:pPr lvl="1"/>
-            <a:r>
-              <a:rPr kumimoji="1" lang="zh-CN" altLang="en-US" dirty="0">
+            <a:endParaRPr kumimoji="1" lang="zh-CN" altLang="en-US" sz="1600" dirty="0"/>
+          </a:p>
+          <a:p>
+            <a:pPr lvl="1" algn="l"/>
+            <a:r>
+              <a:rPr kumimoji="1" lang="zh-CN" altLang="en-US" sz="1600" dirty="0">
                 <a:sym typeface="+mn-ea"/>
               </a:rPr>
               <a:t>Anomaly Detection</a:t>
             </a:r>
-            <a:endParaRPr kumimoji="1" lang="zh-CN" altLang="en-US" dirty="0"/>
-          </a:p>
-          <a:p>
-            <a:pPr lvl="1"/>
-            <a:r>
-              <a:rPr kumimoji="1" lang="zh-CN" altLang="en-US" dirty="0">
+            <a:endParaRPr kumimoji="1" lang="zh-CN" altLang="en-US" sz="1600" dirty="0"/>
+          </a:p>
+          <a:p>
+            <a:pPr lvl="1" algn="l"/>
+            <a:r>
+              <a:rPr kumimoji="1" lang="zh-CN" altLang="en-US" sz="1600" dirty="0">
                 <a:sym typeface="+mn-ea"/>
               </a:rPr>
               <a:t>Shuffle Data</a:t>
             </a:r>
-            <a:endParaRPr kumimoji="1" lang="zh-CN" altLang="en-US" dirty="0"/>
-          </a:p>
-          <a:p>
-            <a:pPr lvl="1"/>
-            <a:r>
-              <a:rPr kumimoji="1" lang="zh-CN" altLang="en-US" dirty="0">
+            <a:endParaRPr kumimoji="1" lang="zh-CN" altLang="en-US" sz="1600" dirty="0"/>
+          </a:p>
+          <a:p>
+            <a:pPr lvl="1" algn="l"/>
+            <a:r>
+              <a:rPr kumimoji="1" lang="zh-CN" altLang="en-US" sz="1600" dirty="0">
                 <a:sym typeface="+mn-ea"/>
               </a:rPr>
               <a:t>One-Hot Encoding</a:t>
@@ -7167,6 +6354,12 @@
             <a:endParaRPr kumimoji="1" lang="zh-CN" altLang="en-US" dirty="0"/>
           </a:p>
           <a:p>
+            <a:r>
+              <a:rPr kumimoji="1" lang="en-US" altLang="zh-CN" dirty="0"/>
+              <a:t>What We Found in Feature Engineering ?</a:t>
+            </a:r>
+          </a:p>
+          <a:p>
             <a:pPr lvl="1"/>
             <a:endParaRPr kumimoji="1" lang="en-US" altLang="zh-CN" dirty="0"/>
           </a:p>
@@ -7194,7 +6387,6 @@
               <a:rPr lang="en-US" dirty="0"/>
               <a:t>conclusion and discussion</a:t>
             </a:r>
-            <a:endParaRPr lang="en-US" dirty="0"/>
           </a:p>
         </p:txBody>
       </p:sp>
@@ -7207,56 +6399,8 @@
 </file>
 
 <file path=ppt/tags/tag1.xml><?xml version="1.0" encoding="utf-8"?>
-<p:tagLst xmlns:p="http://schemas.openxmlformats.org/presentationml/2006/main">
-  <p:tag name="KSO_WM_BEAUTIFY_FLAG" val=""/>
-</p:tagLst>
-</file>
-
-<file path=ppt/tags/tag2.xml><?xml version="1.0" encoding="utf-8"?>
-<p:tagLst xmlns:p="http://schemas.openxmlformats.org/presentationml/2006/main">
-  <p:tag name="KSO_WM_BEAUTIFY_FLAG" val=""/>
-</p:tagLst>
-</file>
-
-<file path=ppt/tags/tag3.xml><?xml version="1.0" encoding="utf-8"?>
-<p:tagLst xmlns:p="http://schemas.openxmlformats.org/presentationml/2006/main">
-  <p:tag name="KSO_WM_BEAUTIFY_FLAG" val=""/>
-</p:tagLst>
-</file>
-
-<file path=ppt/tags/tag4.xml><?xml version="1.0" encoding="utf-8"?>
-<p:tagLst xmlns:p="http://schemas.openxmlformats.org/presentationml/2006/main">
-  <p:tag name="KSO_WM_BEAUTIFY_FLAG" val=""/>
-</p:tagLst>
-</file>
-
-<file path=ppt/tags/tag5.xml><?xml version="1.0" encoding="utf-8"?>
-<p:tagLst xmlns:p="http://schemas.openxmlformats.org/presentationml/2006/main">
-  <p:tag name="KSO_WM_BEAUTIFY_FLAG" val=""/>
-</p:tagLst>
-</file>
-
-<file path=ppt/tags/tag6.xml><?xml version="1.0" encoding="utf-8"?>
-<p:tagLst xmlns:p="http://schemas.openxmlformats.org/presentationml/2006/main">
-  <p:tag name="KSO_WM_BEAUTIFY_FLAG" val=""/>
-</p:tagLst>
-</file>
-
-<file path=ppt/tags/tag7.xml><?xml version="1.0" encoding="utf-8"?>
-<p:tagLst xmlns:p="http://schemas.openxmlformats.org/presentationml/2006/main">
-  <p:tag name="KSO_WM_BEAUTIFY_FLAG" val=""/>
-</p:tagLst>
-</file>
-
-<file path=ppt/tags/tag8.xml><?xml version="1.0" encoding="utf-8"?>
-<p:tagLst xmlns:p="http://schemas.openxmlformats.org/presentationml/2006/main">
-  <p:tag name="KSO_WM_BEAUTIFY_FLAG" val=""/>
-</p:tagLst>
-</file>
-
-<file path=ppt/tags/tag9.xml><?xml version="1.0" encoding="utf-8"?>
-<p:tagLst xmlns:p="http://schemas.openxmlformats.org/presentationml/2006/main">
-  <p:tag name="commondata" val="eyJoZGlkIjoiZGEyNjRiOGVjNGQ4OGM0YzEzYzQ1MWZkNTM4MWNiNmEifQ=="/>
+<p:tagLst xmlns:a="http://schemas.openxmlformats.org/drawingml/2006/main" xmlns:r="http://schemas.openxmlformats.org/officeDocument/2006/relationships" xmlns:p="http://schemas.openxmlformats.org/presentationml/2006/main">
+  <p:tag name="COMMONDATA" val="eyJoZGlkIjoiZGEyNjRiOGVjNGQ4OGM0YzEzYzQ1MWZkNTM4MWNiNmEifQ=="/>
 </p:tagLst>
 </file>
 
@@ -7519,6 +6663,8 @@
       </a:bgFillStyleLst>
     </a:fmtScheme>
   </a:themeElements>
+  <a:objectDefaults/>
+  <a:extraClrSchemeLst/>
   <a:extLst>
     <a:ext uri="{05A4C25C-085E-4340-85A3-A5531E510DB2}">
       <thm15:themeFamily xmlns:thm15="http://schemas.microsoft.com/office/thememl/2012/main" name="Office Theme" id="{62F939B6-93AF-4DB8-9C6B-D6C7DFDC589F}" vid="{4A3C46E8-61CC-4603-A589-7422A47A8E4A}"/>
@@ -7778,6 +6924,8 @@
       </a:bgFillStyleLst>
     </a:fmtScheme>
   </a:themeElements>
+  <a:objectDefaults/>
+  <a:extraClrSchemeLst/>
   <a:extLst>
     <a:ext uri="{05A4C25C-085E-4340-85A3-A5531E510DB2}">
       <thm15:themeFamily xmlns:thm15="http://schemas.microsoft.com/office/thememl/2012/main" name="Office Theme" id="{62F939B6-93AF-4DB8-9C6B-D6C7DFDC589F}" vid="{4A3C46E8-61CC-4603-A589-7422A47A8E4A}"/>

--- a/Presentation.pptx
+++ b/Presentation.pptx
@@ -5,7 +5,7 @@
     <p:sldMasterId id="2147483648" r:id="rId1"/>
   </p:sldMasterIdLst>
   <p:notesMasterIdLst>
-    <p:notesMasterId r:id="rId12"/>
+    <p:notesMasterId r:id="rId17"/>
   </p:notesMasterIdLst>
   <p:sldIdLst>
     <p:sldId id="256" r:id="rId2"/>
@@ -15,14 +15,19 @@
     <p:sldId id="311" r:id="rId6"/>
     <p:sldId id="319" r:id="rId7"/>
     <p:sldId id="320" r:id="rId8"/>
-    <p:sldId id="315" r:id="rId9"/>
-    <p:sldId id="318" r:id="rId10"/>
-    <p:sldId id="264" r:id="rId11"/>
+    <p:sldId id="324" r:id="rId9"/>
+    <p:sldId id="325" r:id="rId10"/>
+    <p:sldId id="315" r:id="rId11"/>
+    <p:sldId id="326" r:id="rId12"/>
+    <p:sldId id="321" r:id="rId13"/>
+    <p:sldId id="322" r:id="rId14"/>
+    <p:sldId id="318" r:id="rId15"/>
+    <p:sldId id="264" r:id="rId16"/>
   </p:sldIdLst>
   <p:sldSz cx="12192000" cy="6858000"/>
   <p:notesSz cx="6858000" cy="9144000"/>
   <p:custDataLst>
-    <p:tags r:id="rId13"/>
+    <p:tags r:id="rId18"/>
   </p:custDataLst>
   <p:defaultTextStyle>
     <a:defPPr>
@@ -209,7 +214,7 @@
           <a:p>
             <a:fld id="{BDA51940-DB52-3B48-AABB-9C7938529E4E}" type="datetimeFigureOut">
               <a:rPr kumimoji="1" lang="zh-CN" altLang="en-US" smtClean="0"/>
-              <a:t>2023/12/31</a:t>
+              <a:t>2024/1/1</a:t>
             </a:fld>
             <a:endParaRPr kumimoji="1" lang="zh-CN" altLang="en-US"/>
           </a:p>
@@ -686,9 +691,9 @@
             </a:lvl1pPr>
           </a:lstStyle>
           <a:p>
-            <a:fld id="{E4551058-E5DB-324A-A8E9-6D3BEF243C3B}" type="datetimeFigureOut">
-              <a:rPr kumimoji="1" lang="zh-CN" altLang="en-US" smtClean="0"/>
-              <a:t>2023/12/31</a:t>
+            <a:fld id="{6F1E9ED2-F061-0D43-9E56-0AC24EDD8273}" type="datetime1">
+              <a:rPr kumimoji="1" lang="de-DE" altLang="zh-CN" smtClean="0"/>
+              <a:t>01.01.24</a:t>
             </a:fld>
             <a:endParaRPr kumimoji="1" lang="zh-CN" altLang="en-US"/>
           </a:p>
@@ -1187,9 +1192,9 @@
           <a:bodyPr/>
           <a:lstStyle/>
           <a:p>
-            <a:fld id="{E4551058-E5DB-324A-A8E9-6D3BEF243C3B}" type="datetimeFigureOut">
-              <a:rPr kumimoji="1" lang="zh-CN" altLang="en-US" smtClean="0"/>
-              <a:t>2023/12/31</a:t>
+            <a:fld id="{DE62EA6E-4558-5747-8636-AACB178F7F76}" type="datetime1">
+              <a:rPr kumimoji="1" lang="de-DE" altLang="zh-CN" smtClean="0"/>
+              <a:t>01.01.24</a:t>
             </a:fld>
             <a:endParaRPr kumimoji="1" lang="zh-CN" altLang="en-US"/>
           </a:p>
@@ -1419,9 +1424,9 @@
           <a:bodyPr/>
           <a:lstStyle/>
           <a:p>
-            <a:fld id="{E4551058-E5DB-324A-A8E9-6D3BEF243C3B}" type="datetimeFigureOut">
-              <a:rPr kumimoji="1" lang="zh-CN" altLang="en-US" smtClean="0"/>
-              <a:t>2023/12/31</a:t>
+            <a:fld id="{84F06EFC-7293-A642-ACF4-AC2195103737}" type="datetime1">
+              <a:rPr kumimoji="1" lang="de-DE" altLang="zh-CN" smtClean="0"/>
+              <a:t>01.01.24</a:t>
             </a:fld>
             <a:endParaRPr kumimoji="1" lang="zh-CN" altLang="en-US"/>
           </a:p>
@@ -1674,9 +1679,9 @@
             </a:lvl1pPr>
           </a:lstStyle>
           <a:p>
-            <a:fld id="{E4551058-E5DB-324A-A8E9-6D3BEF243C3B}" type="datetimeFigureOut">
-              <a:rPr kumimoji="1" lang="zh-CN" altLang="en-US" smtClean="0"/>
-              <a:t>2023/12/31</a:t>
+            <a:fld id="{53D54B39-94FB-7C42-9D78-044344000460}" type="datetime1">
+              <a:rPr kumimoji="1" lang="de-DE" altLang="zh-CN" smtClean="0"/>
+              <a:t>01.01.24</a:t>
             </a:fld>
             <a:endParaRPr kumimoji="1" lang="zh-CN" altLang="en-US"/>
           </a:p>
@@ -1875,9 +1880,9 @@
           <a:bodyPr/>
           <a:lstStyle/>
           <a:p>
-            <a:fld id="{E4551058-E5DB-324A-A8E9-6D3BEF243C3B}" type="datetimeFigureOut">
-              <a:rPr kumimoji="1" lang="zh-CN" altLang="en-US" smtClean="0"/>
-              <a:t>2023/12/31</a:t>
+            <a:fld id="{090DC666-9098-2C48-ACD8-4076CF08A414}" type="datetime1">
+              <a:rPr kumimoji="1" lang="de-DE" altLang="zh-CN" smtClean="0"/>
+              <a:t>01.01.24</a:t>
             </a:fld>
             <a:endParaRPr kumimoji="1" lang="zh-CN" altLang="en-US"/>
           </a:p>
@@ -2144,9 +2149,9 @@
           <a:bodyPr/>
           <a:lstStyle/>
           <a:p>
-            <a:fld id="{E4551058-E5DB-324A-A8E9-6D3BEF243C3B}" type="datetimeFigureOut">
-              <a:rPr kumimoji="1" lang="zh-CN" altLang="en-US" smtClean="0"/>
-              <a:t>2023/12/31</a:t>
+            <a:fld id="{914E075D-9507-1E44-9C52-8593257F6940}" type="datetime1">
+              <a:rPr kumimoji="1" lang="de-DE" altLang="zh-CN" smtClean="0"/>
+              <a:t>01.01.24</a:t>
             </a:fld>
             <a:endParaRPr kumimoji="1" lang="zh-CN" altLang="en-US"/>
           </a:p>
@@ -2570,9 +2575,9 @@
             </a:lvl1pPr>
           </a:lstStyle>
           <a:p>
-            <a:fld id="{E4551058-E5DB-324A-A8E9-6D3BEF243C3B}" type="datetimeFigureOut">
-              <a:rPr kumimoji="1" lang="zh-CN" altLang="en-US" smtClean="0"/>
-              <a:t>2023/12/31</a:t>
+            <a:fld id="{1CB3C7F3-64A3-8E49-A5B5-EBEC479B3716}" type="datetime1">
+              <a:rPr kumimoji="1" lang="de-DE" altLang="zh-CN" smtClean="0"/>
+              <a:t>01.01.24</a:t>
             </a:fld>
             <a:endParaRPr kumimoji="1" lang="zh-CN" altLang="en-US"/>
           </a:p>
@@ -2843,9 +2848,9 @@
           <a:bodyPr/>
           <a:lstStyle/>
           <a:p>
-            <a:fld id="{E4551058-E5DB-324A-A8E9-6D3BEF243C3B}" type="datetimeFigureOut">
-              <a:rPr kumimoji="1" lang="zh-CN" altLang="en-US" smtClean="0"/>
-              <a:t>2023/12/31</a:t>
+            <a:fld id="{3573696B-ABE7-E143-B1C0-DDAF3A6704FD}" type="datetime1">
+              <a:rPr kumimoji="1" lang="de-DE" altLang="zh-CN" smtClean="0"/>
+              <a:t>01.01.24</a:t>
             </a:fld>
             <a:endParaRPr kumimoji="1" lang="zh-CN" altLang="en-US"/>
           </a:p>
@@ -3215,9 +3220,9 @@
           <a:bodyPr/>
           <a:lstStyle/>
           <a:p>
-            <a:fld id="{E4551058-E5DB-324A-A8E9-6D3BEF243C3B}" type="datetimeFigureOut">
-              <a:rPr kumimoji="1" lang="zh-CN" altLang="en-US" smtClean="0"/>
-              <a:t>2023/12/31</a:t>
+            <a:fld id="{FA69C65E-6629-3542-9FC9-108CC7CDB254}" type="datetime1">
+              <a:rPr kumimoji="1" lang="de-DE" altLang="zh-CN" smtClean="0"/>
+              <a:t>01.01.24</a:t>
             </a:fld>
             <a:endParaRPr kumimoji="1" lang="zh-CN" altLang="en-US"/>
           </a:p>
@@ -3327,9 +3332,9 @@
           <a:bodyPr/>
           <a:lstStyle/>
           <a:p>
-            <a:fld id="{E4551058-E5DB-324A-A8E9-6D3BEF243C3B}" type="datetimeFigureOut">
-              <a:rPr kumimoji="1" lang="zh-CN" altLang="en-US" smtClean="0"/>
-              <a:t>2023/12/31</a:t>
+            <a:fld id="{F268555C-F6A9-B44E-9801-F57C5385E97D}" type="datetime1">
+              <a:rPr kumimoji="1" lang="de-DE" altLang="zh-CN" smtClean="0"/>
+              <a:t>01.01.24</a:t>
             </a:fld>
             <a:endParaRPr kumimoji="1" lang="zh-CN" altLang="en-US"/>
           </a:p>
@@ -3439,9 +3444,9 @@
           <a:bodyPr/>
           <a:lstStyle/>
           <a:p>
-            <a:fld id="{E4551058-E5DB-324A-A8E9-6D3BEF243C3B}" type="datetimeFigureOut">
-              <a:rPr kumimoji="1" lang="zh-CN" altLang="en-US" smtClean="0"/>
-              <a:t>2023/12/31</a:t>
+            <a:fld id="{D8FA55C7-81E3-3F40-91AA-4A477421FD10}" type="datetime1">
+              <a:rPr kumimoji="1" lang="de-DE" altLang="zh-CN" smtClean="0"/>
+              <a:t>01.01.24</a:t>
             </a:fld>
             <a:endParaRPr kumimoji="1" lang="zh-CN" altLang="en-US"/>
           </a:p>
@@ -3921,9 +3926,9 @@
             </a:lvl1pPr>
           </a:lstStyle>
           <a:p>
-            <a:fld id="{E4551058-E5DB-324A-A8E9-6D3BEF243C3B}" type="datetimeFigureOut">
-              <a:rPr kumimoji="1" lang="zh-CN" altLang="en-US" smtClean="0"/>
-              <a:t>2023/12/31</a:t>
+            <a:fld id="{F0D94051-2F1F-E441-8619-D3BC0A046072}" type="datetime1">
+              <a:rPr kumimoji="1" lang="de-DE" altLang="zh-CN" smtClean="0"/>
+              <a:t>01.01.24</a:t>
             </a:fld>
             <a:endParaRPr kumimoji="1" lang="zh-CN" altLang="en-US"/>
           </a:p>
@@ -4278,9 +4283,9 @@
             </a:lvl1pPr>
           </a:lstStyle>
           <a:p>
-            <a:fld id="{E4551058-E5DB-324A-A8E9-6D3BEF243C3B}" type="datetimeFigureOut">
-              <a:rPr kumimoji="1" lang="zh-CN" altLang="en-US" smtClean="0"/>
-              <a:t>2023/12/31</a:t>
+            <a:fld id="{D167A885-2769-6648-8F7B-C374CCFFA861}" type="datetime1">
+              <a:rPr kumimoji="1" lang="de-DE" altLang="zh-CN" smtClean="0"/>
+              <a:t>01.01.24</a:t>
             </a:fld>
             <a:endParaRPr kumimoji="1" lang="zh-CN" altLang="en-US"/>
           </a:p>
@@ -4410,6 +4415,7 @@
     <p:sldLayoutId id="2147483659" r:id="rId11"/>
     <p:sldLayoutId id="2147483660" r:id="rId12"/>
   </p:sldLayoutIdLst>
+  <p:hf hdr="0" ftr="0" dt="0"/>
   <p:txStyles>
     <p:titleStyle>
       <a:lvl1pPr algn="l" defTabSz="457200" rtl="0" eaLnBrk="1" latinLnBrk="0" hangingPunct="1">
@@ -4875,6 +4881,35 @@
           </a:p>
         </p:txBody>
       </p:sp>
+      <p:sp>
+        <p:nvSpPr>
+          <p:cNvPr id="4" name="Foliennummernplatzhalter 3">
+            <a:extLst>
+              <a:ext uri="{FF2B5EF4-FFF2-40B4-BE49-F238E27FC236}">
+                <a16:creationId xmlns:a16="http://schemas.microsoft.com/office/drawing/2014/main" id="{85CBE7AF-2C8D-6F65-8909-5E128E21C982}"/>
+              </a:ext>
+            </a:extLst>
+          </p:cNvPr>
+          <p:cNvSpPr>
+            <a:spLocks noGrp="1"/>
+          </p:cNvSpPr>
+          <p:nvPr>
+            <p:ph type="sldNum" sz="quarter" idx="12"/>
+          </p:nvPr>
+        </p:nvSpPr>
+        <p:spPr/>
+        <p:txBody>
+          <a:bodyPr/>
+          <a:lstStyle/>
+          <a:p>
+            <a:fld id="{977BA8E6-E826-B147-AA17-E3D76A29629C}" type="slidenum">
+              <a:rPr kumimoji="1" lang="zh-CN" altLang="en-US" smtClean="0"/>
+              <a:t>1</a:t>
+            </a:fld>
+            <a:endParaRPr kumimoji="1" lang="zh-CN" altLang="en-US"/>
+          </a:p>
+        </p:txBody>
+      </p:sp>
     </p:spTree>
   </p:cSld>
   <p:clrMapOvr>
@@ -4902,48 +4937,1113 @@
       </p:grpSpPr>
       <p:sp>
         <p:nvSpPr>
-          <p:cNvPr id="2" name="标题 1"/>
-          <p:cNvSpPr>
-            <a:spLocks noGrp="1"/>
-          </p:cNvSpPr>
-          <p:nvPr>
-            <p:ph type="ctrTitle"/>
-          </p:nvPr>
-        </p:nvSpPr>
-        <p:spPr/>
-        <p:txBody>
-          <a:bodyPr/>
-          <a:lstStyle/>
-          <a:p>
-            <a:r>
-              <a:rPr kumimoji="1" lang="en-US" altLang="zh-CN" dirty="0"/>
-              <a:t>Thank you!</a:t>
-            </a:r>
-            <a:endParaRPr kumimoji="1" lang="zh-CN" altLang="en-US" dirty="0"/>
-          </a:p>
-        </p:txBody>
-      </p:sp>
-      <p:sp>
-        <p:nvSpPr>
-          <p:cNvPr id="3" name="副标题 2"/>
-          <p:cNvSpPr>
-            <a:spLocks noGrp="1"/>
-          </p:cNvSpPr>
-          <p:nvPr>
-            <p:ph type="subTitle" idx="1"/>
-          </p:nvPr>
-        </p:nvSpPr>
-        <p:spPr/>
+          <p:cNvPr id="2" name="内容占位符 1"/>
+          <p:cNvSpPr>
+            <a:spLocks noGrp="1"/>
+          </p:cNvSpPr>
+          <p:nvPr>
+            <p:ph idx="1"/>
+          </p:nvPr>
+        </p:nvSpPr>
+        <p:spPr>
+          <a:xfrm>
+            <a:off x="581025" y="2090420"/>
+            <a:ext cx="11029315" cy="4341495"/>
+          </a:xfrm>
+        </p:spPr>
         <p:txBody>
           <a:bodyPr>
             <a:normAutofit/>
           </a:bodyPr>
           <a:lstStyle/>
           <a:p>
+            <a:r>
+              <a:rPr kumimoji="1" lang="en-US" altLang="zh-CN" dirty="0"/>
+              <a:t>Simple RNN</a:t>
+            </a:r>
+          </a:p>
+          <a:p>
+            <a:pPr lvl="1"/>
+            <a:r>
+              <a:rPr kumimoji="1" lang="en-US" altLang="zh-CN" dirty="0"/>
+              <a:t>Layers, Learning Rate, Batch Size, Optimizer……</a:t>
+            </a:r>
+          </a:p>
+          <a:p>
+            <a:r>
+              <a:rPr kumimoji="1" lang="en-US" altLang="zh-CN" dirty="0"/>
+              <a:t>Add Ensemble </a:t>
+            </a:r>
+          </a:p>
+          <a:p>
+            <a:pPr lvl="1"/>
+            <a:r>
+              <a:rPr kumimoji="1" lang="en-US" altLang="zh-CN" dirty="0"/>
+              <a:t>Models Vote to Get the Final Prediction</a:t>
+            </a:r>
+          </a:p>
+          <a:p>
+            <a:pPr lvl="0"/>
+            <a:r>
+              <a:rPr kumimoji="1" lang="en-US" altLang="zh-CN" dirty="0"/>
+              <a:t>Use Meta Model</a:t>
+            </a:r>
+          </a:p>
+          <a:p>
+            <a:pPr lvl="1"/>
+            <a:r>
+              <a:rPr kumimoji="1" lang="en-US" altLang="zh-CN" dirty="0"/>
+              <a:t>Model Makes Final Prediction Based on the Base Models’ Prediction</a:t>
+            </a:r>
+          </a:p>
+          <a:p>
+            <a:pPr lvl="0"/>
+            <a:r>
+              <a:rPr kumimoji="1" lang="en-US" altLang="zh-CN" dirty="0"/>
+              <a:t>Parameter </a:t>
+            </a:r>
+            <a:r>
+              <a:rPr lang="en-US" dirty="0">
+                <a:sym typeface="+mn-ea"/>
+              </a:rPr>
+              <a:t>Tuning</a:t>
+            </a:r>
+          </a:p>
+          <a:p>
+            <a:pPr lvl="1"/>
+            <a:r>
+              <a:rPr lang="en-US" dirty="0">
+                <a:sym typeface="+mn-ea"/>
+              </a:rPr>
+              <a:t>Using </a:t>
+            </a:r>
+            <a:r>
+              <a:rPr lang="en-US" dirty="0" err="1">
+                <a:sym typeface="+mn-ea"/>
+              </a:rPr>
+              <a:t>Optuna</a:t>
+            </a:r>
+            <a:r>
+              <a:rPr lang="en-US" dirty="0">
+                <a:sym typeface="+mn-ea"/>
+              </a:rPr>
+              <a:t> to Find a Set of Parameters Which Maximizes the Accuracy</a:t>
+            </a:r>
+          </a:p>
+        </p:txBody>
+      </p:sp>
+      <p:sp>
+        <p:nvSpPr>
+          <p:cNvPr id="3" name="标题 2"/>
+          <p:cNvSpPr>
+            <a:spLocks noGrp="1"/>
+          </p:cNvSpPr>
+          <p:nvPr>
+            <p:ph type="title"/>
+          </p:nvPr>
+        </p:nvSpPr>
+        <p:spPr/>
+        <p:txBody>
+          <a:bodyPr/>
+          <a:lstStyle/>
+          <a:p>
+            <a:r>
+              <a:rPr lang="en-US" dirty="0"/>
+              <a:t>What we do with rnn and what we get</a:t>
+            </a:r>
+          </a:p>
+        </p:txBody>
+      </p:sp>
+      <p:sp>
+        <p:nvSpPr>
+          <p:cNvPr id="4" name="Foliennummernplatzhalter 3">
+            <a:extLst>
+              <a:ext uri="{FF2B5EF4-FFF2-40B4-BE49-F238E27FC236}">
+                <a16:creationId xmlns:a16="http://schemas.microsoft.com/office/drawing/2014/main" id="{391AF981-5A81-156E-BC2C-109CDC14269D}"/>
+              </a:ext>
+            </a:extLst>
+          </p:cNvPr>
+          <p:cNvSpPr>
+            <a:spLocks noGrp="1"/>
+          </p:cNvSpPr>
+          <p:nvPr>
+            <p:ph type="sldNum" sz="quarter" idx="12"/>
+          </p:nvPr>
+        </p:nvSpPr>
+        <p:spPr/>
+        <p:txBody>
+          <a:bodyPr/>
+          <a:lstStyle/>
+          <a:p>
+            <a:fld id="{977BA8E6-E826-B147-AA17-E3D76A29629C}" type="slidenum">
+              <a:rPr kumimoji="1" lang="zh-CN" altLang="en-US" smtClean="0"/>
+              <a:t>10</a:t>
+            </a:fld>
+            <a:endParaRPr kumimoji="1" lang="zh-CN" altLang="en-US"/>
+          </a:p>
+        </p:txBody>
+      </p:sp>
+    </p:spTree>
+  </p:cSld>
+  <p:clrMapOvr>
+    <a:masterClrMapping/>
+  </p:clrMapOvr>
+</p:sld>
+</file>
+
+<file path=ppt/slides/slide11.xml><?xml version="1.0" encoding="utf-8"?>
+<p:sld xmlns:a="http://schemas.openxmlformats.org/drawingml/2006/main" xmlns:r="http://schemas.openxmlformats.org/officeDocument/2006/relationships" xmlns:p="http://schemas.openxmlformats.org/presentationml/2006/main">
+  <p:cSld>
+    <p:spTree>
+      <p:nvGrpSpPr>
+        <p:cNvPr id="1" name=""/>
+        <p:cNvGrpSpPr/>
+        <p:nvPr/>
+      </p:nvGrpSpPr>
+      <p:grpSpPr>
+        <a:xfrm>
+          <a:off x="0" y="0"/>
+          <a:ext cx="0" cy="0"/>
+          <a:chOff x="0" y="0"/>
+          <a:chExt cx="0" cy="0"/>
+        </a:xfrm>
+      </p:grpSpPr>
+      <p:sp>
+        <p:nvSpPr>
+          <p:cNvPr id="2" name="内容占位符 1"/>
+          <p:cNvSpPr>
+            <a:spLocks noGrp="1"/>
+          </p:cNvSpPr>
+          <p:nvPr>
+            <p:ph idx="1"/>
+          </p:nvPr>
+        </p:nvSpPr>
+        <p:spPr/>
+        <p:txBody>
+          <a:bodyPr>
+            <a:normAutofit/>
+          </a:bodyPr>
+          <a:lstStyle/>
+          <a:p>
+            <a:pPr lvl="1"/>
+            <a:r>
+              <a:rPr kumimoji="1" lang="en-US" altLang="zh-CN" sz="1800" dirty="0">
+                <a:sym typeface="+mn-ea"/>
+              </a:rPr>
+              <a:t>Which Data Should We Select as Features ?</a:t>
+            </a:r>
+          </a:p>
+          <a:p>
+            <a:pPr lvl="2"/>
+            <a:r>
+              <a:rPr kumimoji="1" lang="en-US" altLang="zh-CN" sz="1600" dirty="0">
+                <a:sym typeface="+mn-ea"/>
+              </a:rPr>
+              <a:t>For RNN  we organize the data into a time series matrix while retaining the original features</a:t>
+            </a:r>
+          </a:p>
+          <a:p>
+            <a:pPr lvl="2"/>
+            <a:r>
+              <a:rPr kumimoji="1" lang="en-US" altLang="zh-CN" sz="1600" dirty="0">
+                <a:sym typeface="+mn-ea"/>
+              </a:rPr>
+              <a:t>For traditional machine learning methods, we remove the time column, flatten the data, and use the entire dataset as features</a:t>
+            </a:r>
+          </a:p>
+          <a:p>
+            <a:pPr lvl="1"/>
+            <a:r>
+              <a:rPr kumimoji="1" lang="en-US" altLang="zh-CN" sz="1800" dirty="0">
+                <a:sym typeface="+mn-ea"/>
+              </a:rPr>
+              <a:t>What are the drawbacks of these practices ?</a:t>
+            </a:r>
+          </a:p>
+          <a:p>
+            <a:pPr lvl="1"/>
+            <a:r>
+              <a:rPr kumimoji="1" lang="en-US" altLang="zh-CN" sz="1800" dirty="0">
+                <a:sym typeface="+mn-ea"/>
+              </a:rPr>
+              <a:t>What about PCA ?</a:t>
+            </a:r>
+          </a:p>
+          <a:p>
+            <a:pPr lvl="1"/>
+            <a:r>
+              <a:rPr kumimoji="1" lang="en-US" altLang="zh-CN" sz="1800" dirty="0">
+                <a:sym typeface="+mn-ea"/>
+              </a:rPr>
+              <a:t>How can we visualize the importance of each feature ?</a:t>
+            </a:r>
+          </a:p>
+          <a:p>
+            <a:pPr lvl="1"/>
+            <a:r>
+              <a:rPr kumimoji="1" lang="en-US" altLang="zh-CN" sz="1800" dirty="0">
+                <a:sym typeface="+mn-ea"/>
+              </a:rPr>
+              <a:t>How can we visualize the impact of each feature on the decision ?</a:t>
+            </a:r>
+          </a:p>
+          <a:p>
+            <a:pPr lvl="1"/>
+            <a:endParaRPr kumimoji="1" lang="en-US" altLang="zh-CN" sz="1800" dirty="0">
+              <a:sym typeface="+mn-ea"/>
+            </a:endParaRPr>
+          </a:p>
+          <a:p>
+            <a:pPr lvl="1"/>
+            <a:endParaRPr kumimoji="1" lang="en-US" altLang="zh-CN" dirty="0">
+              <a:sym typeface="+mn-ea"/>
+            </a:endParaRPr>
+          </a:p>
+          <a:p>
+            <a:pPr marL="629920" lvl="2" indent="0">
+              <a:buNone/>
+            </a:pPr>
+            <a:endParaRPr kumimoji="1" lang="en-US" altLang="zh-CN" dirty="0">
+              <a:sym typeface="+mn-ea"/>
+            </a:endParaRPr>
+          </a:p>
+          <a:p>
             <a:endParaRPr kumimoji="1" lang="en-US" altLang="zh-CN" dirty="0"/>
           </a:p>
+        </p:txBody>
+      </p:sp>
+      <p:sp>
+        <p:nvSpPr>
+          <p:cNvPr id="3" name="标题 2"/>
+          <p:cNvSpPr>
+            <a:spLocks noGrp="1"/>
+          </p:cNvSpPr>
+          <p:nvPr>
+            <p:ph type="title"/>
+          </p:nvPr>
+        </p:nvSpPr>
+        <p:spPr/>
+        <p:txBody>
+          <a:bodyPr/>
+          <a:lstStyle/>
+          <a:p>
+            <a:r>
+              <a:rPr kumimoji="1" lang="en-US" altLang="zh-CN" dirty="0">
+                <a:sym typeface="+mn-ea"/>
+              </a:rPr>
+              <a:t>What We Found in Feature Engineering</a:t>
+            </a:r>
+            <a:endParaRPr lang="en-US" dirty="0"/>
+          </a:p>
+        </p:txBody>
+      </p:sp>
+      <p:sp>
+        <p:nvSpPr>
+          <p:cNvPr id="4" name="Foliennummernplatzhalter 3">
+            <a:extLst>
+              <a:ext uri="{FF2B5EF4-FFF2-40B4-BE49-F238E27FC236}">
+                <a16:creationId xmlns:a16="http://schemas.microsoft.com/office/drawing/2014/main" id="{356163E6-8EBE-231F-C7D3-B88D99C1CC5B}"/>
+              </a:ext>
+            </a:extLst>
+          </p:cNvPr>
+          <p:cNvSpPr>
+            <a:spLocks noGrp="1"/>
+          </p:cNvSpPr>
+          <p:nvPr>
+            <p:ph type="sldNum" sz="quarter" idx="12"/>
+          </p:nvPr>
+        </p:nvSpPr>
+        <p:spPr/>
+        <p:txBody>
+          <a:bodyPr/>
+          <a:lstStyle/>
+          <a:p>
+            <a:fld id="{977BA8E6-E826-B147-AA17-E3D76A29629C}" type="slidenum">
+              <a:rPr kumimoji="1" lang="zh-CN" altLang="en-US" smtClean="0"/>
+              <a:t>11</a:t>
+            </a:fld>
+            <a:endParaRPr kumimoji="1" lang="zh-CN" altLang="en-US"/>
+          </a:p>
+        </p:txBody>
+      </p:sp>
+    </p:spTree>
+  </p:cSld>
+  <p:clrMapOvr>
+    <a:masterClrMapping/>
+  </p:clrMapOvr>
+</p:sld>
+</file>
+
+<file path=ppt/slides/slide12.xml><?xml version="1.0" encoding="utf-8"?>
+<p:sld xmlns:a="http://schemas.openxmlformats.org/drawingml/2006/main" xmlns:r="http://schemas.openxmlformats.org/officeDocument/2006/relationships" xmlns:p="http://schemas.openxmlformats.org/presentationml/2006/main">
+  <p:cSld>
+    <p:spTree>
+      <p:nvGrpSpPr>
+        <p:cNvPr id="1" name=""/>
+        <p:cNvGrpSpPr/>
+        <p:nvPr/>
+      </p:nvGrpSpPr>
+      <p:grpSpPr>
+        <a:xfrm>
+          <a:off x="0" y="0"/>
+          <a:ext cx="0" cy="0"/>
+          <a:chOff x="0" y="0"/>
+          <a:chExt cx="0" cy="0"/>
+        </a:xfrm>
+      </p:grpSpPr>
+      <p:sp>
+        <p:nvSpPr>
+          <p:cNvPr id="2" name="内容占位符 1"/>
+          <p:cNvSpPr>
+            <a:spLocks noGrp="1"/>
+          </p:cNvSpPr>
+          <p:nvPr>
+            <p:ph idx="1"/>
+          </p:nvPr>
+        </p:nvSpPr>
+        <p:spPr/>
+        <p:txBody>
+          <a:bodyPr>
+            <a:normAutofit/>
+          </a:bodyPr>
+          <a:lstStyle/>
+          <a:p>
+            <a:pPr lvl="1"/>
+            <a:r>
+              <a:rPr kumimoji="1" lang="en-US" altLang="zh-CN" sz="1800" dirty="0">
+                <a:sym typeface="+mn-ea"/>
+              </a:rPr>
+              <a:t>How can we visualize the importance of each feature ?</a:t>
+            </a:r>
+          </a:p>
+          <a:p>
+            <a:pPr lvl="1"/>
+            <a:endParaRPr kumimoji="1" lang="en-US" altLang="zh-CN" sz="1800" dirty="0">
+              <a:sym typeface="+mn-ea"/>
+            </a:endParaRPr>
+          </a:p>
+          <a:p>
+            <a:pPr lvl="1"/>
+            <a:endParaRPr kumimoji="1" lang="en-US" altLang="zh-CN" dirty="0">
+              <a:sym typeface="+mn-ea"/>
+            </a:endParaRPr>
+          </a:p>
+          <a:p>
+            <a:pPr marL="629920" lvl="2" indent="0">
+              <a:buNone/>
+            </a:pPr>
+            <a:endParaRPr kumimoji="1" lang="en-US" altLang="zh-CN" dirty="0">
+              <a:sym typeface="+mn-ea"/>
+            </a:endParaRPr>
+          </a:p>
           <a:p>
             <a:endParaRPr kumimoji="1" lang="en-US" altLang="zh-CN" dirty="0"/>
+          </a:p>
+        </p:txBody>
+      </p:sp>
+      <p:sp>
+        <p:nvSpPr>
+          <p:cNvPr id="3" name="标题 2"/>
+          <p:cNvSpPr>
+            <a:spLocks noGrp="1"/>
+          </p:cNvSpPr>
+          <p:nvPr>
+            <p:ph type="title"/>
+          </p:nvPr>
+        </p:nvSpPr>
+        <p:spPr/>
+        <p:txBody>
+          <a:bodyPr/>
+          <a:lstStyle/>
+          <a:p>
+            <a:r>
+              <a:rPr kumimoji="1" lang="en-US" altLang="zh-CN" dirty="0">
+                <a:sym typeface="+mn-ea"/>
+              </a:rPr>
+              <a:t>What We Found in Feature Engineering</a:t>
+            </a:r>
+            <a:endParaRPr lang="en-US" dirty="0"/>
+          </a:p>
+        </p:txBody>
+      </p:sp>
+      <p:pic>
+        <p:nvPicPr>
+          <p:cNvPr id="6" name="图片 5"/>
+          <p:cNvPicPr>
+            <a:picLocks noChangeAspect="1"/>
+          </p:cNvPicPr>
+          <p:nvPr>
+            <p:custDataLst>
+              <p:tags r:id="rId1"/>
+            </p:custDataLst>
+          </p:nvPr>
+        </p:nvPicPr>
+        <p:blipFill>
+          <a:blip r:embed="rId7"/>
+          <a:stretch>
+            <a:fillRect/>
+          </a:stretch>
+        </p:blipFill>
+        <p:spPr>
+          <a:xfrm>
+            <a:off x="775970" y="2688590"/>
+            <a:ext cx="4637405" cy="3169920"/>
+          </a:xfrm>
+          <a:prstGeom prst="rect">
+            <a:avLst/>
+          </a:prstGeom>
+        </p:spPr>
+      </p:pic>
+      <p:pic>
+        <p:nvPicPr>
+          <p:cNvPr id="8" name="图片 7"/>
+          <p:cNvPicPr>
+            <a:picLocks noChangeAspect="1"/>
+          </p:cNvPicPr>
+          <p:nvPr>
+            <p:custDataLst>
+              <p:tags r:id="rId2"/>
+            </p:custDataLst>
+          </p:nvPr>
+        </p:nvPicPr>
+        <p:blipFill>
+          <a:blip r:embed="rId8"/>
+          <a:stretch>
+            <a:fillRect/>
+          </a:stretch>
+        </p:blipFill>
+        <p:spPr>
+          <a:xfrm>
+            <a:off x="5719445" y="2688590"/>
+            <a:ext cx="3051810" cy="1468120"/>
+          </a:xfrm>
+          <a:prstGeom prst="rect">
+            <a:avLst/>
+          </a:prstGeom>
+        </p:spPr>
+      </p:pic>
+      <p:pic>
+        <p:nvPicPr>
+          <p:cNvPr id="9" name="图片 8"/>
+          <p:cNvPicPr>
+            <a:picLocks noChangeAspect="1"/>
+          </p:cNvPicPr>
+          <p:nvPr>
+            <p:custDataLst>
+              <p:tags r:id="rId3"/>
+            </p:custDataLst>
+          </p:nvPr>
+        </p:nvPicPr>
+        <p:blipFill>
+          <a:blip r:embed="rId9"/>
+          <a:stretch>
+            <a:fillRect/>
+          </a:stretch>
+        </p:blipFill>
+        <p:spPr>
+          <a:xfrm>
+            <a:off x="8909050" y="2696845"/>
+            <a:ext cx="3034030" cy="1459865"/>
+          </a:xfrm>
+          <a:prstGeom prst="rect">
+            <a:avLst/>
+          </a:prstGeom>
+        </p:spPr>
+      </p:pic>
+      <p:pic>
+        <p:nvPicPr>
+          <p:cNvPr id="10" name="图片 9"/>
+          <p:cNvPicPr>
+            <a:picLocks noChangeAspect="1"/>
+          </p:cNvPicPr>
+          <p:nvPr>
+            <p:custDataLst>
+              <p:tags r:id="rId4"/>
+            </p:custDataLst>
+          </p:nvPr>
+        </p:nvPicPr>
+        <p:blipFill>
+          <a:blip r:embed="rId10"/>
+          <a:stretch>
+            <a:fillRect/>
+          </a:stretch>
+        </p:blipFill>
+        <p:spPr>
+          <a:xfrm>
+            <a:off x="5719445" y="4389755"/>
+            <a:ext cx="3051810" cy="1468755"/>
+          </a:xfrm>
+          <a:prstGeom prst="rect">
+            <a:avLst/>
+          </a:prstGeom>
+        </p:spPr>
+      </p:pic>
+      <p:pic>
+        <p:nvPicPr>
+          <p:cNvPr id="11" name="图片 10"/>
+          <p:cNvPicPr>
+            <a:picLocks noChangeAspect="1"/>
+          </p:cNvPicPr>
+          <p:nvPr>
+            <p:custDataLst>
+              <p:tags r:id="rId5"/>
+            </p:custDataLst>
+          </p:nvPr>
+        </p:nvPicPr>
+        <p:blipFill>
+          <a:blip r:embed="rId11"/>
+          <a:stretch>
+            <a:fillRect/>
+          </a:stretch>
+        </p:blipFill>
+        <p:spPr>
+          <a:xfrm>
+            <a:off x="8909050" y="4389755"/>
+            <a:ext cx="3034665" cy="1461135"/>
+          </a:xfrm>
+          <a:prstGeom prst="rect">
+            <a:avLst/>
+          </a:prstGeom>
+        </p:spPr>
+      </p:pic>
+      <p:sp>
+        <p:nvSpPr>
+          <p:cNvPr id="4" name="Foliennummernplatzhalter 3">
+            <a:extLst>
+              <a:ext uri="{FF2B5EF4-FFF2-40B4-BE49-F238E27FC236}">
+                <a16:creationId xmlns:a16="http://schemas.microsoft.com/office/drawing/2014/main" id="{89C2FF3D-CFDF-B50B-76DE-739698632670}"/>
+              </a:ext>
+            </a:extLst>
+          </p:cNvPr>
+          <p:cNvSpPr>
+            <a:spLocks noGrp="1"/>
+          </p:cNvSpPr>
+          <p:nvPr>
+            <p:ph type="sldNum" sz="quarter" idx="12"/>
+          </p:nvPr>
+        </p:nvSpPr>
+        <p:spPr/>
+        <p:txBody>
+          <a:bodyPr/>
+          <a:lstStyle/>
+          <a:p>
+            <a:fld id="{977BA8E6-E826-B147-AA17-E3D76A29629C}" type="slidenum">
+              <a:rPr kumimoji="1" lang="zh-CN" altLang="en-US" smtClean="0"/>
+              <a:t>12</a:t>
+            </a:fld>
+            <a:endParaRPr kumimoji="1" lang="zh-CN" altLang="en-US"/>
+          </a:p>
+        </p:txBody>
+      </p:sp>
+    </p:spTree>
+  </p:cSld>
+  <p:clrMapOvr>
+    <a:masterClrMapping/>
+  </p:clrMapOvr>
+</p:sld>
+</file>
+
+<file path=ppt/slides/slide13.xml><?xml version="1.0" encoding="utf-8"?>
+<p:sld xmlns:a="http://schemas.openxmlformats.org/drawingml/2006/main" xmlns:r="http://schemas.openxmlformats.org/officeDocument/2006/relationships" xmlns:p="http://schemas.openxmlformats.org/presentationml/2006/main">
+  <p:cSld>
+    <p:spTree>
+      <p:nvGrpSpPr>
+        <p:cNvPr id="1" name=""/>
+        <p:cNvGrpSpPr/>
+        <p:nvPr/>
+      </p:nvGrpSpPr>
+      <p:grpSpPr>
+        <a:xfrm>
+          <a:off x="0" y="0"/>
+          <a:ext cx="0" cy="0"/>
+          <a:chOff x="0" y="0"/>
+          <a:chExt cx="0" cy="0"/>
+        </a:xfrm>
+      </p:grpSpPr>
+      <p:sp>
+        <p:nvSpPr>
+          <p:cNvPr id="2" name="内容占位符 1"/>
+          <p:cNvSpPr>
+            <a:spLocks noGrp="1"/>
+          </p:cNvSpPr>
+          <p:nvPr>
+            <p:ph idx="1"/>
+          </p:nvPr>
+        </p:nvSpPr>
+        <p:spPr/>
+        <p:txBody>
+          <a:bodyPr>
+            <a:normAutofit/>
+          </a:bodyPr>
+          <a:lstStyle/>
+          <a:p>
+            <a:pPr lvl="1"/>
+            <a:r>
+              <a:rPr kumimoji="1" lang="en-US" altLang="zh-CN" sz="1800" dirty="0">
+                <a:sym typeface="+mn-ea"/>
+              </a:rPr>
+              <a:t>How can we visualize the importance of each feature ?</a:t>
+            </a:r>
+          </a:p>
+          <a:p>
+            <a:pPr lvl="1"/>
+            <a:endParaRPr kumimoji="1" lang="en-US" altLang="zh-CN" sz="1800" dirty="0">
+              <a:sym typeface="+mn-ea"/>
+            </a:endParaRPr>
+          </a:p>
+          <a:p>
+            <a:pPr lvl="1"/>
+            <a:endParaRPr kumimoji="1" lang="en-US" altLang="zh-CN" dirty="0">
+              <a:sym typeface="+mn-ea"/>
+            </a:endParaRPr>
+          </a:p>
+          <a:p>
+            <a:pPr marL="629920" lvl="2" indent="0">
+              <a:buNone/>
+            </a:pPr>
+            <a:endParaRPr kumimoji="1" lang="en-US" altLang="zh-CN" dirty="0">
+              <a:sym typeface="+mn-ea"/>
+            </a:endParaRPr>
+          </a:p>
+          <a:p>
+            <a:endParaRPr kumimoji="1" lang="en-US" altLang="zh-CN" dirty="0"/>
+          </a:p>
+        </p:txBody>
+      </p:sp>
+      <p:sp>
+        <p:nvSpPr>
+          <p:cNvPr id="3" name="标题 2"/>
+          <p:cNvSpPr>
+            <a:spLocks noGrp="1"/>
+          </p:cNvSpPr>
+          <p:nvPr>
+            <p:ph type="title"/>
+          </p:nvPr>
+        </p:nvSpPr>
+        <p:spPr/>
+        <p:txBody>
+          <a:bodyPr/>
+          <a:lstStyle/>
+          <a:p>
+            <a:r>
+              <a:rPr kumimoji="1" lang="en-US" altLang="zh-CN" dirty="0">
+                <a:sym typeface="+mn-ea"/>
+              </a:rPr>
+              <a:t>What We Found in Feature Engineering</a:t>
+            </a:r>
+            <a:endParaRPr lang="en-US" dirty="0"/>
+          </a:p>
+        </p:txBody>
+      </p:sp>
+      <p:pic>
+        <p:nvPicPr>
+          <p:cNvPr id="4" name="图片 3"/>
+          <p:cNvPicPr>
+            <a:picLocks noChangeAspect="1"/>
+          </p:cNvPicPr>
+          <p:nvPr>
+            <p:custDataLst>
+              <p:tags r:id="rId1"/>
+            </p:custDataLst>
+          </p:nvPr>
+        </p:nvPicPr>
+        <p:blipFill>
+          <a:blip r:embed="rId5"/>
+          <a:stretch>
+            <a:fillRect/>
+          </a:stretch>
+        </p:blipFill>
+        <p:spPr>
+          <a:xfrm>
+            <a:off x="6359525" y="2706370"/>
+            <a:ext cx="5039360" cy="3453130"/>
+          </a:xfrm>
+          <a:prstGeom prst="rect">
+            <a:avLst/>
+          </a:prstGeom>
+        </p:spPr>
+      </p:pic>
+      <p:pic>
+        <p:nvPicPr>
+          <p:cNvPr id="5" name="图片 4"/>
+          <p:cNvPicPr>
+            <a:picLocks noChangeAspect="1"/>
+          </p:cNvPicPr>
+          <p:nvPr>
+            <p:custDataLst>
+              <p:tags r:id="rId2"/>
+            </p:custDataLst>
+          </p:nvPr>
+        </p:nvPicPr>
+        <p:blipFill>
+          <a:blip r:embed="rId6"/>
+          <a:stretch>
+            <a:fillRect/>
+          </a:stretch>
+        </p:blipFill>
+        <p:spPr>
+          <a:xfrm>
+            <a:off x="917575" y="2706370"/>
+            <a:ext cx="5067300" cy="3468370"/>
+          </a:xfrm>
+          <a:prstGeom prst="rect">
+            <a:avLst/>
+          </a:prstGeom>
+        </p:spPr>
+      </p:pic>
+      <p:sp>
+        <p:nvSpPr>
+          <p:cNvPr id="7" name="文本框 6"/>
+          <p:cNvSpPr txBox="1"/>
+          <p:nvPr/>
+        </p:nvSpPr>
+        <p:spPr>
+          <a:xfrm>
+            <a:off x="2599055" y="6297930"/>
+            <a:ext cx="1704340" cy="368300"/>
+          </a:xfrm>
+          <a:prstGeom prst="rect">
+            <a:avLst/>
+          </a:prstGeom>
+          <a:noFill/>
+        </p:spPr>
+        <p:txBody>
+          <a:bodyPr wrap="square" rtlCol="0">
+            <a:spAutoFit/>
+          </a:bodyPr>
+          <a:lstStyle/>
+          <a:p>
+            <a:r>
+              <a:rPr lang="en-US" altLang="zh-CN" dirty="0"/>
+              <a:t>Damage Bad</a:t>
+            </a:r>
+          </a:p>
+        </p:txBody>
+      </p:sp>
+      <p:sp>
+        <p:nvSpPr>
+          <p:cNvPr id="12" name="文本框 11"/>
+          <p:cNvSpPr txBox="1"/>
+          <p:nvPr>
+            <p:custDataLst>
+              <p:tags r:id="rId3"/>
+            </p:custDataLst>
+          </p:nvPr>
+        </p:nvSpPr>
+        <p:spPr>
+          <a:xfrm>
+            <a:off x="8027035" y="6297930"/>
+            <a:ext cx="1704340" cy="368300"/>
+          </a:xfrm>
+          <a:prstGeom prst="rect">
+            <a:avLst/>
+          </a:prstGeom>
+          <a:noFill/>
+        </p:spPr>
+        <p:txBody>
+          <a:bodyPr wrap="square" rtlCol="0">
+            <a:spAutoFit/>
+          </a:bodyPr>
+          <a:lstStyle/>
+          <a:p>
+            <a:r>
+              <a:rPr lang="en-US" altLang="zh-CN" dirty="0"/>
+              <a:t>Damage Slight</a:t>
+            </a:r>
+          </a:p>
+        </p:txBody>
+      </p:sp>
+      <p:sp>
+        <p:nvSpPr>
+          <p:cNvPr id="6" name="Foliennummernplatzhalter 5">
+            <a:extLst>
+              <a:ext uri="{FF2B5EF4-FFF2-40B4-BE49-F238E27FC236}">
+                <a16:creationId xmlns:a16="http://schemas.microsoft.com/office/drawing/2014/main" id="{FE196D63-E9EA-F482-0209-441402685E31}"/>
+              </a:ext>
+            </a:extLst>
+          </p:cNvPr>
+          <p:cNvSpPr>
+            <a:spLocks noGrp="1"/>
+          </p:cNvSpPr>
+          <p:nvPr>
+            <p:ph type="sldNum" sz="quarter" idx="12"/>
+          </p:nvPr>
+        </p:nvSpPr>
+        <p:spPr/>
+        <p:txBody>
+          <a:bodyPr/>
+          <a:lstStyle/>
+          <a:p>
+            <a:fld id="{977BA8E6-E826-B147-AA17-E3D76A29629C}" type="slidenum">
+              <a:rPr kumimoji="1" lang="zh-CN" altLang="en-US" smtClean="0"/>
+              <a:t>13</a:t>
+            </a:fld>
+            <a:endParaRPr kumimoji="1" lang="zh-CN" altLang="en-US"/>
+          </a:p>
+        </p:txBody>
+      </p:sp>
+    </p:spTree>
+  </p:cSld>
+  <p:clrMapOvr>
+    <a:masterClrMapping/>
+  </p:clrMapOvr>
+</p:sld>
+</file>
+
+<file path=ppt/slides/slide14.xml><?xml version="1.0" encoding="utf-8"?>
+<p:sld xmlns:a="http://schemas.openxmlformats.org/drawingml/2006/main" xmlns:r="http://schemas.openxmlformats.org/officeDocument/2006/relationships" xmlns:p="http://schemas.openxmlformats.org/presentationml/2006/main">
+  <p:cSld>
+    <p:spTree>
+      <p:nvGrpSpPr>
+        <p:cNvPr id="1" name=""/>
+        <p:cNvGrpSpPr/>
+        <p:nvPr/>
+      </p:nvGrpSpPr>
+      <p:grpSpPr>
+        <a:xfrm>
+          <a:off x="0" y="0"/>
+          <a:ext cx="0" cy="0"/>
+          <a:chOff x="0" y="0"/>
+          <a:chExt cx="0" cy="0"/>
+        </a:xfrm>
+      </p:grpSpPr>
+      <p:sp>
+        <p:nvSpPr>
+          <p:cNvPr id="2" name="内容占位符 1"/>
+          <p:cNvSpPr>
+            <a:spLocks noGrp="1"/>
+          </p:cNvSpPr>
+          <p:nvPr>
+            <p:ph idx="1"/>
+          </p:nvPr>
+        </p:nvSpPr>
+        <p:spPr/>
+        <p:txBody>
+          <a:bodyPr>
+            <a:normAutofit/>
+          </a:bodyPr>
+          <a:lstStyle/>
+          <a:p>
+            <a:endParaRPr kumimoji="1" lang="en-US" altLang="zh-CN" b="1" dirty="0">
+              <a:sym typeface="Wingdings" panose="05000000000000000000" pitchFamily="2" charset="2"/>
+            </a:endParaRPr>
+          </a:p>
+          <a:p>
+            <a:r>
+              <a:rPr kumimoji="1" lang="en-US" altLang="zh-CN" dirty="0"/>
+              <a:t>Why Do Traditional Machine Learning Methods Outperform Neural Networks ?</a:t>
+            </a:r>
+          </a:p>
+          <a:p>
+            <a:r>
+              <a:rPr kumimoji="1" lang="en-US" altLang="zh-CN" dirty="0"/>
+              <a:t>Why Do These Data Processing Methods Lead to a Decrease in Model Performance ?</a:t>
+            </a:r>
+          </a:p>
+          <a:p>
+            <a:pPr lvl="1"/>
+            <a:r>
+              <a:rPr kumimoji="1" lang="zh-CN" altLang="en-US" sz="1600" dirty="0">
+                <a:sym typeface="+mn-ea"/>
+              </a:rPr>
+              <a:t>Data Augmentation</a:t>
+            </a:r>
+            <a:endParaRPr kumimoji="1" lang="zh-CN" altLang="en-US" sz="1600" dirty="0"/>
+          </a:p>
+          <a:p>
+            <a:pPr lvl="1" algn="l"/>
+            <a:r>
+              <a:rPr kumimoji="1" lang="zh-CN" altLang="en-US" sz="1600" dirty="0">
+                <a:sym typeface="+mn-ea"/>
+              </a:rPr>
+              <a:t>Anomaly Detection</a:t>
+            </a:r>
+            <a:endParaRPr kumimoji="1" lang="zh-CN" altLang="en-US" sz="1600" dirty="0"/>
+          </a:p>
+          <a:p>
+            <a:pPr lvl="1" algn="l"/>
+            <a:r>
+              <a:rPr kumimoji="1" lang="zh-CN" altLang="en-US" sz="1600" dirty="0">
+                <a:sym typeface="+mn-ea"/>
+              </a:rPr>
+              <a:t>Shuffle Data</a:t>
+            </a:r>
+            <a:endParaRPr kumimoji="1" lang="zh-CN" altLang="en-US" sz="1600" dirty="0"/>
+          </a:p>
+          <a:p>
+            <a:pPr lvl="1" algn="l"/>
+            <a:r>
+              <a:rPr kumimoji="1" lang="zh-CN" altLang="en-US" sz="1600" dirty="0">
+                <a:sym typeface="+mn-ea"/>
+              </a:rPr>
+              <a:t>One-Hot Encoding</a:t>
+            </a:r>
+            <a:endParaRPr kumimoji="1" lang="zh-CN" altLang="en-US" dirty="0"/>
+          </a:p>
+          <a:p>
+            <a:r>
+              <a:rPr kumimoji="1" lang="en-US" altLang="zh-CN" dirty="0"/>
+              <a:t>What We Found in Feature Engineering ?</a:t>
+            </a:r>
+          </a:p>
+          <a:p>
+            <a:pPr lvl="1"/>
+            <a:endParaRPr kumimoji="1" lang="en-US" altLang="zh-CN" dirty="0"/>
+          </a:p>
+          <a:p>
+            <a:endParaRPr kumimoji="1" lang="en-US" altLang="zh-CN" dirty="0"/>
+          </a:p>
+        </p:txBody>
+      </p:sp>
+      <p:sp>
+        <p:nvSpPr>
+          <p:cNvPr id="3" name="标题 2"/>
+          <p:cNvSpPr>
+            <a:spLocks noGrp="1"/>
+          </p:cNvSpPr>
+          <p:nvPr>
+            <p:ph type="title"/>
+          </p:nvPr>
+        </p:nvSpPr>
+        <p:spPr/>
+        <p:txBody>
+          <a:bodyPr/>
+          <a:lstStyle/>
+          <a:p>
+            <a:r>
+              <a:rPr lang="en-US" dirty="0"/>
+              <a:t>conclusion and discussion</a:t>
+            </a:r>
+          </a:p>
+        </p:txBody>
+      </p:sp>
+      <p:sp>
+        <p:nvSpPr>
+          <p:cNvPr id="4" name="Foliennummernplatzhalter 3">
+            <a:extLst>
+              <a:ext uri="{FF2B5EF4-FFF2-40B4-BE49-F238E27FC236}">
+                <a16:creationId xmlns:a16="http://schemas.microsoft.com/office/drawing/2014/main" id="{D72C93E5-1727-D76C-80A3-165172E7F577}"/>
+              </a:ext>
+            </a:extLst>
+          </p:cNvPr>
+          <p:cNvSpPr>
+            <a:spLocks noGrp="1"/>
+          </p:cNvSpPr>
+          <p:nvPr>
+            <p:ph type="sldNum" sz="quarter" idx="12"/>
+          </p:nvPr>
+        </p:nvSpPr>
+        <p:spPr/>
+        <p:txBody>
+          <a:bodyPr/>
+          <a:lstStyle/>
+          <a:p>
+            <a:fld id="{977BA8E6-E826-B147-AA17-E3D76A29629C}" type="slidenum">
+              <a:rPr kumimoji="1" lang="zh-CN" altLang="en-US" smtClean="0"/>
+              <a:t>14</a:t>
+            </a:fld>
+            <a:endParaRPr kumimoji="1" lang="zh-CN" altLang="en-US"/>
+          </a:p>
+        </p:txBody>
+      </p:sp>
+    </p:spTree>
+  </p:cSld>
+  <p:clrMapOvr>
+    <a:masterClrMapping/>
+  </p:clrMapOvr>
+</p:sld>
+</file>
+
+<file path=ppt/slides/slide15.xml><?xml version="1.0" encoding="utf-8"?>
+<p:sld xmlns:a="http://schemas.openxmlformats.org/drawingml/2006/main" xmlns:r="http://schemas.openxmlformats.org/officeDocument/2006/relationships" xmlns:p="http://schemas.openxmlformats.org/presentationml/2006/main">
+  <p:cSld>
+    <p:spTree>
+      <p:nvGrpSpPr>
+        <p:cNvPr id="1" name=""/>
+        <p:cNvGrpSpPr/>
+        <p:nvPr/>
+      </p:nvGrpSpPr>
+      <p:grpSpPr>
+        <a:xfrm>
+          <a:off x="0" y="0"/>
+          <a:ext cx="0" cy="0"/>
+          <a:chOff x="0" y="0"/>
+          <a:chExt cx="0" cy="0"/>
+        </a:xfrm>
+      </p:grpSpPr>
+      <p:sp>
+        <p:nvSpPr>
+          <p:cNvPr id="2" name="标题 1"/>
+          <p:cNvSpPr>
+            <a:spLocks noGrp="1"/>
+          </p:cNvSpPr>
+          <p:nvPr>
+            <p:ph type="ctrTitle"/>
+          </p:nvPr>
+        </p:nvSpPr>
+        <p:spPr/>
+        <p:txBody>
+          <a:bodyPr/>
+          <a:lstStyle/>
+          <a:p>
+            <a:r>
+              <a:rPr kumimoji="1" lang="en-US" altLang="zh-CN" dirty="0"/>
+              <a:t>Thank you!</a:t>
+            </a:r>
+            <a:endParaRPr kumimoji="1" lang="zh-CN" altLang="en-US" dirty="0"/>
+          </a:p>
+        </p:txBody>
+      </p:sp>
+      <p:sp>
+        <p:nvSpPr>
+          <p:cNvPr id="3" name="副标题 2"/>
+          <p:cNvSpPr>
+            <a:spLocks noGrp="1"/>
+          </p:cNvSpPr>
+          <p:nvPr>
+            <p:ph type="subTitle" idx="1"/>
+          </p:nvPr>
+        </p:nvSpPr>
+        <p:spPr/>
+        <p:txBody>
+          <a:bodyPr>
+            <a:normAutofit/>
+          </a:bodyPr>
+          <a:lstStyle/>
+          <a:p>
+            <a:endParaRPr kumimoji="1" lang="en-US" altLang="zh-CN" dirty="0"/>
+          </a:p>
+          <a:p>
+            <a:endParaRPr kumimoji="1" lang="en-US" altLang="zh-CN" dirty="0"/>
+          </a:p>
+        </p:txBody>
+      </p:sp>
+      <p:sp>
+        <p:nvSpPr>
+          <p:cNvPr id="4" name="Foliennummernplatzhalter 3">
+            <a:extLst>
+              <a:ext uri="{FF2B5EF4-FFF2-40B4-BE49-F238E27FC236}">
+                <a16:creationId xmlns:a16="http://schemas.microsoft.com/office/drawing/2014/main" id="{51437B79-B4E4-16E5-764A-0DE3DC57BD52}"/>
+              </a:ext>
+            </a:extLst>
+          </p:cNvPr>
+          <p:cNvSpPr>
+            <a:spLocks noGrp="1"/>
+          </p:cNvSpPr>
+          <p:nvPr>
+            <p:ph type="sldNum" sz="quarter" idx="12"/>
+          </p:nvPr>
+        </p:nvSpPr>
+        <p:spPr/>
+        <p:txBody>
+          <a:bodyPr/>
+          <a:lstStyle/>
+          <a:p>
+            <a:fld id="{977BA8E6-E826-B147-AA17-E3D76A29629C}" type="slidenum">
+              <a:rPr kumimoji="1" lang="zh-CN" altLang="en-US" smtClean="0"/>
+              <a:t>15</a:t>
+            </a:fld>
+            <a:endParaRPr kumimoji="1" lang="zh-CN" altLang="en-US"/>
           </a:p>
         </p:txBody>
       </p:sp>
@@ -5038,6 +6138,35 @@
           </a:p>
         </p:txBody>
       </p:sp>
+      <p:sp>
+        <p:nvSpPr>
+          <p:cNvPr id="4" name="Foliennummernplatzhalter 3">
+            <a:extLst>
+              <a:ext uri="{FF2B5EF4-FFF2-40B4-BE49-F238E27FC236}">
+                <a16:creationId xmlns:a16="http://schemas.microsoft.com/office/drawing/2014/main" id="{C55F9259-78F5-959C-F056-779E11EE1EA9}"/>
+              </a:ext>
+            </a:extLst>
+          </p:cNvPr>
+          <p:cNvSpPr>
+            <a:spLocks noGrp="1"/>
+          </p:cNvSpPr>
+          <p:nvPr>
+            <p:ph type="sldNum" sz="quarter" idx="12"/>
+          </p:nvPr>
+        </p:nvSpPr>
+        <p:spPr/>
+        <p:txBody>
+          <a:bodyPr/>
+          <a:lstStyle/>
+          <a:p>
+            <a:fld id="{977BA8E6-E826-B147-AA17-E3D76A29629C}" type="slidenum">
+              <a:rPr kumimoji="1" lang="zh-CN" altLang="en-US" smtClean="0"/>
+              <a:t>2</a:t>
+            </a:fld>
+            <a:endParaRPr kumimoji="1" lang="zh-CN" altLang="en-US"/>
+          </a:p>
+        </p:txBody>
+      </p:sp>
     </p:spTree>
   </p:cSld>
   <p:clrMapOvr>
@@ -5180,6 +6309,35 @@
           </a:p>
         </p:txBody>
       </p:sp>
+      <p:sp>
+        <p:nvSpPr>
+          <p:cNvPr id="4" name="Foliennummernplatzhalter 3">
+            <a:extLst>
+              <a:ext uri="{FF2B5EF4-FFF2-40B4-BE49-F238E27FC236}">
+                <a16:creationId xmlns:a16="http://schemas.microsoft.com/office/drawing/2014/main" id="{D5E9CDE1-EB0B-57A3-6CAD-E1E2E3C5684D}"/>
+              </a:ext>
+            </a:extLst>
+          </p:cNvPr>
+          <p:cNvSpPr>
+            <a:spLocks noGrp="1"/>
+          </p:cNvSpPr>
+          <p:nvPr>
+            <p:ph type="sldNum" sz="quarter" idx="12"/>
+          </p:nvPr>
+        </p:nvSpPr>
+        <p:spPr/>
+        <p:txBody>
+          <a:bodyPr/>
+          <a:lstStyle/>
+          <a:p>
+            <a:fld id="{977BA8E6-E826-B147-AA17-E3D76A29629C}" type="slidenum">
+              <a:rPr kumimoji="1" lang="zh-CN" altLang="en-US" smtClean="0"/>
+              <a:t>3</a:t>
+            </a:fld>
+            <a:endParaRPr kumimoji="1" lang="zh-CN" altLang="en-US"/>
+          </a:p>
+        </p:txBody>
+      </p:sp>
     </p:spTree>
   </p:cSld>
   <p:clrMapOvr>
@@ -5324,6 +6482,35 @@
               <a:rPr lang="en-US" dirty="0"/>
               <a:t>Data pre-Processing</a:t>
             </a:r>
+          </a:p>
+        </p:txBody>
+      </p:sp>
+      <p:sp>
+        <p:nvSpPr>
+          <p:cNvPr id="4" name="Foliennummernplatzhalter 3">
+            <a:extLst>
+              <a:ext uri="{FF2B5EF4-FFF2-40B4-BE49-F238E27FC236}">
+                <a16:creationId xmlns:a16="http://schemas.microsoft.com/office/drawing/2014/main" id="{2303881A-5166-0B41-40A8-71A70BA48AA3}"/>
+              </a:ext>
+            </a:extLst>
+          </p:cNvPr>
+          <p:cNvSpPr>
+            <a:spLocks noGrp="1"/>
+          </p:cNvSpPr>
+          <p:nvPr>
+            <p:ph type="sldNum" sz="quarter" idx="12"/>
+          </p:nvPr>
+        </p:nvSpPr>
+        <p:spPr/>
+        <p:txBody>
+          <a:bodyPr/>
+          <a:lstStyle/>
+          <a:p>
+            <a:fld id="{977BA8E6-E826-B147-AA17-E3D76A29629C}" type="slidenum">
+              <a:rPr kumimoji="1" lang="zh-CN" altLang="en-US" smtClean="0"/>
+              <a:t>4</a:t>
+            </a:fld>
+            <a:endParaRPr kumimoji="1" lang="zh-CN" altLang="en-US"/>
           </a:p>
         </p:txBody>
       </p:sp>
@@ -5757,6 +6944,35 @@
           </a:graphicData>
         </a:graphic>
       </p:graphicFrame>
+      <p:sp>
+        <p:nvSpPr>
+          <p:cNvPr id="5" name="Foliennummernplatzhalter 4">
+            <a:extLst>
+              <a:ext uri="{FF2B5EF4-FFF2-40B4-BE49-F238E27FC236}">
+                <a16:creationId xmlns:a16="http://schemas.microsoft.com/office/drawing/2014/main" id="{C2ED486C-E784-08E7-68E6-C12E5CF4A4C2}"/>
+              </a:ext>
+            </a:extLst>
+          </p:cNvPr>
+          <p:cNvSpPr>
+            <a:spLocks noGrp="1"/>
+          </p:cNvSpPr>
+          <p:nvPr>
+            <p:ph type="sldNum" sz="quarter" idx="12"/>
+          </p:nvPr>
+        </p:nvSpPr>
+        <p:spPr/>
+        <p:txBody>
+          <a:bodyPr/>
+          <a:lstStyle/>
+          <a:p>
+            <a:fld id="{977BA8E6-E826-B147-AA17-E3D76A29629C}" type="slidenum">
+              <a:rPr kumimoji="1" lang="zh-CN" altLang="en-US" smtClean="0"/>
+              <a:t>5</a:t>
+            </a:fld>
+            <a:endParaRPr kumimoji="1" lang="zh-CN" altLang="en-US"/>
+          </a:p>
+        </p:txBody>
+      </p:sp>
     </p:spTree>
   </p:cSld>
   <p:clrMapOvr>
@@ -5969,6 +7185,35 @@
           <a:lstStyle/>
           <a:p>
             <a:endParaRPr lang="en-US" dirty="0"/>
+          </a:p>
+        </p:txBody>
+      </p:sp>
+      <p:sp>
+        <p:nvSpPr>
+          <p:cNvPr id="4" name="Foliennummernplatzhalter 3">
+            <a:extLst>
+              <a:ext uri="{FF2B5EF4-FFF2-40B4-BE49-F238E27FC236}">
+                <a16:creationId xmlns:a16="http://schemas.microsoft.com/office/drawing/2014/main" id="{FD30AC70-89C0-7C30-92E6-2159977AE5B0}"/>
+              </a:ext>
+            </a:extLst>
+          </p:cNvPr>
+          <p:cNvSpPr>
+            <a:spLocks noGrp="1"/>
+          </p:cNvSpPr>
+          <p:nvPr>
+            <p:ph type="sldNum" sz="quarter" idx="12"/>
+          </p:nvPr>
+        </p:nvSpPr>
+        <p:spPr/>
+        <p:txBody>
+          <a:bodyPr/>
+          <a:lstStyle/>
+          <a:p>
+            <a:fld id="{977BA8E6-E826-B147-AA17-E3D76A29629C}" type="slidenum">
+              <a:rPr kumimoji="1" lang="zh-CN" altLang="en-US" smtClean="0"/>
+              <a:t>6</a:t>
+            </a:fld>
+            <a:endParaRPr kumimoji="1" lang="zh-CN" altLang="en-US"/>
           </a:p>
         </p:txBody>
       </p:sp>
@@ -6123,6 +7368,35 @@
           </a:prstGeom>
         </p:spPr>
       </p:pic>
+      <p:sp>
+        <p:nvSpPr>
+          <p:cNvPr id="2" name="Foliennummernplatzhalter 1">
+            <a:extLst>
+              <a:ext uri="{FF2B5EF4-FFF2-40B4-BE49-F238E27FC236}">
+                <a16:creationId xmlns:a16="http://schemas.microsoft.com/office/drawing/2014/main" id="{B6B94D98-DE20-097C-BD5A-A7B46589851E}"/>
+              </a:ext>
+            </a:extLst>
+          </p:cNvPr>
+          <p:cNvSpPr>
+            <a:spLocks noGrp="1"/>
+          </p:cNvSpPr>
+          <p:nvPr>
+            <p:ph type="sldNum" sz="quarter" idx="12"/>
+          </p:nvPr>
+        </p:nvSpPr>
+        <p:spPr/>
+        <p:txBody>
+          <a:bodyPr/>
+          <a:lstStyle/>
+          <a:p>
+            <a:fld id="{977BA8E6-E826-B147-AA17-E3D76A29629C}" type="slidenum">
+              <a:rPr kumimoji="1" lang="zh-CN" altLang="en-US" smtClean="0"/>
+              <a:t>7</a:t>
+            </a:fld>
+            <a:endParaRPr kumimoji="1" lang="zh-CN" altLang="en-US"/>
+          </a:p>
+        </p:txBody>
+      </p:sp>
     </p:spTree>
     <p:extLst>
       <p:ext uri="{BB962C8B-B14F-4D97-AF65-F5344CB8AC3E}">
@@ -6155,7 +7429,7 @@
       </p:grpSpPr>
       <p:sp>
         <p:nvSpPr>
-          <p:cNvPr id="2" name="内容占位符 1"/>
+          <p:cNvPr id="2" name="Inhaltsplatzhalter 1"/>
           <p:cNvSpPr>
             <a:spLocks noGrp="1"/>
           </p:cNvSpPr>
@@ -6165,82 +7439,478 @@
         </p:nvSpPr>
         <p:spPr>
           <a:xfrm>
-            <a:off x="581025" y="2090420"/>
-            <a:ext cx="11029315" cy="4341495"/>
+            <a:off x="581194" y="2180499"/>
+            <a:ext cx="11029615" cy="2909662"/>
           </a:xfrm>
         </p:spPr>
         <p:txBody>
-          <a:bodyPr>
-            <a:normAutofit/>
+          <a:bodyPr/>
+          <a:lstStyle/>
+          <a:p>
+            <a:pPr marL="0" indent="0">
+              <a:buNone/>
+            </a:pPr>
+            <a:r>
+              <a:rPr lang="en-US" dirty="0">
+                <a:sym typeface="Wingdings" panose="05000000000000000000" pitchFamily="2" charset="2"/>
+              </a:rPr>
+              <a:t>For each type of damage, we have developed a </a:t>
+            </a:r>
+            <a:r>
+              <a:rPr kumimoji="1" lang="en-US" altLang="zh-CN" dirty="0">
+                <a:sym typeface="Wingdings" pitchFamily="2" charset="2"/>
+              </a:rPr>
+              <a:t>Random Forest Classifier </a:t>
+            </a:r>
+            <a:r>
+              <a:rPr lang="en-US" dirty="0">
+                <a:sym typeface="Wingdings" panose="05000000000000000000" pitchFamily="2" charset="2"/>
+              </a:rPr>
+              <a:t>to decide whether an object is of this type.</a:t>
+            </a:r>
+          </a:p>
+          <a:p>
+            <a:pPr marL="0" indent="0">
+              <a:buNone/>
+            </a:pPr>
+            <a:endParaRPr lang="en-US" dirty="0"/>
+          </a:p>
+          <a:p>
+            <a:pPr marL="0" indent="0">
+              <a:buNone/>
+            </a:pPr>
+            <a:endParaRPr lang="en-US" dirty="0"/>
+          </a:p>
+          <a:p>
+            <a:pPr marL="0" indent="0">
+              <a:buNone/>
+            </a:pPr>
+            <a:endParaRPr lang="en-US" dirty="0"/>
+          </a:p>
+          <a:p>
+            <a:pPr marL="0" indent="0">
+              <a:buNone/>
+            </a:pPr>
+            <a:endParaRPr lang="en-US" dirty="0"/>
+          </a:p>
+          <a:p>
+            <a:pPr marL="0" indent="0">
+              <a:buNone/>
+            </a:pPr>
+            <a:endParaRPr lang="en-US" dirty="0"/>
+          </a:p>
+          <a:p>
+            <a:pPr marL="0" indent="0">
+              <a:buNone/>
+            </a:pPr>
+            <a:endParaRPr lang="en-US" dirty="0"/>
+          </a:p>
+          <a:p>
+            <a:pPr marL="0" indent="0">
+              <a:buNone/>
+            </a:pPr>
+            <a:endParaRPr lang="en-US" dirty="0"/>
+          </a:p>
+          <a:p>
+            <a:pPr marL="0" indent="0">
+              <a:buNone/>
+            </a:pPr>
+            <a:endParaRPr lang="en-US" dirty="0"/>
+          </a:p>
+          <a:p>
+            <a:pPr marL="0" indent="0">
+              <a:buNone/>
+            </a:pPr>
+            <a:endParaRPr lang="en-US" dirty="0"/>
+          </a:p>
+          <a:p>
+            <a:pPr marL="0" indent="0">
+              <a:buNone/>
+            </a:pPr>
+            <a:endParaRPr lang="en-US" dirty="0"/>
+          </a:p>
+        </p:txBody>
+      </p:sp>
+      <p:sp>
+        <p:nvSpPr>
+          <p:cNvPr id="3" name="Titel 2"/>
+          <p:cNvSpPr>
+            <a:spLocks noGrp="1"/>
+          </p:cNvSpPr>
+          <p:nvPr>
+            <p:ph type="title"/>
+          </p:nvPr>
+        </p:nvSpPr>
+        <p:spPr/>
+        <p:txBody>
+          <a:bodyPr/>
+          <a:lstStyle/>
+          <a:p>
+            <a:r>
+              <a:rPr lang="en-US" altLang="zh-CN" dirty="0"/>
+              <a:t>Other method: Multiple classifier</a:t>
+            </a:r>
+            <a:endParaRPr lang="en-US" dirty="0"/>
+          </a:p>
+        </p:txBody>
+      </p:sp>
+      <p:graphicFrame>
+        <p:nvGraphicFramePr>
+          <p:cNvPr id="4" name="Tabelle 4"/>
+          <p:cNvGraphicFramePr>
+            <a:graphicFrameLocks noGrp="1"/>
+          </p:cNvGraphicFramePr>
+          <p:nvPr>
+            <p:extLst>
+              <p:ext uri="{D42A27DB-BD31-4B8C-83A1-F6EECF244321}">
+                <p14:modId xmlns:p14="http://schemas.microsoft.com/office/powerpoint/2010/main" val="1681388819"/>
+              </p:ext>
+            </p:extLst>
+          </p:nvPr>
+        </p:nvGraphicFramePr>
+        <p:xfrm>
+          <a:off x="686597" y="2724249"/>
+          <a:ext cx="6511290" cy="2224001"/>
+        </p:xfrm>
+        <a:graphic>
+          <a:graphicData uri="http://schemas.openxmlformats.org/drawingml/2006/table">
+            <a:tbl>
+              <a:tblPr firstRow="1" bandRow="1">
+                <a:tableStyleId>{5C22544A-7EE6-4342-B048-85BDC9FD1C3A}</a:tableStyleId>
+              </a:tblPr>
+              <a:tblGrid>
+                <a:gridCol w="2447290">
+                  <a:extLst>
+                    <a:ext uri="{9D8B030D-6E8A-4147-A177-3AD203B41FA5}">
+                      <a16:colId xmlns:a16="http://schemas.microsoft.com/office/drawing/2014/main" val="20000"/>
+                    </a:ext>
+                  </a:extLst>
+                </a:gridCol>
+                <a:gridCol w="4064000">
+                  <a:extLst>
+                    <a:ext uri="{9D8B030D-6E8A-4147-A177-3AD203B41FA5}">
+                      <a16:colId xmlns:a16="http://schemas.microsoft.com/office/drawing/2014/main" val="20001"/>
+                    </a:ext>
+                  </a:extLst>
+                </a:gridCol>
+              </a:tblGrid>
+              <a:tr h="0">
+                <a:tc>
+                  <a:txBody>
+                    <a:bodyPr/>
+                    <a:lstStyle/>
+                    <a:p>
+                      <a:r>
+                        <a:rPr lang="en-US" dirty="0"/>
+                        <a:t>Type</a:t>
+                      </a:r>
+                    </a:p>
+                  </a:txBody>
+                  <a:tcPr/>
+                </a:tc>
+                <a:tc>
+                  <a:txBody>
+                    <a:bodyPr/>
+                    <a:lstStyle/>
+                    <a:p>
+                      <a:r>
+                        <a:rPr lang="en-US" dirty="0"/>
+                        <a:t>Accuracy</a:t>
+                      </a:r>
+                    </a:p>
+                  </a:txBody>
+                  <a:tcPr/>
+                </a:tc>
+                <a:extLst>
+                  <a:ext uri="{0D108BD9-81ED-4DB2-BD59-A6C34878D82A}">
+                    <a16:rowId xmlns:a16="http://schemas.microsoft.com/office/drawing/2014/main" val="10000"/>
+                  </a:ext>
+                </a:extLst>
+              </a:tr>
+              <a:tr h="370840">
+                <a:tc>
+                  <a:txBody>
+                    <a:bodyPr/>
+                    <a:lstStyle/>
+                    <a:p>
+                      <a:r>
+                        <a:rPr lang="en-US" altLang="zh-CN" sz="1800" kern="1200" dirty="0">
+                          <a:solidFill>
+                            <a:schemeClr val="dk1"/>
+                          </a:solidFill>
+                          <a:effectLst/>
+                          <a:latin typeface="+mn-lt"/>
+                          <a:ea typeface="+mn-ea"/>
+                          <a:cs typeface="+mn-cs"/>
+                        </a:rPr>
+                        <a:t>Normal</a:t>
+                      </a:r>
+                      <a:endParaRPr lang="en-US" dirty="0"/>
+                    </a:p>
+                  </a:txBody>
+                  <a:tcPr/>
+                </a:tc>
+                <a:tc>
+                  <a:txBody>
+                    <a:bodyPr/>
+                    <a:lstStyle/>
+                    <a:p>
+                      <a:r>
+                        <a:rPr lang="en-US" dirty="0"/>
+                        <a:t>96.3%</a:t>
+                      </a:r>
+                    </a:p>
+                  </a:txBody>
+                  <a:tcPr/>
+                </a:tc>
+                <a:extLst>
+                  <a:ext uri="{0D108BD9-81ED-4DB2-BD59-A6C34878D82A}">
+                    <a16:rowId xmlns:a16="http://schemas.microsoft.com/office/drawing/2014/main" val="10001"/>
+                  </a:ext>
+                </a:extLst>
+              </a:tr>
+              <a:tr h="374881">
+                <a:tc>
+                  <a:txBody>
+                    <a:bodyPr/>
+                    <a:lstStyle/>
+                    <a:p>
+                      <a:r>
+                        <a:rPr lang="en-US" altLang="zh-CN" sz="1800" kern="1200" dirty="0" err="1">
+                          <a:solidFill>
+                            <a:schemeClr val="dk1"/>
+                          </a:solidFill>
+                          <a:effectLst/>
+                          <a:latin typeface="+mn-lt"/>
+                          <a:ea typeface="+mn-ea"/>
+                          <a:cs typeface="+mn-cs"/>
+                        </a:rPr>
+                        <a:t>AddWeight</a:t>
+                      </a:r>
+                      <a:endParaRPr lang="en-US" b="1" dirty="0"/>
+                    </a:p>
+                  </a:txBody>
+                  <a:tcPr/>
+                </a:tc>
+                <a:tc>
+                  <a:txBody>
+                    <a:bodyPr/>
+                    <a:lstStyle/>
+                    <a:p>
+                      <a:r>
+                        <a:rPr lang="en-US" b="1" dirty="0"/>
+                        <a:t>100%</a:t>
+                      </a:r>
+                    </a:p>
+                  </a:txBody>
+                  <a:tcPr/>
+                </a:tc>
+                <a:extLst>
+                  <a:ext uri="{0D108BD9-81ED-4DB2-BD59-A6C34878D82A}">
+                    <a16:rowId xmlns:a16="http://schemas.microsoft.com/office/drawing/2014/main" val="10002"/>
+                  </a:ext>
+                </a:extLst>
+              </a:tr>
+              <a:tr h="370840">
+                <a:tc>
+                  <a:txBody>
+                    <a:bodyPr/>
+                    <a:lstStyle/>
+                    <a:p>
+                      <a:pPr marL="0" marR="0" lvl="0" indent="0" algn="l" defTabSz="457200" rtl="0" eaLnBrk="1" fontAlgn="auto" latinLnBrk="0" hangingPunct="1">
+                        <a:lnSpc>
+                          <a:spcPct val="100000"/>
+                        </a:lnSpc>
+                        <a:spcBef>
+                          <a:spcPts val="0"/>
+                        </a:spcBef>
+                        <a:spcAft>
+                          <a:spcPts val="0"/>
+                        </a:spcAft>
+                        <a:buClrTx/>
+                        <a:buSzTx/>
+                        <a:buFontTx/>
+                        <a:buNone/>
+                        <a:defRPr/>
+                      </a:pPr>
+                      <a:r>
+                        <a:rPr lang="en-US" altLang="zh-CN" sz="1800" kern="1200" dirty="0" err="1">
+                          <a:solidFill>
+                            <a:schemeClr val="dk1"/>
+                          </a:solidFill>
+                          <a:effectLst/>
+                          <a:latin typeface="+mn-lt"/>
+                          <a:ea typeface="+mn-ea"/>
+                          <a:cs typeface="+mn-cs"/>
+                        </a:rPr>
+                        <a:t>PressureGain_constant</a:t>
+                      </a:r>
+                      <a:endParaRPr lang="en-US" dirty="0">
+                        <a:sym typeface="Wingdings" panose="05000000000000000000" pitchFamily="2" charset="2"/>
+                      </a:endParaRPr>
+                    </a:p>
+                  </a:txBody>
+                  <a:tcPr/>
+                </a:tc>
+                <a:tc>
+                  <a:txBody>
+                    <a:bodyPr/>
+                    <a:lstStyle/>
+                    <a:p>
+                      <a:r>
+                        <a:rPr lang="en-US" b="1" dirty="0"/>
+                        <a:t>99.2%</a:t>
+                      </a:r>
+                    </a:p>
+                  </a:txBody>
+                  <a:tcPr/>
+                </a:tc>
+                <a:extLst>
+                  <a:ext uri="{0D108BD9-81ED-4DB2-BD59-A6C34878D82A}">
+                    <a16:rowId xmlns:a16="http://schemas.microsoft.com/office/drawing/2014/main" val="10003"/>
+                  </a:ext>
+                </a:extLst>
+              </a:tr>
+              <a:tr h="370840">
+                <a:tc>
+                  <a:txBody>
+                    <a:bodyPr/>
+                    <a:lstStyle/>
+                    <a:p>
+                      <a:r>
+                        <a:rPr lang="en-US" altLang="zh-CN" sz="1800" kern="1200" dirty="0" err="1">
+                          <a:solidFill>
+                            <a:schemeClr val="dk1"/>
+                          </a:solidFill>
+                          <a:effectLst/>
+                          <a:latin typeface="+mn-lt"/>
+                          <a:ea typeface="+mn-ea"/>
+                          <a:cs typeface="+mn-cs"/>
+                        </a:rPr>
+                        <a:t>PropellerDamage_bad</a:t>
+                      </a:r>
+                      <a:endParaRPr lang="en-US" dirty="0"/>
+                    </a:p>
+                  </a:txBody>
+                  <a:tcPr/>
+                </a:tc>
+                <a:tc>
+                  <a:txBody>
+                    <a:bodyPr/>
+                    <a:lstStyle/>
+                    <a:p>
+                      <a:r>
+                        <a:rPr lang="en-US" altLang="zh-CN" dirty="0"/>
+                        <a:t>96.3%</a:t>
+                      </a:r>
+                    </a:p>
+                  </a:txBody>
+                  <a:tcPr/>
+                </a:tc>
+                <a:extLst>
+                  <a:ext uri="{0D108BD9-81ED-4DB2-BD59-A6C34878D82A}">
+                    <a16:rowId xmlns:a16="http://schemas.microsoft.com/office/drawing/2014/main" val="10004"/>
+                  </a:ext>
+                </a:extLst>
+              </a:tr>
+              <a:tr h="370840">
+                <a:tc>
+                  <a:txBody>
+                    <a:bodyPr/>
+                    <a:lstStyle/>
+                    <a:p>
+                      <a:r>
+                        <a:rPr lang="en-US" altLang="zh-CN" sz="1800" kern="1200" dirty="0" err="1">
+                          <a:solidFill>
+                            <a:schemeClr val="dk1"/>
+                          </a:solidFill>
+                          <a:effectLst/>
+                          <a:latin typeface="+mn-lt"/>
+                          <a:ea typeface="+mn-ea"/>
+                          <a:cs typeface="+mn-cs"/>
+                        </a:rPr>
+                        <a:t>PropellerDamage_slight</a:t>
+                      </a:r>
+                      <a:endParaRPr lang="en-US" dirty="0"/>
+                    </a:p>
+                  </a:txBody>
+                  <a:tcPr/>
+                </a:tc>
+                <a:tc>
+                  <a:txBody>
+                    <a:bodyPr/>
+                    <a:lstStyle/>
+                    <a:p>
+                      <a:r>
+                        <a:rPr lang="en-US" dirty="0"/>
+                        <a:t>94.7%</a:t>
+                      </a:r>
+                    </a:p>
+                  </a:txBody>
+                  <a:tcPr/>
+                </a:tc>
+                <a:extLst>
+                  <a:ext uri="{0D108BD9-81ED-4DB2-BD59-A6C34878D82A}">
+                    <a16:rowId xmlns:a16="http://schemas.microsoft.com/office/drawing/2014/main" val="10005"/>
+                  </a:ext>
+                </a:extLst>
+              </a:tr>
+            </a:tbl>
+          </a:graphicData>
+        </a:graphic>
+      </p:graphicFrame>
+      <p:sp>
+        <p:nvSpPr>
+          <p:cNvPr id="5" name="文本框 4">
+            <a:extLst>
+              <a:ext uri="{FF2B5EF4-FFF2-40B4-BE49-F238E27FC236}">
+                <a16:creationId xmlns:a16="http://schemas.microsoft.com/office/drawing/2014/main" id="{CDB08A4B-54FA-0767-BE2B-ECF70BC8E311}"/>
+              </a:ext>
+            </a:extLst>
+          </p:cNvPr>
+          <p:cNvSpPr txBox="1"/>
+          <p:nvPr/>
+        </p:nvSpPr>
+        <p:spPr>
+          <a:xfrm>
+            <a:off x="581191" y="5033746"/>
+            <a:ext cx="11029615" cy="646331"/>
+          </a:xfrm>
+          <a:prstGeom prst="rect">
+            <a:avLst/>
+          </a:prstGeom>
+          <a:noFill/>
+        </p:spPr>
+        <p:txBody>
+          <a:bodyPr wrap="square" rtlCol="0">
+            <a:spAutoFit/>
           </a:bodyPr>
           <a:lstStyle/>
           <a:p>
-            <a:r>
-              <a:rPr kumimoji="1" lang="en-US" altLang="zh-CN" dirty="0"/>
-              <a:t>Simple RNN</a:t>
-            </a:r>
-          </a:p>
-          <a:p>
-            <a:pPr lvl="1"/>
-            <a:r>
-              <a:rPr kumimoji="1" lang="en-US" altLang="zh-CN" dirty="0"/>
-              <a:t>Layers, Learning Rate, Batch Size, Optimizer……</a:t>
-            </a:r>
-          </a:p>
-          <a:p>
-            <a:r>
-              <a:rPr kumimoji="1" lang="en-US" altLang="zh-CN" dirty="0"/>
-              <a:t>Add Ensemble </a:t>
-            </a:r>
-          </a:p>
-          <a:p>
-            <a:pPr lvl="1"/>
-            <a:r>
-              <a:rPr kumimoji="1" lang="en-US" altLang="zh-CN" dirty="0"/>
-              <a:t>Models Vote to Get the Final Prediction</a:t>
-            </a:r>
-          </a:p>
-          <a:p>
-            <a:pPr lvl="0"/>
-            <a:r>
-              <a:rPr kumimoji="1" lang="en-US" altLang="zh-CN" dirty="0"/>
-              <a:t>Use Meta Model</a:t>
-            </a:r>
-          </a:p>
-          <a:p>
-            <a:pPr lvl="1"/>
-            <a:r>
-              <a:rPr kumimoji="1" lang="en-US" altLang="zh-CN" dirty="0"/>
-              <a:t>Model Makes Final Prediction Based on the Base Models’ Prediction</a:t>
-            </a:r>
-          </a:p>
-          <a:p>
-            <a:pPr lvl="0"/>
-            <a:r>
-              <a:rPr kumimoji="1" lang="en-US" altLang="zh-CN" dirty="0"/>
-              <a:t>Parameter </a:t>
-            </a:r>
-            <a:r>
-              <a:rPr lang="en-US" dirty="0">
-                <a:sym typeface="+mn-ea"/>
-              </a:rPr>
-              <a:t>Tuning</a:t>
-            </a:r>
-          </a:p>
-          <a:p>
-            <a:pPr lvl="1"/>
-            <a:endParaRPr kumimoji="1" lang="en-US" altLang="zh-CN" dirty="0"/>
-          </a:p>
-        </p:txBody>
-      </p:sp>
-      <p:sp>
-        <p:nvSpPr>
-          <p:cNvPr id="3" name="标题 2"/>
-          <p:cNvSpPr>
-            <a:spLocks noGrp="1"/>
-          </p:cNvSpPr>
-          <p:nvPr>
-            <p:ph type="title"/>
+            <a:pPr marL="0" indent="0">
+              <a:buNone/>
+            </a:pPr>
+            <a:endParaRPr lang="en-US" altLang="zh-CN" dirty="0"/>
+          </a:p>
+          <a:p>
+            <a:endParaRPr lang="zh-CN" altLang="en-US" dirty="0"/>
+          </a:p>
+        </p:txBody>
+      </p:sp>
+      <p:sp>
+        <p:nvSpPr>
+          <p:cNvPr id="6" name="Foliennummernplatzhalter 5">
+            <a:extLst>
+              <a:ext uri="{FF2B5EF4-FFF2-40B4-BE49-F238E27FC236}">
+                <a16:creationId xmlns:a16="http://schemas.microsoft.com/office/drawing/2014/main" id="{B4A71D0F-EB10-519D-8584-8E68193A3C09}"/>
+              </a:ext>
+            </a:extLst>
+          </p:cNvPr>
+          <p:cNvSpPr>
+            <a:spLocks noGrp="1"/>
+          </p:cNvSpPr>
+          <p:nvPr>
+            <p:ph type="sldNum" sz="quarter" idx="12"/>
           </p:nvPr>
         </p:nvSpPr>
         <p:spPr/>
@@ -6248,10 +7918,11 @@
           <a:bodyPr/>
           <a:lstStyle/>
           <a:p>
-            <a:r>
-              <a:rPr lang="en-US" dirty="0"/>
-              <a:t>What we do with rnn and what we get</a:t>
-            </a:r>
+            <a:fld id="{977BA8E6-E826-B147-AA17-E3D76A29629C}" type="slidenum">
+              <a:rPr kumimoji="1" lang="zh-CN" altLang="en-US" smtClean="0"/>
+              <a:t>8</a:t>
+            </a:fld>
+            <a:endParaRPr kumimoji="1" lang="zh-CN" altLang="en-US"/>
           </a:p>
         </p:txBody>
       </p:sp>
@@ -6290,81 +7961,164 @@
             <p:ph idx="1"/>
           </p:nvPr>
         </p:nvSpPr>
-        <p:spPr/>
+        <p:spPr>
+          <a:xfrm>
+            <a:off x="581025" y="2090420"/>
+            <a:ext cx="11029315" cy="4341495"/>
+          </a:xfrm>
+        </p:spPr>
         <p:txBody>
           <a:bodyPr>
             <a:normAutofit/>
           </a:bodyPr>
           <a:lstStyle/>
           <a:p>
-            <a:endParaRPr kumimoji="1" lang="en-US" altLang="zh-CN" b="1" dirty="0">
-              <a:sym typeface="Wingdings" panose="05000000000000000000" pitchFamily="2" charset="2"/>
-            </a:endParaRPr>
-          </a:p>
-          <a:p>
             <a:r>
               <a:rPr kumimoji="1" lang="en-US" altLang="zh-CN" dirty="0"/>
-              <a:t>Why Do Traditional Machine Learning Methods Outperform Neural Networks ?</a:t>
-            </a:r>
-          </a:p>
-          <a:p>
+              <a:t>Classify Method I:</a:t>
+            </a:r>
+          </a:p>
+          <a:p>
+            <a:pPr lvl="1"/>
             <a:r>
               <a:rPr kumimoji="1" lang="en-US" altLang="zh-CN" dirty="0"/>
-              <a:t>Why Do These Data Processing Methods Lead to a Decrease in Model Performance ?</a:t>
+              <a:t>For each object, we first decide if it can be classified into a single type using the 5 classifiers of the 5 types (Step 1)</a:t>
             </a:r>
           </a:p>
           <a:p>
             <a:pPr lvl="1"/>
             <a:r>
-              <a:rPr kumimoji="1" lang="zh-CN" altLang="en-US" sz="1600" dirty="0">
+              <a:rPr kumimoji="1" lang="en-US" altLang="zh-CN" dirty="0"/>
+              <a:t>If the object classification is ambiguous, use the random forest classifier developed before to decide its type (Step 2)</a:t>
+            </a:r>
+          </a:p>
+          <a:p>
+            <a:pPr lvl="1"/>
+            <a:r>
+              <a:rPr kumimoji="1" lang="en-US" altLang="zh-CN" b="1" dirty="0"/>
+              <a:t>Accuracy for classes </a:t>
+            </a:r>
+            <a:r>
+              <a:rPr lang="en-US" altLang="zh-CN" b="1" dirty="0"/>
+              <a:t>‘</a:t>
+            </a:r>
+            <a:r>
+              <a:rPr lang="en-US" altLang="zh-CN" b="1" dirty="0" err="1"/>
+              <a:t>AddWeight</a:t>
+            </a:r>
+            <a:r>
+              <a:rPr lang="en-US" altLang="zh-CN" b="1" dirty="0"/>
+              <a:t>’ and ‘</a:t>
+            </a:r>
+            <a:r>
+              <a:rPr lang="en-US" altLang="zh-CN" sz="1600" b="1" kern="1200" dirty="0" err="1">
+                <a:solidFill>
+                  <a:schemeClr val="dk1"/>
+                </a:solidFill>
+                <a:effectLst/>
+                <a:latin typeface="+mn-lt"/>
+                <a:ea typeface="+mn-ea"/>
+                <a:cs typeface="+mn-cs"/>
+              </a:rPr>
+              <a:t>PressureGain_constant</a:t>
+            </a:r>
+            <a:r>
+              <a:rPr lang="en-US" altLang="zh-CN" sz="1600" b="1" kern="1200" dirty="0">
+                <a:solidFill>
+                  <a:schemeClr val="dk1"/>
+                </a:solidFill>
+                <a:effectLst/>
+                <a:latin typeface="+mn-lt"/>
+                <a:ea typeface="+mn-ea"/>
+                <a:cs typeface="+mn-cs"/>
+              </a:rPr>
+              <a:t>’ </a:t>
+            </a:r>
+            <a:r>
+              <a:rPr lang="en-US" altLang="zh-CN" b="1" dirty="0">
+                <a:solidFill>
+                  <a:schemeClr val="dk1"/>
+                </a:solidFill>
+              </a:rPr>
+              <a:t>improved</a:t>
+            </a:r>
+            <a:endParaRPr kumimoji="1" lang="en-US" altLang="zh-CN" b="1" dirty="0"/>
+          </a:p>
+          <a:p>
+            <a:r>
+              <a:rPr kumimoji="1" lang="en-US" altLang="zh-CN" dirty="0"/>
+              <a:t>Classify Method II:</a:t>
+            </a:r>
+          </a:p>
+          <a:p>
+            <a:pPr lvl="1"/>
+            <a:r>
+              <a:rPr kumimoji="1" lang="en-US" altLang="zh-CN" dirty="0">
+                <a:solidFill>
+                  <a:schemeClr val="dk1"/>
+                </a:solidFill>
+              </a:rPr>
+              <a:t>Adaption: use improved classifiers from Method 1 </a:t>
+            </a:r>
+            <a:r>
+              <a:rPr kumimoji="1" lang="en-US" altLang="zh-CN" dirty="0">
+                <a:solidFill>
+                  <a:schemeClr val="dk1"/>
+                </a:solidFill>
+                <a:sym typeface="Wingdings" pitchFamily="2" charset="2"/>
+              </a:rPr>
+              <a:t> f</a:t>
+            </a:r>
+            <a:r>
+              <a:rPr kumimoji="1" lang="en-US" altLang="zh-CN" dirty="0"/>
+              <a:t>or others, use the original </a:t>
+            </a:r>
+            <a:r>
+              <a:rPr kumimoji="1" lang="en-US" altLang="zh-CN" dirty="0">
+                <a:sym typeface="Wingdings" pitchFamily="2" charset="2"/>
+              </a:rPr>
+              <a:t>Random Forest Classifier </a:t>
+            </a:r>
+          </a:p>
+          <a:p>
+            <a:pPr lvl="1"/>
+            <a:r>
+              <a:rPr kumimoji="1" lang="en-US" altLang="zh-CN" dirty="0"/>
+              <a:t>Accuracy: </a:t>
+            </a:r>
+            <a:r>
+              <a:rPr kumimoji="1" lang="en-US" altLang="zh-CN" b="1" dirty="0"/>
+              <a:t>97.1%</a:t>
+            </a:r>
+            <a:r>
+              <a:rPr kumimoji="1" lang="en-US" altLang="zh-CN" dirty="0"/>
+              <a:t> each </a:t>
+            </a:r>
+            <a:r>
+              <a:rPr kumimoji="1" lang="en-US" altLang="zh-CN" dirty="0">
+                <a:sym typeface="Wingdings" pitchFamily="2" charset="2"/>
+              </a:rPr>
+              <a:t>(vs. Random Forest Classifier: 97.5%)</a:t>
+            </a:r>
+            <a:endParaRPr kumimoji="1" lang="en-US" altLang="zh-CN" dirty="0"/>
+          </a:p>
+          <a:p>
+            <a:pPr marL="0" lvl="0" indent="0">
+              <a:buNone/>
+            </a:pPr>
+            <a:r>
+              <a:rPr kumimoji="1" lang="en-US" b="1" dirty="0">
+                <a:sym typeface="Wingdings" pitchFamily="2" charset="2"/>
+              </a:rPr>
+              <a:t> </a:t>
+            </a:r>
+            <a:r>
+              <a:rPr kumimoji="1" lang="en-US" b="1" dirty="0">
                 <a:sym typeface="+mn-ea"/>
               </a:rPr>
-              <a:t>Data Augmentation</a:t>
-            </a:r>
-            <a:endParaRPr kumimoji="1" lang="zh-CN" altLang="en-US" sz="1600" dirty="0"/>
-          </a:p>
-          <a:p>
-            <a:pPr lvl="1" algn="l"/>
-            <a:r>
-              <a:rPr kumimoji="1" lang="zh-CN" altLang="en-US" sz="1600" dirty="0">
-                <a:sym typeface="+mn-ea"/>
-              </a:rPr>
-              <a:t>Anomaly Detection</a:t>
-            </a:r>
-            <a:endParaRPr kumimoji="1" lang="zh-CN" altLang="en-US" sz="1600" dirty="0"/>
-          </a:p>
-          <a:p>
-            <a:pPr lvl="1" algn="l"/>
-            <a:r>
-              <a:rPr kumimoji="1" lang="zh-CN" altLang="en-US" sz="1600" dirty="0">
-                <a:sym typeface="+mn-ea"/>
-              </a:rPr>
-              <a:t>Shuffle Data</a:t>
-            </a:r>
-            <a:endParaRPr kumimoji="1" lang="zh-CN" altLang="en-US" sz="1600" dirty="0"/>
-          </a:p>
-          <a:p>
-            <a:pPr lvl="1" algn="l"/>
-            <a:r>
-              <a:rPr kumimoji="1" lang="zh-CN" altLang="en-US" sz="1600" dirty="0">
-                <a:sym typeface="+mn-ea"/>
-              </a:rPr>
-              <a:t>One-Hot Encoding</a:t>
-            </a:r>
-            <a:endParaRPr kumimoji="1" lang="zh-CN" altLang="en-US" dirty="0"/>
-          </a:p>
-          <a:p>
-            <a:r>
-              <a:rPr kumimoji="1" lang="en-US" altLang="zh-CN" dirty="0"/>
-              <a:t>What We Found in Feature Engineering ?</a:t>
-            </a:r>
-          </a:p>
-          <a:p>
-            <a:pPr lvl="1"/>
-            <a:endParaRPr kumimoji="1" lang="en-US" altLang="zh-CN" dirty="0"/>
-          </a:p>
-          <a:p>
-            <a:endParaRPr kumimoji="1" lang="en-US" altLang="zh-CN" dirty="0"/>
+              <a:t>No improvement</a:t>
+            </a:r>
+            <a:endParaRPr kumimoji="1" lang="en-US" altLang="zh-CN" b="1" dirty="0"/>
           </a:p>
         </p:txBody>
       </p:sp>
@@ -6384,9 +8138,39 @@
           <a:lstStyle/>
           <a:p>
             <a:r>
-              <a:rPr lang="en-US" dirty="0"/>
-              <a:t>conclusion and discussion</a:t>
-            </a:r>
+              <a:rPr lang="en-US" altLang="zh-CN" dirty="0"/>
+              <a:t>Other method: Multiple classifier</a:t>
+            </a:r>
+            <a:endParaRPr lang="en-US" dirty="0"/>
+          </a:p>
+        </p:txBody>
+      </p:sp>
+      <p:sp>
+        <p:nvSpPr>
+          <p:cNvPr id="4" name="Foliennummernplatzhalter 3">
+            <a:extLst>
+              <a:ext uri="{FF2B5EF4-FFF2-40B4-BE49-F238E27FC236}">
+                <a16:creationId xmlns:a16="http://schemas.microsoft.com/office/drawing/2014/main" id="{77D7F03A-7A99-CCF6-AFBF-3BBE73FD4D32}"/>
+              </a:ext>
+            </a:extLst>
+          </p:cNvPr>
+          <p:cNvSpPr>
+            <a:spLocks noGrp="1"/>
+          </p:cNvSpPr>
+          <p:nvPr>
+            <p:ph type="sldNum" sz="quarter" idx="12"/>
+          </p:nvPr>
+        </p:nvSpPr>
+        <p:spPr/>
+        <p:txBody>
+          <a:bodyPr/>
+          <a:lstStyle/>
+          <a:p>
+            <a:fld id="{977BA8E6-E826-B147-AA17-E3D76A29629C}" type="slidenum">
+              <a:rPr kumimoji="1" lang="zh-CN" altLang="en-US" smtClean="0"/>
+              <a:t>9</a:t>
+            </a:fld>
+            <a:endParaRPr kumimoji="1" lang="zh-CN" altLang="en-US"/>
           </a:p>
         </p:txBody>
       </p:sp>
@@ -6401,6 +8185,54 @@
 <file path=ppt/tags/tag1.xml><?xml version="1.0" encoding="utf-8"?>
 <p:tagLst xmlns:a="http://schemas.openxmlformats.org/drawingml/2006/main" xmlns:r="http://schemas.openxmlformats.org/officeDocument/2006/relationships" xmlns:p="http://schemas.openxmlformats.org/presentationml/2006/main">
   <p:tag name="COMMONDATA" val="eyJoZGlkIjoiZGEyNjRiOGVjNGQ4OGM0YzEzYzQ1MWZkNTM4MWNiNmEifQ=="/>
+</p:tagLst>
+</file>
+
+<file path=ppt/tags/tag2.xml><?xml version="1.0" encoding="utf-8"?>
+<p:tagLst xmlns:a="http://schemas.openxmlformats.org/drawingml/2006/main" xmlns:r="http://schemas.openxmlformats.org/officeDocument/2006/relationships" xmlns:p="http://schemas.openxmlformats.org/presentationml/2006/main">
+  <p:tag name="KSO_WM_BEAUTIFY_FLAG" val=""/>
+</p:tagLst>
+</file>
+
+<file path=ppt/tags/tag3.xml><?xml version="1.0" encoding="utf-8"?>
+<p:tagLst xmlns:a="http://schemas.openxmlformats.org/drawingml/2006/main" xmlns:r="http://schemas.openxmlformats.org/officeDocument/2006/relationships" xmlns:p="http://schemas.openxmlformats.org/presentationml/2006/main">
+  <p:tag name="KSO_WM_BEAUTIFY_FLAG" val=""/>
+</p:tagLst>
+</file>
+
+<file path=ppt/tags/tag4.xml><?xml version="1.0" encoding="utf-8"?>
+<p:tagLst xmlns:a="http://schemas.openxmlformats.org/drawingml/2006/main" xmlns:r="http://schemas.openxmlformats.org/officeDocument/2006/relationships" xmlns:p="http://schemas.openxmlformats.org/presentationml/2006/main">
+  <p:tag name="KSO_WM_BEAUTIFY_FLAG" val=""/>
+</p:tagLst>
+</file>
+
+<file path=ppt/tags/tag5.xml><?xml version="1.0" encoding="utf-8"?>
+<p:tagLst xmlns:a="http://schemas.openxmlformats.org/drawingml/2006/main" xmlns:r="http://schemas.openxmlformats.org/officeDocument/2006/relationships" xmlns:p="http://schemas.openxmlformats.org/presentationml/2006/main">
+  <p:tag name="KSO_WM_BEAUTIFY_FLAG" val=""/>
+</p:tagLst>
+</file>
+
+<file path=ppt/tags/tag6.xml><?xml version="1.0" encoding="utf-8"?>
+<p:tagLst xmlns:a="http://schemas.openxmlformats.org/drawingml/2006/main" xmlns:r="http://schemas.openxmlformats.org/officeDocument/2006/relationships" xmlns:p="http://schemas.openxmlformats.org/presentationml/2006/main">
+  <p:tag name="KSO_WM_BEAUTIFY_FLAG" val=""/>
+</p:tagLst>
+</file>
+
+<file path=ppt/tags/tag7.xml><?xml version="1.0" encoding="utf-8"?>
+<p:tagLst xmlns:a="http://schemas.openxmlformats.org/drawingml/2006/main" xmlns:r="http://schemas.openxmlformats.org/officeDocument/2006/relationships" xmlns:p="http://schemas.openxmlformats.org/presentationml/2006/main">
+  <p:tag name="KSO_WM_BEAUTIFY_FLAG" val=""/>
+</p:tagLst>
+</file>
+
+<file path=ppt/tags/tag8.xml><?xml version="1.0" encoding="utf-8"?>
+<p:tagLst xmlns:a="http://schemas.openxmlformats.org/drawingml/2006/main" xmlns:r="http://schemas.openxmlformats.org/officeDocument/2006/relationships" xmlns:p="http://schemas.openxmlformats.org/presentationml/2006/main">
+  <p:tag name="KSO_WM_BEAUTIFY_FLAG" val=""/>
+</p:tagLst>
+</file>
+
+<file path=ppt/tags/tag9.xml><?xml version="1.0" encoding="utf-8"?>
+<p:tagLst xmlns:a="http://schemas.openxmlformats.org/drawingml/2006/main" xmlns:r="http://schemas.openxmlformats.org/officeDocument/2006/relationships" xmlns:p="http://schemas.openxmlformats.org/presentationml/2006/main">
+  <p:tag name="KSO_WM_BEAUTIFY_FLAG" val=""/>
 </p:tagLst>
 </file>
 
